--- a/TA2/lmcp-message-format/Build Interfaces.pptx
+++ b/TA2/lmcp-message-format/Build Interfaces.pptx
@@ -1,19 +1,19 @@
 
 <file path=ppt/presentation.xml><?xml version="1.0" encoding="utf-8"?>
-<p:presentation xmlns:a="http://schemas.openxmlformats.org/drawingml/2006/main" xmlns:r="http://schemas.openxmlformats.org/officeDocument/2006/relationships" xmlns:mc="http://schemas.openxmlformats.org/markup-compatibility/2006" xmlns:mv="urn:schemas-microsoft-com:mac:vml" xmlns:p="http://schemas.openxmlformats.org/presentationml/2006/main" xmlns:c="http://schemas.openxmlformats.org/drawingml/2006/chart" xmlns:dgm="http://schemas.openxmlformats.org/drawingml/2006/diagram" xmlns:o="urn:schemas-microsoft-com:office:office" xmlns:v="urn:schemas-microsoft-com:vml" xmlns:pvml="urn:schemas-microsoft-com:office:powerpoint" xmlns:com="http://schemas.openxmlformats.org/drawingml/2006/compatibility" xmlns:p14="http://schemas.microsoft.com/office/powerpoint/2010/main" xmlns:p15="http://schemas.microsoft.com/office/powerpoint/2012/main" autoCompressPictures="0" strictFirstAndLastChars="0" saveSubsetFonts="1">
+<p:presentation xmlns:a="http://schemas.openxmlformats.org/drawingml/2006/main" xmlns:r="http://schemas.openxmlformats.org/officeDocument/2006/relationships" xmlns:p="http://schemas.openxmlformats.org/presentationml/2006/main" strictFirstAndLastChars="0" saveSubsetFonts="1" autoCompressPictures="0">
   <p:sldMasterIdLst>
-    <p:sldMasterId id="2147483659" r:id="rId4"/>
+    <p:sldMasterId id="2147483659" r:id="rId1"/>
   </p:sldMasterIdLst>
   <p:notesMasterIdLst>
-    <p:notesMasterId r:id="rId5"/>
+    <p:notesMasterId r:id="rId3"/>
   </p:notesMasterIdLst>
   <p:sldIdLst>
-    <p:sldId id="256" r:id="rId6"/>
+    <p:sldId id="256" r:id="rId2"/>
   </p:sldIdLst>
-  <p:sldSz cy="5143500" cx="9144000"/>
+  <p:sldSz cx="9144000" cy="5143500" type="screen16x9"/>
   <p:notesSz cx="6858000" cy="9144000"/>
   <p:defaultTextStyle>
-    <a:defPPr lvl="0" marR="0" rtl="0" algn="l">
+    <a:defPPr marR="0" lvl="0" algn="l" rtl="0">
       <a:lnSpc>
         <a:spcPct val="100000"/>
       </a:lnSpc>
@@ -24,7 +24,7 @@
         <a:spcPts val="0"/>
       </a:spcAft>
     </a:defPPr>
-    <a:lvl1pPr lvl="0" marR="0" rtl="0" algn="l">
+    <a:lvl1pPr marR="0" lvl="0" algn="l" rtl="0">
       <a:lnSpc>
         <a:spcPct val="100000"/>
       </a:lnSpc>
@@ -38,7 +38,7 @@
         <a:srgbClr val="000000"/>
       </a:buClr>
       <a:buFont typeface="Arial"/>
-      <a:defRPr b="0" i="0" sz="1400" u="none" cap="none" strike="noStrike">
+      <a:defRPr sz="1400" b="0" i="0" u="none" strike="noStrike" cap="none">
         <a:solidFill>
           <a:srgbClr val="000000"/>
         </a:solidFill>
@@ -48,7 +48,7 @@
         <a:sym typeface="Arial"/>
       </a:defRPr>
     </a:lvl1pPr>
-    <a:lvl2pPr lvl="1" marR="0" rtl="0" algn="l">
+    <a:lvl2pPr marR="0" lvl="1" algn="l" rtl="0">
       <a:lnSpc>
         <a:spcPct val="100000"/>
       </a:lnSpc>
@@ -62,7 +62,7 @@
         <a:srgbClr val="000000"/>
       </a:buClr>
       <a:buFont typeface="Arial"/>
-      <a:defRPr b="0" i="0" sz="1400" u="none" cap="none" strike="noStrike">
+      <a:defRPr sz="1400" b="0" i="0" u="none" strike="noStrike" cap="none">
         <a:solidFill>
           <a:srgbClr val="000000"/>
         </a:solidFill>
@@ -72,7 +72,7 @@
         <a:sym typeface="Arial"/>
       </a:defRPr>
     </a:lvl2pPr>
-    <a:lvl3pPr lvl="2" marR="0" rtl="0" algn="l">
+    <a:lvl3pPr marR="0" lvl="2" algn="l" rtl="0">
       <a:lnSpc>
         <a:spcPct val="100000"/>
       </a:lnSpc>
@@ -86,7 +86,7 @@
         <a:srgbClr val="000000"/>
       </a:buClr>
       <a:buFont typeface="Arial"/>
-      <a:defRPr b="0" i="0" sz="1400" u="none" cap="none" strike="noStrike">
+      <a:defRPr sz="1400" b="0" i="0" u="none" strike="noStrike" cap="none">
         <a:solidFill>
           <a:srgbClr val="000000"/>
         </a:solidFill>
@@ -96,7 +96,7 @@
         <a:sym typeface="Arial"/>
       </a:defRPr>
     </a:lvl3pPr>
-    <a:lvl4pPr lvl="3" marR="0" rtl="0" algn="l">
+    <a:lvl4pPr marR="0" lvl="3" algn="l" rtl="0">
       <a:lnSpc>
         <a:spcPct val="100000"/>
       </a:lnSpc>
@@ -110,7 +110,7 @@
         <a:srgbClr val="000000"/>
       </a:buClr>
       <a:buFont typeface="Arial"/>
-      <a:defRPr b="0" i="0" sz="1400" u="none" cap="none" strike="noStrike">
+      <a:defRPr sz="1400" b="0" i="0" u="none" strike="noStrike" cap="none">
         <a:solidFill>
           <a:srgbClr val="000000"/>
         </a:solidFill>
@@ -120,7 +120,7 @@
         <a:sym typeface="Arial"/>
       </a:defRPr>
     </a:lvl4pPr>
-    <a:lvl5pPr lvl="4" marR="0" rtl="0" algn="l">
+    <a:lvl5pPr marR="0" lvl="4" algn="l" rtl="0">
       <a:lnSpc>
         <a:spcPct val="100000"/>
       </a:lnSpc>
@@ -134,7 +134,7 @@
         <a:srgbClr val="000000"/>
       </a:buClr>
       <a:buFont typeface="Arial"/>
-      <a:defRPr b="0" i="0" sz="1400" u="none" cap="none" strike="noStrike">
+      <a:defRPr sz="1400" b="0" i="0" u="none" strike="noStrike" cap="none">
         <a:solidFill>
           <a:srgbClr val="000000"/>
         </a:solidFill>
@@ -144,7 +144,7 @@
         <a:sym typeface="Arial"/>
       </a:defRPr>
     </a:lvl5pPr>
-    <a:lvl6pPr lvl="5" marR="0" rtl="0" algn="l">
+    <a:lvl6pPr marR="0" lvl="5" algn="l" rtl="0">
       <a:lnSpc>
         <a:spcPct val="100000"/>
       </a:lnSpc>
@@ -158,7 +158,7 @@
         <a:srgbClr val="000000"/>
       </a:buClr>
       <a:buFont typeface="Arial"/>
-      <a:defRPr b="0" i="0" sz="1400" u="none" cap="none" strike="noStrike">
+      <a:defRPr sz="1400" b="0" i="0" u="none" strike="noStrike" cap="none">
         <a:solidFill>
           <a:srgbClr val="000000"/>
         </a:solidFill>
@@ -168,7 +168,7 @@
         <a:sym typeface="Arial"/>
       </a:defRPr>
     </a:lvl6pPr>
-    <a:lvl7pPr lvl="6" marR="0" rtl="0" algn="l">
+    <a:lvl7pPr marR="0" lvl="6" algn="l" rtl="0">
       <a:lnSpc>
         <a:spcPct val="100000"/>
       </a:lnSpc>
@@ -182,7 +182,7 @@
         <a:srgbClr val="000000"/>
       </a:buClr>
       <a:buFont typeface="Arial"/>
-      <a:defRPr b="0" i="0" sz="1400" u="none" cap="none" strike="noStrike">
+      <a:defRPr sz="1400" b="0" i="0" u="none" strike="noStrike" cap="none">
         <a:solidFill>
           <a:srgbClr val="000000"/>
         </a:solidFill>
@@ -192,7 +192,7 @@
         <a:sym typeface="Arial"/>
       </a:defRPr>
     </a:lvl7pPr>
-    <a:lvl8pPr lvl="7" marR="0" rtl="0" algn="l">
+    <a:lvl8pPr marR="0" lvl="7" algn="l" rtl="0">
       <a:lnSpc>
         <a:spcPct val="100000"/>
       </a:lnSpc>
@@ -206,7 +206,7 @@
         <a:srgbClr val="000000"/>
       </a:buClr>
       <a:buFont typeface="Arial"/>
-      <a:defRPr b="0" i="0" sz="1400" u="none" cap="none" strike="noStrike">
+      <a:defRPr sz="1400" b="0" i="0" u="none" strike="noStrike" cap="none">
         <a:solidFill>
           <a:srgbClr val="000000"/>
         </a:solidFill>
@@ -216,7 +216,7 @@
         <a:sym typeface="Arial"/>
       </a:defRPr>
     </a:lvl8pPr>
-    <a:lvl9pPr lvl="8" marR="0" rtl="0" algn="l">
+    <a:lvl9pPr marR="0" lvl="8" algn="l" rtl="0">
       <a:lnSpc>
         <a:spcPct val="100000"/>
       </a:lnSpc>
@@ -230,7 +230,7 @@
         <a:srgbClr val="000000"/>
       </a:buClr>
       <a:buFont typeface="Arial"/>
-      <a:defRPr b="0" i="0" sz="1400" u="none" cap="none" strike="noStrike">
+      <a:defRPr sz="1400" b="0" i="0" u="none" strike="noStrike" cap="none">
         <a:solidFill>
           <a:srgbClr val="000000"/>
         </a:solidFill>
@@ -243,7 +243,7 @@
   </p:defaultTextStyle>
   <p:extLst>
     <p:ext uri="{EFAFB233-063F-42B5-8137-9DF3F51BA10A}">
-      <p15:sldGuideLst>
+      <p15:sldGuideLst xmlns:p15="http://schemas.microsoft.com/office/powerpoint/2012/main">
         <p15:guide id="1" orient="horz" pos="1620">
           <p15:clr>
             <a:srgbClr val="A4A3A4"/>
@@ -261,11 +261,16 @@
 </file>
 
 <file path=ppt/notesMasters/notesMaster1.xml><?xml version="1.0" encoding="utf-8"?>
-<p:notesMaster xmlns:a="http://schemas.openxmlformats.org/drawingml/2006/main" xmlns:r="http://schemas.openxmlformats.org/officeDocument/2006/relationships" xmlns:mc="http://schemas.openxmlformats.org/markup-compatibility/2006" xmlns:mv="urn:schemas-microsoft-com:mac:vml" xmlns:p="http://schemas.openxmlformats.org/presentationml/2006/main" xmlns:c="http://schemas.openxmlformats.org/drawingml/2006/chart" xmlns:dgm="http://schemas.openxmlformats.org/drawingml/2006/diagram" xmlns:o="urn:schemas-microsoft-com:office:office" xmlns:v="urn:schemas-microsoft-com:vml" xmlns:pvml="urn:schemas-microsoft-com:office:powerpoint" xmlns:com="http://schemas.openxmlformats.org/drawingml/2006/compatibility" xmlns:p14="http://schemas.microsoft.com/office/powerpoint/2010/main" xmlns:p15="http://schemas.microsoft.com/office/powerpoint/2012/main">
+<p:notesMaster xmlns:a="http://schemas.openxmlformats.org/drawingml/2006/main" xmlns:r="http://schemas.openxmlformats.org/officeDocument/2006/relationships" xmlns:p="http://schemas.openxmlformats.org/presentationml/2006/main">
   <p:cSld>
+    <p:bg>
+      <p:bgRef idx="1001">
+        <a:schemeClr val="bg1"/>
+      </p:bgRef>
+    </p:bg>
     <p:spTree>
       <p:nvGrpSpPr>
-        <p:cNvPr id="2" name="Shape 2"/>
+        <p:cNvPr id="1" name="Shape 2"/>
         <p:cNvGrpSpPr/>
         <p:nvPr/>
       </p:nvGrpSpPr>
@@ -280,9 +285,11 @@
       <p:sp>
         <p:nvSpPr>
           <p:cNvPr id="3" name="Google Shape;3;n"/>
-          <p:cNvSpPr/>
+          <p:cNvSpPr>
+            <a:spLocks noGrp="1" noRot="1" noChangeAspect="1"/>
+          </p:cNvSpPr>
           <p:nvPr>
-            <p:ph idx="2" type="sldImg"/>
+            <p:ph type="sldImg" idx="2"/>
           </p:nvPr>
         </p:nvSpPr>
         <p:spPr>
@@ -291,9 +298,13 @@
             <a:ext cx="6096075" cy="3429000"/>
           </a:xfrm>
           <a:custGeom>
-            <a:rect b="b" l="l" r="r" t="t"/>
+            <a:avLst/>
+            <a:gdLst/>
+            <a:ahLst/>
+            <a:cxnLst/>
+            <a:rect l="l" t="t" r="r" b="b"/>
             <a:pathLst>
-              <a:path extrusionOk="0" h="120000" w="120000">
+              <a:path w="120000" h="120000" extrusionOk="0">
                 <a:moveTo>
                   <a:pt x="0" y="0"/>
                 </a:moveTo>
@@ -311,23 +322,25 @@
             </a:pathLst>
           </a:custGeom>
           <a:noFill/>
-          <a:ln cap="flat" cmpd="sng" w="9525">
+          <a:ln w="9525" cap="flat" cmpd="sng">
             <a:solidFill>
               <a:srgbClr val="000000"/>
             </a:solidFill>
             <a:prstDash val="solid"/>
             <a:round/>
-            <a:headEnd len="sm" w="sm" type="none"/>
-            <a:tailEnd len="sm" w="sm" type="none"/>
+            <a:headEnd type="none" w="sm" len="sm"/>
+            <a:tailEnd type="none" w="sm" len="sm"/>
           </a:ln>
         </p:spPr>
       </p:sp>
       <p:sp>
         <p:nvSpPr>
           <p:cNvPr id="4" name="Google Shape;4;n"/>
-          <p:cNvSpPr txBox="1"/>
+          <p:cNvSpPr txBox="1">
+            <a:spLocks noGrp="1"/>
+          </p:cNvSpPr>
           <p:nvPr>
-            <p:ph idx="1" type="body"/>
+            <p:ph type="body" idx="1"/>
           </p:nvPr>
         </p:nvSpPr>
         <p:spPr>
@@ -344,11 +357,11 @@
           </a:ln>
         </p:spPr>
         <p:txBody>
-          <a:bodyPr anchorCtr="0" anchor="t" bIns="91425" lIns="91425" spcFirstLastPara="1" rIns="91425" wrap="square" tIns="91425">
+          <a:bodyPr spcFirstLastPara="1" wrap="square" lIns="91425" tIns="91425" rIns="91425" bIns="91425" anchor="t" anchorCtr="0">
             <a:noAutofit/>
           </a:bodyPr>
           <a:lstStyle>
-            <a:lvl1pPr indent="-298450" lvl="0" marL="457200">
+            <a:lvl1pPr marL="457200" lvl="0" indent="-298450">
               <a:spcBef>
                 <a:spcPts val="0"/>
               </a:spcBef>
@@ -359,7 +372,7 @@
               <a:buChar char="●"/>
               <a:defRPr sz="1100"/>
             </a:lvl1pPr>
-            <a:lvl2pPr indent="-298450" lvl="1" marL="914400">
+            <a:lvl2pPr marL="914400" lvl="1" indent="-298450">
               <a:spcBef>
                 <a:spcPts val="0"/>
               </a:spcBef>
@@ -370,7 +383,7 @@
               <a:buChar char="○"/>
               <a:defRPr sz="1100"/>
             </a:lvl2pPr>
-            <a:lvl3pPr indent="-298450" lvl="2" marL="1371600">
+            <a:lvl3pPr marL="1371600" lvl="2" indent="-298450">
               <a:spcBef>
                 <a:spcPts val="0"/>
               </a:spcBef>
@@ -381,7 +394,7 @@
               <a:buChar char="■"/>
               <a:defRPr sz="1100"/>
             </a:lvl3pPr>
-            <a:lvl4pPr indent="-298450" lvl="3" marL="1828800">
+            <a:lvl4pPr marL="1828800" lvl="3" indent="-298450">
               <a:spcBef>
                 <a:spcPts val="0"/>
               </a:spcBef>
@@ -392,7 +405,7 @@
               <a:buChar char="●"/>
               <a:defRPr sz="1100"/>
             </a:lvl4pPr>
-            <a:lvl5pPr indent="-298450" lvl="4" marL="2286000">
+            <a:lvl5pPr marL="2286000" lvl="4" indent="-298450">
               <a:spcBef>
                 <a:spcPts val="0"/>
               </a:spcBef>
@@ -403,7 +416,7 @@
               <a:buChar char="○"/>
               <a:defRPr sz="1100"/>
             </a:lvl5pPr>
-            <a:lvl6pPr indent="-298450" lvl="5" marL="2743200">
+            <a:lvl6pPr marL="2743200" lvl="5" indent="-298450">
               <a:spcBef>
                 <a:spcPts val="0"/>
               </a:spcBef>
@@ -414,7 +427,7 @@
               <a:buChar char="■"/>
               <a:defRPr sz="1100"/>
             </a:lvl6pPr>
-            <a:lvl7pPr indent="-298450" lvl="6" marL="3200400">
+            <a:lvl7pPr marL="3200400" lvl="6" indent="-298450">
               <a:spcBef>
                 <a:spcPts val="0"/>
               </a:spcBef>
@@ -425,7 +438,7 @@
               <a:buChar char="●"/>
               <a:defRPr sz="1100"/>
             </a:lvl7pPr>
-            <a:lvl8pPr indent="-298450" lvl="7" marL="3657600">
+            <a:lvl8pPr marL="3657600" lvl="7" indent="-298450">
               <a:spcBef>
                 <a:spcPts val="0"/>
               </a:spcBef>
@@ -436,7 +449,7 @@
               <a:buChar char="○"/>
               <a:defRPr sz="1100"/>
             </a:lvl8pPr>
-            <a:lvl9pPr indent="-298450" lvl="8" marL="4114800">
+            <a:lvl9pPr marL="4114800" lvl="8" indent="-298450">
               <a:spcBef>
                 <a:spcPts val="0"/>
               </a:spcBef>
@@ -448,14 +461,16 @@
               <a:defRPr sz="1100"/>
             </a:lvl9pPr>
           </a:lstStyle>
-          <a:p/>
+          <a:p>
+            <a:endParaRPr/>
+          </a:p>
         </p:txBody>
       </p:sp>
     </p:spTree>
   </p:cSld>
-  <p:clrMap accent1="accent1" accent2="accent2" accent3="accent3" accent4="accent4" accent5="accent5" accent6="accent6" bg1="lt1" bg2="dk2" tx1="dk1" tx2="lt2" folHlink="folHlink" hlink="hlink"/>
+  <p:clrMap bg1="lt1" tx1="dk1" bg2="dk2" tx2="lt2" accent1="accent1" accent2="accent2" accent3="accent3" accent4="accent4" accent5="accent5" accent6="accent6" hlink="hlink" folHlink="folHlink"/>
   <p:notesStyle>
-    <a:defPPr lvl="0" marR="0" rtl="0" algn="l">
+    <a:defPPr marR="0" lvl="0" algn="l" rtl="0">
       <a:lnSpc>
         <a:spcPct val="100000"/>
       </a:lnSpc>
@@ -466,7 +481,7 @@
         <a:spcPts val="0"/>
       </a:spcAft>
     </a:defPPr>
-    <a:lvl1pPr lvl="0" marR="0" rtl="0" algn="l">
+    <a:lvl1pPr marR="0" lvl="0" algn="l" rtl="0">
       <a:lnSpc>
         <a:spcPct val="100000"/>
       </a:lnSpc>
@@ -480,7 +495,7 @@
         <a:srgbClr val="000000"/>
       </a:buClr>
       <a:buFont typeface="Arial"/>
-      <a:defRPr b="0" i="0" sz="1400" u="none" cap="none" strike="noStrike">
+      <a:defRPr sz="1400" b="0" i="0" u="none" strike="noStrike" cap="none">
         <a:solidFill>
           <a:srgbClr val="000000"/>
         </a:solidFill>
@@ -490,7 +505,7 @@
         <a:sym typeface="Arial"/>
       </a:defRPr>
     </a:lvl1pPr>
-    <a:lvl2pPr lvl="1" marR="0" rtl="0" algn="l">
+    <a:lvl2pPr marR="0" lvl="1" algn="l" rtl="0">
       <a:lnSpc>
         <a:spcPct val="100000"/>
       </a:lnSpc>
@@ -504,7 +519,7 @@
         <a:srgbClr val="000000"/>
       </a:buClr>
       <a:buFont typeface="Arial"/>
-      <a:defRPr b="0" i="0" sz="1400" u="none" cap="none" strike="noStrike">
+      <a:defRPr sz="1400" b="0" i="0" u="none" strike="noStrike" cap="none">
         <a:solidFill>
           <a:srgbClr val="000000"/>
         </a:solidFill>
@@ -514,7 +529,7 @@
         <a:sym typeface="Arial"/>
       </a:defRPr>
     </a:lvl2pPr>
-    <a:lvl3pPr lvl="2" marR="0" rtl="0" algn="l">
+    <a:lvl3pPr marR="0" lvl="2" algn="l" rtl="0">
       <a:lnSpc>
         <a:spcPct val="100000"/>
       </a:lnSpc>
@@ -528,7 +543,7 @@
         <a:srgbClr val="000000"/>
       </a:buClr>
       <a:buFont typeface="Arial"/>
-      <a:defRPr b="0" i="0" sz="1400" u="none" cap="none" strike="noStrike">
+      <a:defRPr sz="1400" b="0" i="0" u="none" strike="noStrike" cap="none">
         <a:solidFill>
           <a:srgbClr val="000000"/>
         </a:solidFill>
@@ -538,7 +553,7 @@
         <a:sym typeface="Arial"/>
       </a:defRPr>
     </a:lvl3pPr>
-    <a:lvl4pPr lvl="3" marR="0" rtl="0" algn="l">
+    <a:lvl4pPr marR="0" lvl="3" algn="l" rtl="0">
       <a:lnSpc>
         <a:spcPct val="100000"/>
       </a:lnSpc>
@@ -552,7 +567,7 @@
         <a:srgbClr val="000000"/>
       </a:buClr>
       <a:buFont typeface="Arial"/>
-      <a:defRPr b="0" i="0" sz="1400" u="none" cap="none" strike="noStrike">
+      <a:defRPr sz="1400" b="0" i="0" u="none" strike="noStrike" cap="none">
         <a:solidFill>
           <a:srgbClr val="000000"/>
         </a:solidFill>
@@ -562,7 +577,7 @@
         <a:sym typeface="Arial"/>
       </a:defRPr>
     </a:lvl4pPr>
-    <a:lvl5pPr lvl="4" marR="0" rtl="0" algn="l">
+    <a:lvl5pPr marR="0" lvl="4" algn="l" rtl="0">
       <a:lnSpc>
         <a:spcPct val="100000"/>
       </a:lnSpc>
@@ -576,7 +591,7 @@
         <a:srgbClr val="000000"/>
       </a:buClr>
       <a:buFont typeface="Arial"/>
-      <a:defRPr b="0" i="0" sz="1400" u="none" cap="none" strike="noStrike">
+      <a:defRPr sz="1400" b="0" i="0" u="none" strike="noStrike" cap="none">
         <a:solidFill>
           <a:srgbClr val="000000"/>
         </a:solidFill>
@@ -586,7 +601,7 @@
         <a:sym typeface="Arial"/>
       </a:defRPr>
     </a:lvl5pPr>
-    <a:lvl6pPr lvl="5" marR="0" rtl="0" algn="l">
+    <a:lvl6pPr marR="0" lvl="5" algn="l" rtl="0">
       <a:lnSpc>
         <a:spcPct val="100000"/>
       </a:lnSpc>
@@ -600,7 +615,7 @@
         <a:srgbClr val="000000"/>
       </a:buClr>
       <a:buFont typeface="Arial"/>
-      <a:defRPr b="0" i="0" sz="1400" u="none" cap="none" strike="noStrike">
+      <a:defRPr sz="1400" b="0" i="0" u="none" strike="noStrike" cap="none">
         <a:solidFill>
           <a:srgbClr val="000000"/>
         </a:solidFill>
@@ -610,7 +625,7 @@
         <a:sym typeface="Arial"/>
       </a:defRPr>
     </a:lvl6pPr>
-    <a:lvl7pPr lvl="6" marR="0" rtl="0" algn="l">
+    <a:lvl7pPr marR="0" lvl="6" algn="l" rtl="0">
       <a:lnSpc>
         <a:spcPct val="100000"/>
       </a:lnSpc>
@@ -624,7 +639,7 @@
         <a:srgbClr val="000000"/>
       </a:buClr>
       <a:buFont typeface="Arial"/>
-      <a:defRPr b="0" i="0" sz="1400" u="none" cap="none" strike="noStrike">
+      <a:defRPr sz="1400" b="0" i="0" u="none" strike="noStrike" cap="none">
         <a:solidFill>
           <a:srgbClr val="000000"/>
         </a:solidFill>
@@ -634,7 +649,7 @@
         <a:sym typeface="Arial"/>
       </a:defRPr>
     </a:lvl7pPr>
-    <a:lvl8pPr lvl="7" marR="0" rtl="0" algn="l">
+    <a:lvl8pPr marR="0" lvl="7" algn="l" rtl="0">
       <a:lnSpc>
         <a:spcPct val="100000"/>
       </a:lnSpc>
@@ -648,7 +663,7 @@
         <a:srgbClr val="000000"/>
       </a:buClr>
       <a:buFont typeface="Arial"/>
-      <a:defRPr b="0" i="0" sz="1400" u="none" cap="none" strike="noStrike">
+      <a:defRPr sz="1400" b="0" i="0" u="none" strike="noStrike" cap="none">
         <a:solidFill>
           <a:srgbClr val="000000"/>
         </a:solidFill>
@@ -658,7 +673,7 @@
         <a:sym typeface="Arial"/>
       </a:defRPr>
     </a:lvl8pPr>
-    <a:lvl9pPr lvl="8" marR="0" rtl="0" algn="l">
+    <a:lvl9pPr marR="0" lvl="8" algn="l" rtl="0">
       <a:lnSpc>
         <a:spcPct val="100000"/>
       </a:lnSpc>
@@ -672,7 +687,7 @@
         <a:srgbClr val="000000"/>
       </a:buClr>
       <a:buFont typeface="Arial"/>
-      <a:defRPr b="0" i="0" sz="1400" u="none" cap="none" strike="noStrike">
+      <a:defRPr sz="1400" b="0" i="0" u="none" strike="noStrike" cap="none">
         <a:solidFill>
           <a:srgbClr val="000000"/>
         </a:solidFill>
@@ -687,11 +702,11 @@
 </file>
 
 <file path=ppt/notesSlides/notesSlide1.xml><?xml version="1.0" encoding="utf-8"?>
-<p:notes xmlns:a="http://schemas.openxmlformats.org/drawingml/2006/main" xmlns:r="http://schemas.openxmlformats.org/officeDocument/2006/relationships" xmlns:mc="http://schemas.openxmlformats.org/markup-compatibility/2006" xmlns:mv="urn:schemas-microsoft-com:mac:vml" xmlns:p="http://schemas.openxmlformats.org/presentationml/2006/main" xmlns:c="http://schemas.openxmlformats.org/drawingml/2006/chart" xmlns:dgm="http://schemas.openxmlformats.org/drawingml/2006/diagram" xmlns:o="urn:schemas-microsoft-com:office:office" xmlns:v="urn:schemas-microsoft-com:vml" xmlns:pvml="urn:schemas-microsoft-com:office:powerpoint" xmlns:com="http://schemas.openxmlformats.org/drawingml/2006/compatibility" xmlns:p14="http://schemas.microsoft.com/office/powerpoint/2010/main" xmlns:p15="http://schemas.microsoft.com/office/powerpoint/2012/main" showMasterPhAnim="0" showMasterSp="0">
+<p:notes xmlns:a="http://schemas.openxmlformats.org/drawingml/2006/main" xmlns:r="http://schemas.openxmlformats.org/officeDocument/2006/relationships" xmlns:p="http://schemas.openxmlformats.org/presentationml/2006/main" showMasterSp="0" showMasterPhAnim="0">
   <p:cSld>
     <p:spTree>
       <p:nvGrpSpPr>
-        <p:cNvPr id="50" name="Shape 50"/>
+        <p:cNvPr id="1" name="Shape 50"/>
         <p:cNvGrpSpPr/>
         <p:nvPr/>
       </p:nvGrpSpPr>
@@ -706,20 +721,26 @@
       <p:sp>
         <p:nvSpPr>
           <p:cNvPr id="51" name="Google Shape;51;p:notes"/>
-          <p:cNvSpPr/>
+          <p:cNvSpPr>
+            <a:spLocks noGrp="1" noRot="1" noChangeAspect="1"/>
+          </p:cNvSpPr>
           <p:nvPr>
-            <p:ph idx="2" type="sldImg"/>
+            <p:ph type="sldImg" idx="2"/>
           </p:nvPr>
         </p:nvSpPr>
         <p:spPr>
           <a:xfrm>
-            <a:off x="381300" y="685800"/>
-            <a:ext cx="6096075" cy="3429000"/>
+            <a:off x="381000" y="685800"/>
+            <a:ext cx="6096000" cy="3429000"/>
           </a:xfrm>
           <a:custGeom>
-            <a:rect b="b" l="l" r="r" t="t"/>
+            <a:avLst/>
+            <a:gdLst/>
+            <a:ahLst/>
+            <a:cxnLst/>
+            <a:rect l="l" t="t" r="r" b="b"/>
             <a:pathLst>
-              <a:path extrusionOk="0" h="120000" w="120000">
+              <a:path w="120000" h="120000" extrusionOk="0">
                 <a:moveTo>
                   <a:pt x="0" y="0"/>
                 </a:moveTo>
@@ -741,9 +762,11 @@
       <p:sp>
         <p:nvSpPr>
           <p:cNvPr id="52" name="Google Shape;52;p:notes"/>
-          <p:cNvSpPr txBox="1"/>
+          <p:cNvSpPr txBox="1">
+            <a:spLocks noGrp="1"/>
+          </p:cNvSpPr>
           <p:nvPr>
-            <p:ph idx="1" type="body"/>
+            <p:ph type="body" idx="1"/>
           </p:nvPr>
         </p:nvSpPr>
         <p:spPr>
@@ -756,12 +779,12 @@
           </a:prstGeom>
         </p:spPr>
         <p:txBody>
-          <a:bodyPr anchorCtr="0" anchor="t" bIns="91425" lIns="91425" spcFirstLastPara="1" rIns="91425" wrap="square" tIns="91425">
+          <a:bodyPr spcFirstLastPara="1" wrap="square" lIns="91425" tIns="91425" rIns="91425" bIns="91425" anchor="t" anchorCtr="0">
             <a:noAutofit/>
           </a:bodyPr>
           <a:lstStyle/>
           <a:p>
-            <a:pPr indent="0" lvl="0" marL="0" rtl="0" algn="l">
+            <a:pPr marL="0" lvl="0" indent="0" algn="l" rtl="0">
               <a:spcBef>
                 <a:spcPts val="0"/>
               </a:spcBef>
@@ -777,7 +800,7 @@
             <a:endParaRPr/>
           </a:p>
           <a:p>
-            <a:pPr indent="-298450" lvl="0" marL="457200" rtl="0" algn="l">
+            <a:pPr marL="457200" lvl="0" indent="-298450" algn="l" rtl="0">
               <a:spcBef>
                 <a:spcPts val="0"/>
               </a:spcBef>
@@ -794,7 +817,7 @@
             <a:endParaRPr/>
           </a:p>
           <a:p>
-            <a:pPr indent="-298450" lvl="0" marL="457200" rtl="0" algn="l">
+            <a:pPr marL="457200" lvl="0" indent="-298450" algn="l" rtl="0">
               <a:spcBef>
                 <a:spcPts val="0"/>
               </a:spcBef>
@@ -811,7 +834,7 @@
             <a:endParaRPr/>
           </a:p>
           <a:p>
-            <a:pPr indent="0" lvl="0" marL="457200" rtl="0" algn="l">
+            <a:pPr marL="457200" lvl="0" indent="0" algn="l" rtl="0">
               <a:spcBef>
                 <a:spcPts val="0"/>
               </a:spcBef>
@@ -820,13 +843,10 @@
               </a:spcAft>
               <a:buNone/>
             </a:pPr>
-            <a:r>
-              <a:t/>
-            </a:r>
             <a:endParaRPr/>
           </a:p>
           <a:p>
-            <a:pPr indent="0" lvl="0" marL="0" rtl="0" algn="l">
+            <a:pPr marL="0" lvl="0" indent="0" algn="l" rtl="0">
               <a:spcBef>
                 <a:spcPts val="0"/>
               </a:spcBef>
@@ -842,7 +862,7 @@
             <a:endParaRPr/>
           </a:p>
           <a:p>
-            <a:pPr indent="-298450" lvl="0" marL="457200" rtl="0" algn="l">
+            <a:pPr marL="457200" lvl="0" indent="-298450" algn="l" rtl="0">
               <a:spcBef>
                 <a:spcPts val="0"/>
               </a:spcBef>
@@ -869,11 +889,11 @@
 </file>
 
 <file path=ppt/slideLayouts/slideLayout1.xml><?xml version="1.0" encoding="utf-8"?>
-<p:sldLayout xmlns:a="http://schemas.openxmlformats.org/drawingml/2006/main" xmlns:r="http://schemas.openxmlformats.org/officeDocument/2006/relationships" xmlns:mc="http://schemas.openxmlformats.org/markup-compatibility/2006" xmlns:mv="urn:schemas-microsoft-com:mac:vml" xmlns:p="http://schemas.openxmlformats.org/presentationml/2006/main" xmlns:c="http://schemas.openxmlformats.org/drawingml/2006/chart" xmlns:dgm="http://schemas.openxmlformats.org/drawingml/2006/diagram" xmlns:o="urn:schemas-microsoft-com:office:office" xmlns:v="urn:schemas-microsoft-com:vml" xmlns:pvml="urn:schemas-microsoft-com:office:powerpoint" xmlns:com="http://schemas.openxmlformats.org/drawingml/2006/compatibility" xmlns:p14="http://schemas.microsoft.com/office/powerpoint/2010/main" xmlns:p15="http://schemas.microsoft.com/office/powerpoint/2012/main" matchingName="Title slide" type="title">
+<p:sldLayout xmlns:a="http://schemas.openxmlformats.org/drawingml/2006/main" xmlns:r="http://schemas.openxmlformats.org/officeDocument/2006/relationships" xmlns:p="http://schemas.openxmlformats.org/presentationml/2006/main" matchingName="Title slide" type="title">
   <p:cSld name="TITLE">
     <p:spTree>
       <p:nvGrpSpPr>
-        <p:cNvPr id="9" name="Shape 9"/>
+        <p:cNvPr id="1" name="Shape 9"/>
         <p:cNvGrpSpPr/>
         <p:nvPr/>
       </p:nvGrpSpPr>
@@ -888,7 +908,9 @@
       <p:sp>
         <p:nvSpPr>
           <p:cNvPr id="10" name="Google Shape;10;p2"/>
-          <p:cNvSpPr txBox="1"/>
+          <p:cNvSpPr txBox="1">
+            <a:spLocks noGrp="1"/>
+          </p:cNvSpPr>
           <p:nvPr>
             <p:ph type="ctrTitle"/>
           </p:nvPr>
@@ -903,7 +925,7 @@
           </a:prstGeom>
         </p:spPr>
         <p:txBody>
-          <a:bodyPr anchorCtr="0" anchor="b" bIns="91425" lIns="91425" spcFirstLastPara="1" rIns="91425" wrap="square" tIns="91425">
+          <a:bodyPr spcFirstLastPara="1" wrap="square" lIns="91425" tIns="91425" rIns="91425" bIns="91425" anchor="b" anchorCtr="0">
             <a:noAutofit/>
           </a:bodyPr>
           <a:lstStyle>
@@ -1007,15 +1029,19 @@
               <a:defRPr sz="5200"/>
             </a:lvl9pPr>
           </a:lstStyle>
-          <a:p/>
+          <a:p>
+            <a:endParaRPr/>
+          </a:p>
         </p:txBody>
       </p:sp>
       <p:sp>
         <p:nvSpPr>
           <p:cNvPr id="11" name="Google Shape;11;p2"/>
-          <p:cNvSpPr txBox="1"/>
+          <p:cNvSpPr txBox="1">
+            <a:spLocks noGrp="1"/>
+          </p:cNvSpPr>
           <p:nvPr>
-            <p:ph idx="1" type="subTitle"/>
+            <p:ph type="subTitle" idx="1"/>
           </p:nvPr>
         </p:nvSpPr>
         <p:spPr>
@@ -1028,7 +1054,7 @@
           </a:prstGeom>
         </p:spPr>
         <p:txBody>
-          <a:bodyPr anchorCtr="0" anchor="t" bIns="91425" lIns="91425" spcFirstLastPara="1" rIns="91425" wrap="square" tIns="91425">
+          <a:bodyPr spcFirstLastPara="1" wrap="square" lIns="91425" tIns="91425" rIns="91425" bIns="91425" anchor="t" anchorCtr="0">
             <a:noAutofit/>
           </a:bodyPr>
           <a:lstStyle>
@@ -1159,15 +1185,19 @@
               <a:defRPr sz="2800"/>
             </a:lvl9pPr>
           </a:lstStyle>
-          <a:p/>
+          <a:p>
+            <a:endParaRPr/>
+          </a:p>
         </p:txBody>
       </p:sp>
       <p:sp>
         <p:nvSpPr>
           <p:cNvPr id="12" name="Google Shape;12;p2"/>
-          <p:cNvSpPr txBox="1"/>
+          <p:cNvSpPr txBox="1">
+            <a:spLocks noGrp="1"/>
+          </p:cNvSpPr>
           <p:nvPr>
-            <p:ph idx="12" type="sldNum"/>
+            <p:ph type="sldNum" idx="12"/>
           </p:nvPr>
         </p:nvSpPr>
         <p:spPr>
@@ -1180,7 +1210,7 @@
           </a:prstGeom>
         </p:spPr>
         <p:txBody>
-          <a:bodyPr anchorCtr="0" anchor="ctr" bIns="91425" lIns="91425" spcFirstLastPara="1" rIns="91425" wrap="square" tIns="91425">
+          <a:bodyPr spcFirstLastPara="1" wrap="square" lIns="91425" tIns="91425" rIns="91425" bIns="91425" anchor="ctr" anchorCtr="0">
             <a:noAutofit/>
           </a:bodyPr>
           <a:lstStyle>
@@ -1222,7 +1252,7 @@
             </a:lvl9pPr>
           </a:lstStyle>
           <a:p>
-            <a:pPr indent="0" lvl="0" marL="0" rtl="0" algn="r">
+            <a:pPr marL="0" lvl="0" indent="0" algn="r" rtl="0">
               <a:spcBef>
                 <a:spcPts val="0"/>
               </a:spcBef>
@@ -1248,11 +1278,11 @@
 </file>
 
 <file path=ppt/slideLayouts/slideLayout10.xml><?xml version="1.0" encoding="utf-8"?>
-<p:sldLayout xmlns:a="http://schemas.openxmlformats.org/drawingml/2006/main" xmlns:r="http://schemas.openxmlformats.org/officeDocument/2006/relationships" xmlns:mc="http://schemas.openxmlformats.org/markup-compatibility/2006" xmlns:mv="urn:schemas-microsoft-com:mac:vml" xmlns:p="http://schemas.openxmlformats.org/presentationml/2006/main" xmlns:c="http://schemas.openxmlformats.org/drawingml/2006/chart" xmlns:dgm="http://schemas.openxmlformats.org/drawingml/2006/diagram" xmlns:o="urn:schemas-microsoft-com:office:office" xmlns:v="urn:schemas-microsoft-com:vml" xmlns:pvml="urn:schemas-microsoft-com:office:powerpoint" xmlns:com="http://schemas.openxmlformats.org/drawingml/2006/compatibility" xmlns:p14="http://schemas.microsoft.com/office/powerpoint/2010/main" xmlns:p15="http://schemas.microsoft.com/office/powerpoint/2012/main" matchingName="Big number">
+<p:sldLayout xmlns:a="http://schemas.openxmlformats.org/drawingml/2006/main" xmlns:r="http://schemas.openxmlformats.org/officeDocument/2006/relationships" xmlns:p="http://schemas.openxmlformats.org/presentationml/2006/main" matchingName="Big number">
   <p:cSld name="BIG_NUMBER">
     <p:spTree>
       <p:nvGrpSpPr>
-        <p:cNvPr id="44" name="Shape 44"/>
+        <p:cNvPr id="1" name="Shape 44"/>
         <p:cNvGrpSpPr/>
         <p:nvPr/>
       </p:nvGrpSpPr>
@@ -1267,9 +1297,11 @@
       <p:sp>
         <p:nvSpPr>
           <p:cNvPr id="45" name="Google Shape;45;p11"/>
-          <p:cNvSpPr txBox="1"/>
+          <p:cNvSpPr txBox="1">
+            <a:spLocks noGrp="1"/>
+          </p:cNvSpPr>
           <p:nvPr>
-            <p:ph hasCustomPrompt="1" type="title"/>
+            <p:ph type="title" hasCustomPrompt="1"/>
           </p:nvPr>
         </p:nvSpPr>
         <p:spPr>
@@ -1282,7 +1314,7 @@
           </a:prstGeom>
         </p:spPr>
         <p:txBody>
-          <a:bodyPr anchorCtr="0" anchor="b" bIns="91425" lIns="91425" spcFirstLastPara="1" rIns="91425" wrap="square" tIns="91425">
+          <a:bodyPr spcFirstLastPara="1" wrap="square" lIns="91425" tIns="91425" rIns="91425" bIns="91425" anchor="b" anchorCtr="0">
             <a:noAutofit/>
           </a:bodyPr>
           <a:lstStyle>
@@ -1396,9 +1428,11 @@
       <p:sp>
         <p:nvSpPr>
           <p:cNvPr id="46" name="Google Shape;46;p11"/>
-          <p:cNvSpPr txBox="1"/>
+          <p:cNvSpPr txBox="1">
+            <a:spLocks noGrp="1"/>
+          </p:cNvSpPr>
           <p:nvPr>
-            <p:ph idx="1" type="body"/>
+            <p:ph type="body" idx="1"/>
           </p:nvPr>
         </p:nvSpPr>
         <p:spPr>
@@ -1411,11 +1445,11 @@
           </a:prstGeom>
         </p:spPr>
         <p:txBody>
-          <a:bodyPr anchorCtr="0" anchor="t" bIns="91425" lIns="91425" spcFirstLastPara="1" rIns="91425" wrap="square" tIns="91425">
+          <a:bodyPr spcFirstLastPara="1" wrap="square" lIns="91425" tIns="91425" rIns="91425" bIns="91425" anchor="t" anchorCtr="0">
             <a:noAutofit/>
           </a:bodyPr>
           <a:lstStyle>
-            <a:lvl1pPr indent="-342900" lvl="0" marL="457200" algn="ctr">
+            <a:lvl1pPr marL="457200" lvl="0" indent="-342900" algn="ctr">
               <a:spcBef>
                 <a:spcPts val="0"/>
               </a:spcBef>
@@ -1426,7 +1460,7 @@
               <a:buChar char="●"/>
               <a:defRPr/>
             </a:lvl1pPr>
-            <a:lvl2pPr indent="-317500" lvl="1" marL="914400" algn="ctr">
+            <a:lvl2pPr marL="914400" lvl="1" indent="-317500" algn="ctr">
               <a:spcBef>
                 <a:spcPts val="1600"/>
               </a:spcBef>
@@ -1437,7 +1471,7 @@
               <a:buChar char="○"/>
               <a:defRPr/>
             </a:lvl2pPr>
-            <a:lvl3pPr indent="-317500" lvl="2" marL="1371600" algn="ctr">
+            <a:lvl3pPr marL="1371600" lvl="2" indent="-317500" algn="ctr">
               <a:spcBef>
                 <a:spcPts val="1600"/>
               </a:spcBef>
@@ -1448,7 +1482,7 @@
               <a:buChar char="■"/>
               <a:defRPr/>
             </a:lvl3pPr>
-            <a:lvl4pPr indent="-317500" lvl="3" marL="1828800" algn="ctr">
+            <a:lvl4pPr marL="1828800" lvl="3" indent="-317500" algn="ctr">
               <a:spcBef>
                 <a:spcPts val="1600"/>
               </a:spcBef>
@@ -1459,7 +1493,7 @@
               <a:buChar char="●"/>
               <a:defRPr/>
             </a:lvl4pPr>
-            <a:lvl5pPr indent="-317500" lvl="4" marL="2286000" algn="ctr">
+            <a:lvl5pPr marL="2286000" lvl="4" indent="-317500" algn="ctr">
               <a:spcBef>
                 <a:spcPts val="1600"/>
               </a:spcBef>
@@ -1470,7 +1504,7 @@
               <a:buChar char="○"/>
               <a:defRPr/>
             </a:lvl5pPr>
-            <a:lvl6pPr indent="-317500" lvl="5" marL="2743200" algn="ctr">
+            <a:lvl6pPr marL="2743200" lvl="5" indent="-317500" algn="ctr">
               <a:spcBef>
                 <a:spcPts val="1600"/>
               </a:spcBef>
@@ -1481,7 +1515,7 @@
               <a:buChar char="■"/>
               <a:defRPr/>
             </a:lvl6pPr>
-            <a:lvl7pPr indent="-317500" lvl="6" marL="3200400" algn="ctr">
+            <a:lvl7pPr marL="3200400" lvl="6" indent="-317500" algn="ctr">
               <a:spcBef>
                 <a:spcPts val="1600"/>
               </a:spcBef>
@@ -1492,7 +1526,7 @@
               <a:buChar char="●"/>
               <a:defRPr/>
             </a:lvl7pPr>
-            <a:lvl8pPr indent="-317500" lvl="7" marL="3657600" algn="ctr">
+            <a:lvl8pPr marL="3657600" lvl="7" indent="-317500" algn="ctr">
               <a:spcBef>
                 <a:spcPts val="1600"/>
               </a:spcBef>
@@ -1503,7 +1537,7 @@
               <a:buChar char="○"/>
               <a:defRPr/>
             </a:lvl8pPr>
-            <a:lvl9pPr indent="-317500" lvl="8" marL="4114800" algn="ctr">
+            <a:lvl9pPr marL="4114800" lvl="8" indent="-317500" algn="ctr">
               <a:spcBef>
                 <a:spcPts val="1600"/>
               </a:spcBef>
@@ -1515,15 +1549,19 @@
               <a:defRPr/>
             </a:lvl9pPr>
           </a:lstStyle>
-          <a:p/>
+          <a:p>
+            <a:endParaRPr/>
+          </a:p>
         </p:txBody>
       </p:sp>
       <p:sp>
         <p:nvSpPr>
           <p:cNvPr id="47" name="Google Shape;47;p11"/>
-          <p:cNvSpPr txBox="1"/>
+          <p:cNvSpPr txBox="1">
+            <a:spLocks noGrp="1"/>
+          </p:cNvSpPr>
           <p:nvPr>
-            <p:ph idx="12" type="sldNum"/>
+            <p:ph type="sldNum" idx="12"/>
           </p:nvPr>
         </p:nvSpPr>
         <p:spPr>
@@ -1536,7 +1574,7 @@
           </a:prstGeom>
         </p:spPr>
         <p:txBody>
-          <a:bodyPr anchorCtr="0" anchor="ctr" bIns="91425" lIns="91425" spcFirstLastPara="1" rIns="91425" wrap="square" tIns="91425">
+          <a:bodyPr spcFirstLastPara="1" wrap="square" lIns="91425" tIns="91425" rIns="91425" bIns="91425" anchor="ctr" anchorCtr="0">
             <a:noAutofit/>
           </a:bodyPr>
           <a:lstStyle>
@@ -1578,7 +1616,7 @@
             </a:lvl9pPr>
           </a:lstStyle>
           <a:p>
-            <a:pPr indent="0" lvl="0" marL="0" rtl="0" algn="r">
+            <a:pPr marL="0" lvl="0" indent="0" algn="r" rtl="0">
               <a:spcBef>
                 <a:spcPts val="0"/>
               </a:spcBef>
@@ -1604,11 +1642,11 @@
 </file>
 
 <file path=ppt/slideLayouts/slideLayout11.xml><?xml version="1.0" encoding="utf-8"?>
-<p:sldLayout xmlns:a="http://schemas.openxmlformats.org/drawingml/2006/main" xmlns:r="http://schemas.openxmlformats.org/officeDocument/2006/relationships" xmlns:mc="http://schemas.openxmlformats.org/markup-compatibility/2006" xmlns:mv="urn:schemas-microsoft-com:mac:vml" xmlns:p="http://schemas.openxmlformats.org/presentationml/2006/main" xmlns:c="http://schemas.openxmlformats.org/drawingml/2006/chart" xmlns:dgm="http://schemas.openxmlformats.org/drawingml/2006/diagram" xmlns:o="urn:schemas-microsoft-com:office:office" xmlns:v="urn:schemas-microsoft-com:vml" xmlns:pvml="urn:schemas-microsoft-com:office:powerpoint" xmlns:com="http://schemas.openxmlformats.org/drawingml/2006/compatibility" xmlns:p14="http://schemas.microsoft.com/office/powerpoint/2010/main" xmlns:p15="http://schemas.microsoft.com/office/powerpoint/2012/main" matchingName="Blank" type="blank">
+<p:sldLayout xmlns:a="http://schemas.openxmlformats.org/drawingml/2006/main" xmlns:r="http://schemas.openxmlformats.org/officeDocument/2006/relationships" xmlns:p="http://schemas.openxmlformats.org/presentationml/2006/main" matchingName="Blank" type="blank">
   <p:cSld name="BLANK">
     <p:spTree>
       <p:nvGrpSpPr>
-        <p:cNvPr id="48" name="Shape 48"/>
+        <p:cNvPr id="1" name="Shape 48"/>
         <p:cNvGrpSpPr/>
         <p:nvPr/>
       </p:nvGrpSpPr>
@@ -1623,9 +1661,11 @@
       <p:sp>
         <p:nvSpPr>
           <p:cNvPr id="49" name="Google Shape;49;p12"/>
-          <p:cNvSpPr txBox="1"/>
+          <p:cNvSpPr txBox="1">
+            <a:spLocks noGrp="1"/>
+          </p:cNvSpPr>
           <p:nvPr>
-            <p:ph idx="12" type="sldNum"/>
+            <p:ph type="sldNum" idx="12"/>
           </p:nvPr>
         </p:nvSpPr>
         <p:spPr>
@@ -1638,7 +1678,7 @@
           </a:prstGeom>
         </p:spPr>
         <p:txBody>
-          <a:bodyPr anchorCtr="0" anchor="ctr" bIns="91425" lIns="91425" spcFirstLastPara="1" rIns="91425" wrap="square" tIns="91425">
+          <a:bodyPr spcFirstLastPara="1" wrap="square" lIns="91425" tIns="91425" rIns="91425" bIns="91425" anchor="ctr" anchorCtr="0">
             <a:noAutofit/>
           </a:bodyPr>
           <a:lstStyle>
@@ -1680,7 +1720,7 @@
             </a:lvl9pPr>
           </a:lstStyle>
           <a:p>
-            <a:pPr indent="0" lvl="0" marL="0" rtl="0" algn="r">
+            <a:pPr marL="0" lvl="0" indent="0" algn="r" rtl="0">
               <a:spcBef>
                 <a:spcPts val="0"/>
               </a:spcBef>
@@ -1706,11 +1746,11 @@
 </file>
 
 <file path=ppt/slideLayouts/slideLayout2.xml><?xml version="1.0" encoding="utf-8"?>
-<p:sldLayout xmlns:a="http://schemas.openxmlformats.org/drawingml/2006/main" xmlns:r="http://schemas.openxmlformats.org/officeDocument/2006/relationships" xmlns:mc="http://schemas.openxmlformats.org/markup-compatibility/2006" xmlns:mv="urn:schemas-microsoft-com:mac:vml" xmlns:p="http://schemas.openxmlformats.org/presentationml/2006/main" xmlns:c="http://schemas.openxmlformats.org/drawingml/2006/chart" xmlns:dgm="http://schemas.openxmlformats.org/drawingml/2006/diagram" xmlns:o="urn:schemas-microsoft-com:office:office" xmlns:v="urn:schemas-microsoft-com:vml" xmlns:pvml="urn:schemas-microsoft-com:office:powerpoint" xmlns:com="http://schemas.openxmlformats.org/drawingml/2006/compatibility" xmlns:p14="http://schemas.microsoft.com/office/powerpoint/2010/main" xmlns:p15="http://schemas.microsoft.com/office/powerpoint/2012/main" matchingName="Section header" type="secHead">
+<p:sldLayout xmlns:a="http://schemas.openxmlformats.org/drawingml/2006/main" xmlns:r="http://schemas.openxmlformats.org/officeDocument/2006/relationships" xmlns:p="http://schemas.openxmlformats.org/presentationml/2006/main" matchingName="Section header" type="secHead">
   <p:cSld name="SECTION_HEADER">
     <p:spTree>
       <p:nvGrpSpPr>
-        <p:cNvPr id="13" name="Shape 13"/>
+        <p:cNvPr id="1" name="Shape 13"/>
         <p:cNvGrpSpPr/>
         <p:nvPr/>
       </p:nvGrpSpPr>
@@ -1725,7 +1765,9 @@
       <p:sp>
         <p:nvSpPr>
           <p:cNvPr id="14" name="Google Shape;14;p3"/>
-          <p:cNvSpPr txBox="1"/>
+          <p:cNvSpPr txBox="1">
+            <a:spLocks noGrp="1"/>
+          </p:cNvSpPr>
           <p:nvPr>
             <p:ph type="title"/>
           </p:nvPr>
@@ -1740,7 +1782,7 @@
           </a:prstGeom>
         </p:spPr>
         <p:txBody>
-          <a:bodyPr anchorCtr="0" anchor="ctr" bIns="91425" lIns="91425" spcFirstLastPara="1" rIns="91425" wrap="square" tIns="91425">
+          <a:bodyPr spcFirstLastPara="1" wrap="square" lIns="91425" tIns="91425" rIns="91425" bIns="91425" anchor="ctr" anchorCtr="0">
             <a:noAutofit/>
           </a:bodyPr>
           <a:lstStyle>
@@ -1844,15 +1886,19 @@
               <a:defRPr sz="3600"/>
             </a:lvl9pPr>
           </a:lstStyle>
-          <a:p/>
+          <a:p>
+            <a:endParaRPr/>
+          </a:p>
         </p:txBody>
       </p:sp>
       <p:sp>
         <p:nvSpPr>
           <p:cNvPr id="15" name="Google Shape;15;p3"/>
-          <p:cNvSpPr txBox="1"/>
+          <p:cNvSpPr txBox="1">
+            <a:spLocks noGrp="1"/>
+          </p:cNvSpPr>
           <p:nvPr>
-            <p:ph idx="12" type="sldNum"/>
+            <p:ph type="sldNum" idx="12"/>
           </p:nvPr>
         </p:nvSpPr>
         <p:spPr>
@@ -1865,7 +1911,7 @@
           </a:prstGeom>
         </p:spPr>
         <p:txBody>
-          <a:bodyPr anchorCtr="0" anchor="ctr" bIns="91425" lIns="91425" spcFirstLastPara="1" rIns="91425" wrap="square" tIns="91425">
+          <a:bodyPr spcFirstLastPara="1" wrap="square" lIns="91425" tIns="91425" rIns="91425" bIns="91425" anchor="ctr" anchorCtr="0">
             <a:noAutofit/>
           </a:bodyPr>
           <a:lstStyle>
@@ -1907,7 +1953,7 @@
             </a:lvl9pPr>
           </a:lstStyle>
           <a:p>
-            <a:pPr indent="0" lvl="0" marL="0" rtl="0" algn="r">
+            <a:pPr marL="0" lvl="0" indent="0" algn="r" rtl="0">
               <a:spcBef>
                 <a:spcPts val="0"/>
               </a:spcBef>
@@ -1933,11 +1979,11 @@
 </file>
 
 <file path=ppt/slideLayouts/slideLayout3.xml><?xml version="1.0" encoding="utf-8"?>
-<p:sldLayout xmlns:a="http://schemas.openxmlformats.org/drawingml/2006/main" xmlns:r="http://schemas.openxmlformats.org/officeDocument/2006/relationships" xmlns:mc="http://schemas.openxmlformats.org/markup-compatibility/2006" xmlns:mv="urn:schemas-microsoft-com:mac:vml" xmlns:p="http://schemas.openxmlformats.org/presentationml/2006/main" xmlns:c="http://schemas.openxmlformats.org/drawingml/2006/chart" xmlns:dgm="http://schemas.openxmlformats.org/drawingml/2006/diagram" xmlns:o="urn:schemas-microsoft-com:office:office" xmlns:v="urn:schemas-microsoft-com:vml" xmlns:pvml="urn:schemas-microsoft-com:office:powerpoint" xmlns:com="http://schemas.openxmlformats.org/drawingml/2006/compatibility" xmlns:p14="http://schemas.microsoft.com/office/powerpoint/2010/main" xmlns:p15="http://schemas.microsoft.com/office/powerpoint/2012/main" matchingName="Title and body" type="tx">
+<p:sldLayout xmlns:a="http://schemas.openxmlformats.org/drawingml/2006/main" xmlns:r="http://schemas.openxmlformats.org/officeDocument/2006/relationships" xmlns:p="http://schemas.openxmlformats.org/presentationml/2006/main" matchingName="Title and body" type="tx">
   <p:cSld name="TITLE_AND_BODY">
     <p:spTree>
       <p:nvGrpSpPr>
-        <p:cNvPr id="16" name="Shape 16"/>
+        <p:cNvPr id="1" name="Shape 16"/>
         <p:cNvGrpSpPr/>
         <p:nvPr/>
       </p:nvGrpSpPr>
@@ -1952,7 +1998,9 @@
       <p:sp>
         <p:nvSpPr>
           <p:cNvPr id="17" name="Google Shape;17;p4"/>
-          <p:cNvSpPr txBox="1"/>
+          <p:cNvSpPr txBox="1">
+            <a:spLocks noGrp="1"/>
+          </p:cNvSpPr>
           <p:nvPr>
             <p:ph type="title"/>
           </p:nvPr>
@@ -1967,7 +2015,7 @@
           </a:prstGeom>
         </p:spPr>
         <p:txBody>
-          <a:bodyPr anchorCtr="0" anchor="t" bIns="91425" lIns="91425" spcFirstLastPara="1" rIns="91425" wrap="square" tIns="91425">
+          <a:bodyPr spcFirstLastPara="1" wrap="square" lIns="91425" tIns="91425" rIns="91425" bIns="91425" anchor="t" anchorCtr="0">
             <a:noAutofit/>
           </a:bodyPr>
           <a:lstStyle>
@@ -2071,15 +2119,19 @@
               <a:defRPr/>
             </a:lvl9pPr>
           </a:lstStyle>
-          <a:p/>
+          <a:p>
+            <a:endParaRPr/>
+          </a:p>
         </p:txBody>
       </p:sp>
       <p:sp>
         <p:nvSpPr>
           <p:cNvPr id="18" name="Google Shape;18;p4"/>
-          <p:cNvSpPr txBox="1"/>
+          <p:cNvSpPr txBox="1">
+            <a:spLocks noGrp="1"/>
+          </p:cNvSpPr>
           <p:nvPr>
-            <p:ph idx="1" type="body"/>
+            <p:ph type="body" idx="1"/>
           </p:nvPr>
         </p:nvSpPr>
         <p:spPr>
@@ -2092,11 +2144,11 @@
           </a:prstGeom>
         </p:spPr>
         <p:txBody>
-          <a:bodyPr anchorCtr="0" anchor="t" bIns="91425" lIns="91425" spcFirstLastPara="1" rIns="91425" wrap="square" tIns="91425">
+          <a:bodyPr spcFirstLastPara="1" wrap="square" lIns="91425" tIns="91425" rIns="91425" bIns="91425" anchor="t" anchorCtr="0">
             <a:noAutofit/>
           </a:bodyPr>
           <a:lstStyle>
-            <a:lvl1pPr indent="-342900" lvl="0" marL="457200">
+            <a:lvl1pPr marL="457200" lvl="0" indent="-342900">
               <a:spcBef>
                 <a:spcPts val="0"/>
               </a:spcBef>
@@ -2107,7 +2159,7 @@
               <a:buChar char="●"/>
               <a:defRPr/>
             </a:lvl1pPr>
-            <a:lvl2pPr indent="-317500" lvl="1" marL="914400">
+            <a:lvl2pPr marL="914400" lvl="1" indent="-317500">
               <a:spcBef>
                 <a:spcPts val="1600"/>
               </a:spcBef>
@@ -2118,7 +2170,7 @@
               <a:buChar char="○"/>
               <a:defRPr/>
             </a:lvl2pPr>
-            <a:lvl3pPr indent="-317500" lvl="2" marL="1371600">
+            <a:lvl3pPr marL="1371600" lvl="2" indent="-317500">
               <a:spcBef>
                 <a:spcPts val="1600"/>
               </a:spcBef>
@@ -2129,7 +2181,7 @@
               <a:buChar char="■"/>
               <a:defRPr/>
             </a:lvl3pPr>
-            <a:lvl4pPr indent="-317500" lvl="3" marL="1828800">
+            <a:lvl4pPr marL="1828800" lvl="3" indent="-317500">
               <a:spcBef>
                 <a:spcPts val="1600"/>
               </a:spcBef>
@@ -2140,7 +2192,7 @@
               <a:buChar char="●"/>
               <a:defRPr/>
             </a:lvl4pPr>
-            <a:lvl5pPr indent="-317500" lvl="4" marL="2286000">
+            <a:lvl5pPr marL="2286000" lvl="4" indent="-317500">
               <a:spcBef>
                 <a:spcPts val="1600"/>
               </a:spcBef>
@@ -2151,7 +2203,7 @@
               <a:buChar char="○"/>
               <a:defRPr/>
             </a:lvl5pPr>
-            <a:lvl6pPr indent="-317500" lvl="5" marL="2743200">
+            <a:lvl6pPr marL="2743200" lvl="5" indent="-317500">
               <a:spcBef>
                 <a:spcPts val="1600"/>
               </a:spcBef>
@@ -2162,7 +2214,7 @@
               <a:buChar char="■"/>
               <a:defRPr/>
             </a:lvl6pPr>
-            <a:lvl7pPr indent="-317500" lvl="6" marL="3200400">
+            <a:lvl7pPr marL="3200400" lvl="6" indent="-317500">
               <a:spcBef>
                 <a:spcPts val="1600"/>
               </a:spcBef>
@@ -2173,7 +2225,7 @@
               <a:buChar char="●"/>
               <a:defRPr/>
             </a:lvl7pPr>
-            <a:lvl8pPr indent="-317500" lvl="7" marL="3657600">
+            <a:lvl8pPr marL="3657600" lvl="7" indent="-317500">
               <a:spcBef>
                 <a:spcPts val="1600"/>
               </a:spcBef>
@@ -2184,7 +2236,7 @@
               <a:buChar char="○"/>
               <a:defRPr/>
             </a:lvl8pPr>
-            <a:lvl9pPr indent="-317500" lvl="8" marL="4114800">
+            <a:lvl9pPr marL="4114800" lvl="8" indent="-317500">
               <a:spcBef>
                 <a:spcPts val="1600"/>
               </a:spcBef>
@@ -2196,15 +2248,19 @@
               <a:defRPr/>
             </a:lvl9pPr>
           </a:lstStyle>
-          <a:p/>
+          <a:p>
+            <a:endParaRPr/>
+          </a:p>
         </p:txBody>
       </p:sp>
       <p:sp>
         <p:nvSpPr>
           <p:cNvPr id="19" name="Google Shape;19;p4"/>
-          <p:cNvSpPr txBox="1"/>
+          <p:cNvSpPr txBox="1">
+            <a:spLocks noGrp="1"/>
+          </p:cNvSpPr>
           <p:nvPr>
-            <p:ph idx="12" type="sldNum"/>
+            <p:ph type="sldNum" idx="12"/>
           </p:nvPr>
         </p:nvSpPr>
         <p:spPr>
@@ -2217,7 +2273,7 @@
           </a:prstGeom>
         </p:spPr>
         <p:txBody>
-          <a:bodyPr anchorCtr="0" anchor="ctr" bIns="91425" lIns="91425" spcFirstLastPara="1" rIns="91425" wrap="square" tIns="91425">
+          <a:bodyPr spcFirstLastPara="1" wrap="square" lIns="91425" tIns="91425" rIns="91425" bIns="91425" anchor="ctr" anchorCtr="0">
             <a:noAutofit/>
           </a:bodyPr>
           <a:lstStyle>
@@ -2259,7 +2315,7 @@
             </a:lvl9pPr>
           </a:lstStyle>
           <a:p>
-            <a:pPr indent="0" lvl="0" marL="0" rtl="0" algn="r">
+            <a:pPr marL="0" lvl="0" indent="0" algn="r" rtl="0">
               <a:spcBef>
                 <a:spcPts val="0"/>
               </a:spcBef>
@@ -2285,11 +2341,11 @@
 </file>
 
 <file path=ppt/slideLayouts/slideLayout4.xml><?xml version="1.0" encoding="utf-8"?>
-<p:sldLayout xmlns:a="http://schemas.openxmlformats.org/drawingml/2006/main" xmlns:r="http://schemas.openxmlformats.org/officeDocument/2006/relationships" xmlns:mc="http://schemas.openxmlformats.org/markup-compatibility/2006" xmlns:mv="urn:schemas-microsoft-com:mac:vml" xmlns:p="http://schemas.openxmlformats.org/presentationml/2006/main" xmlns:c="http://schemas.openxmlformats.org/drawingml/2006/chart" xmlns:dgm="http://schemas.openxmlformats.org/drawingml/2006/diagram" xmlns:o="urn:schemas-microsoft-com:office:office" xmlns:v="urn:schemas-microsoft-com:vml" xmlns:pvml="urn:schemas-microsoft-com:office:powerpoint" xmlns:com="http://schemas.openxmlformats.org/drawingml/2006/compatibility" xmlns:p14="http://schemas.microsoft.com/office/powerpoint/2010/main" xmlns:p15="http://schemas.microsoft.com/office/powerpoint/2012/main" matchingName="Title and two columns" type="twoColTx">
+<p:sldLayout xmlns:a="http://schemas.openxmlformats.org/drawingml/2006/main" xmlns:r="http://schemas.openxmlformats.org/officeDocument/2006/relationships" xmlns:p="http://schemas.openxmlformats.org/presentationml/2006/main" matchingName="Title and two columns" type="twoColTx">
   <p:cSld name="TITLE_AND_TWO_COLUMNS">
     <p:spTree>
       <p:nvGrpSpPr>
-        <p:cNvPr id="20" name="Shape 20"/>
+        <p:cNvPr id="1" name="Shape 20"/>
         <p:cNvGrpSpPr/>
         <p:nvPr/>
       </p:nvGrpSpPr>
@@ -2304,7 +2360,9 @@
       <p:sp>
         <p:nvSpPr>
           <p:cNvPr id="21" name="Google Shape;21;p5"/>
-          <p:cNvSpPr txBox="1"/>
+          <p:cNvSpPr txBox="1">
+            <a:spLocks noGrp="1"/>
+          </p:cNvSpPr>
           <p:nvPr>
             <p:ph type="title"/>
           </p:nvPr>
@@ -2319,7 +2377,7 @@
           </a:prstGeom>
         </p:spPr>
         <p:txBody>
-          <a:bodyPr anchorCtr="0" anchor="t" bIns="91425" lIns="91425" spcFirstLastPara="1" rIns="91425" wrap="square" tIns="91425">
+          <a:bodyPr spcFirstLastPara="1" wrap="square" lIns="91425" tIns="91425" rIns="91425" bIns="91425" anchor="t" anchorCtr="0">
             <a:noAutofit/>
           </a:bodyPr>
           <a:lstStyle>
@@ -2423,15 +2481,19 @@
               <a:defRPr/>
             </a:lvl9pPr>
           </a:lstStyle>
-          <a:p/>
+          <a:p>
+            <a:endParaRPr/>
+          </a:p>
         </p:txBody>
       </p:sp>
       <p:sp>
         <p:nvSpPr>
           <p:cNvPr id="22" name="Google Shape;22;p5"/>
-          <p:cNvSpPr txBox="1"/>
+          <p:cNvSpPr txBox="1">
+            <a:spLocks noGrp="1"/>
+          </p:cNvSpPr>
           <p:nvPr>
-            <p:ph idx="1" type="body"/>
+            <p:ph type="body" idx="1"/>
           </p:nvPr>
         </p:nvSpPr>
         <p:spPr>
@@ -2444,11 +2506,11 @@
           </a:prstGeom>
         </p:spPr>
         <p:txBody>
-          <a:bodyPr anchorCtr="0" anchor="t" bIns="91425" lIns="91425" spcFirstLastPara="1" rIns="91425" wrap="square" tIns="91425">
+          <a:bodyPr spcFirstLastPara="1" wrap="square" lIns="91425" tIns="91425" rIns="91425" bIns="91425" anchor="t" anchorCtr="0">
             <a:noAutofit/>
           </a:bodyPr>
           <a:lstStyle>
-            <a:lvl1pPr indent="-317500" lvl="0" marL="457200">
+            <a:lvl1pPr marL="457200" lvl="0" indent="-317500">
               <a:spcBef>
                 <a:spcPts val="0"/>
               </a:spcBef>
@@ -2459,7 +2521,7 @@
               <a:buChar char="●"/>
               <a:defRPr sz="1400"/>
             </a:lvl1pPr>
-            <a:lvl2pPr indent="-304800" lvl="1" marL="914400">
+            <a:lvl2pPr marL="914400" lvl="1" indent="-304800">
               <a:spcBef>
                 <a:spcPts val="1600"/>
               </a:spcBef>
@@ -2470,7 +2532,7 @@
               <a:buChar char="○"/>
               <a:defRPr sz="1200"/>
             </a:lvl2pPr>
-            <a:lvl3pPr indent="-304800" lvl="2" marL="1371600">
+            <a:lvl3pPr marL="1371600" lvl="2" indent="-304800">
               <a:spcBef>
                 <a:spcPts val="1600"/>
               </a:spcBef>
@@ -2481,7 +2543,7 @@
               <a:buChar char="■"/>
               <a:defRPr sz="1200"/>
             </a:lvl3pPr>
-            <a:lvl4pPr indent="-304800" lvl="3" marL="1828800">
+            <a:lvl4pPr marL="1828800" lvl="3" indent="-304800">
               <a:spcBef>
                 <a:spcPts val="1600"/>
               </a:spcBef>
@@ -2492,7 +2554,7 @@
               <a:buChar char="●"/>
               <a:defRPr sz="1200"/>
             </a:lvl4pPr>
-            <a:lvl5pPr indent="-304800" lvl="4" marL="2286000">
+            <a:lvl5pPr marL="2286000" lvl="4" indent="-304800">
               <a:spcBef>
                 <a:spcPts val="1600"/>
               </a:spcBef>
@@ -2503,7 +2565,7 @@
               <a:buChar char="○"/>
               <a:defRPr sz="1200"/>
             </a:lvl5pPr>
-            <a:lvl6pPr indent="-304800" lvl="5" marL="2743200">
+            <a:lvl6pPr marL="2743200" lvl="5" indent="-304800">
               <a:spcBef>
                 <a:spcPts val="1600"/>
               </a:spcBef>
@@ -2514,7 +2576,7 @@
               <a:buChar char="■"/>
               <a:defRPr sz="1200"/>
             </a:lvl6pPr>
-            <a:lvl7pPr indent="-304800" lvl="6" marL="3200400">
+            <a:lvl7pPr marL="3200400" lvl="6" indent="-304800">
               <a:spcBef>
                 <a:spcPts val="1600"/>
               </a:spcBef>
@@ -2525,7 +2587,7 @@
               <a:buChar char="●"/>
               <a:defRPr sz="1200"/>
             </a:lvl7pPr>
-            <a:lvl8pPr indent="-304800" lvl="7" marL="3657600">
+            <a:lvl8pPr marL="3657600" lvl="7" indent="-304800">
               <a:spcBef>
                 <a:spcPts val="1600"/>
               </a:spcBef>
@@ -2536,7 +2598,7 @@
               <a:buChar char="○"/>
               <a:defRPr sz="1200"/>
             </a:lvl8pPr>
-            <a:lvl9pPr indent="-304800" lvl="8" marL="4114800">
+            <a:lvl9pPr marL="4114800" lvl="8" indent="-304800">
               <a:spcBef>
                 <a:spcPts val="1600"/>
               </a:spcBef>
@@ -2548,15 +2610,19 @@
               <a:defRPr sz="1200"/>
             </a:lvl9pPr>
           </a:lstStyle>
-          <a:p/>
+          <a:p>
+            <a:endParaRPr/>
+          </a:p>
         </p:txBody>
       </p:sp>
       <p:sp>
         <p:nvSpPr>
           <p:cNvPr id="23" name="Google Shape;23;p5"/>
-          <p:cNvSpPr txBox="1"/>
+          <p:cNvSpPr txBox="1">
+            <a:spLocks noGrp="1"/>
+          </p:cNvSpPr>
           <p:nvPr>
-            <p:ph idx="2" type="body"/>
+            <p:ph type="body" idx="2"/>
           </p:nvPr>
         </p:nvSpPr>
         <p:spPr>
@@ -2569,11 +2635,11 @@
           </a:prstGeom>
         </p:spPr>
         <p:txBody>
-          <a:bodyPr anchorCtr="0" anchor="t" bIns="91425" lIns="91425" spcFirstLastPara="1" rIns="91425" wrap="square" tIns="91425">
+          <a:bodyPr spcFirstLastPara="1" wrap="square" lIns="91425" tIns="91425" rIns="91425" bIns="91425" anchor="t" anchorCtr="0">
             <a:noAutofit/>
           </a:bodyPr>
           <a:lstStyle>
-            <a:lvl1pPr indent="-317500" lvl="0" marL="457200">
+            <a:lvl1pPr marL="457200" lvl="0" indent="-317500">
               <a:spcBef>
                 <a:spcPts val="0"/>
               </a:spcBef>
@@ -2584,7 +2650,7 @@
               <a:buChar char="●"/>
               <a:defRPr sz="1400"/>
             </a:lvl1pPr>
-            <a:lvl2pPr indent="-304800" lvl="1" marL="914400">
+            <a:lvl2pPr marL="914400" lvl="1" indent="-304800">
               <a:spcBef>
                 <a:spcPts val="1600"/>
               </a:spcBef>
@@ -2595,7 +2661,7 @@
               <a:buChar char="○"/>
               <a:defRPr sz="1200"/>
             </a:lvl2pPr>
-            <a:lvl3pPr indent="-304800" lvl="2" marL="1371600">
+            <a:lvl3pPr marL="1371600" lvl="2" indent="-304800">
               <a:spcBef>
                 <a:spcPts val="1600"/>
               </a:spcBef>
@@ -2606,7 +2672,7 @@
               <a:buChar char="■"/>
               <a:defRPr sz="1200"/>
             </a:lvl3pPr>
-            <a:lvl4pPr indent="-304800" lvl="3" marL="1828800">
+            <a:lvl4pPr marL="1828800" lvl="3" indent="-304800">
               <a:spcBef>
                 <a:spcPts val="1600"/>
               </a:spcBef>
@@ -2617,7 +2683,7 @@
               <a:buChar char="●"/>
               <a:defRPr sz="1200"/>
             </a:lvl4pPr>
-            <a:lvl5pPr indent="-304800" lvl="4" marL="2286000">
+            <a:lvl5pPr marL="2286000" lvl="4" indent="-304800">
               <a:spcBef>
                 <a:spcPts val="1600"/>
               </a:spcBef>
@@ -2628,7 +2694,7 @@
               <a:buChar char="○"/>
               <a:defRPr sz="1200"/>
             </a:lvl5pPr>
-            <a:lvl6pPr indent="-304800" lvl="5" marL="2743200">
+            <a:lvl6pPr marL="2743200" lvl="5" indent="-304800">
               <a:spcBef>
                 <a:spcPts val="1600"/>
               </a:spcBef>
@@ -2639,7 +2705,7 @@
               <a:buChar char="■"/>
               <a:defRPr sz="1200"/>
             </a:lvl6pPr>
-            <a:lvl7pPr indent="-304800" lvl="6" marL="3200400">
+            <a:lvl7pPr marL="3200400" lvl="6" indent="-304800">
               <a:spcBef>
                 <a:spcPts val="1600"/>
               </a:spcBef>
@@ -2650,7 +2716,7 @@
               <a:buChar char="●"/>
               <a:defRPr sz="1200"/>
             </a:lvl7pPr>
-            <a:lvl8pPr indent="-304800" lvl="7" marL="3657600">
+            <a:lvl8pPr marL="3657600" lvl="7" indent="-304800">
               <a:spcBef>
                 <a:spcPts val="1600"/>
               </a:spcBef>
@@ -2661,7 +2727,7 @@
               <a:buChar char="○"/>
               <a:defRPr sz="1200"/>
             </a:lvl8pPr>
-            <a:lvl9pPr indent="-304800" lvl="8" marL="4114800">
+            <a:lvl9pPr marL="4114800" lvl="8" indent="-304800">
               <a:spcBef>
                 <a:spcPts val="1600"/>
               </a:spcBef>
@@ -2673,15 +2739,19 @@
               <a:defRPr sz="1200"/>
             </a:lvl9pPr>
           </a:lstStyle>
-          <a:p/>
+          <a:p>
+            <a:endParaRPr/>
+          </a:p>
         </p:txBody>
       </p:sp>
       <p:sp>
         <p:nvSpPr>
           <p:cNvPr id="24" name="Google Shape;24;p5"/>
-          <p:cNvSpPr txBox="1"/>
+          <p:cNvSpPr txBox="1">
+            <a:spLocks noGrp="1"/>
+          </p:cNvSpPr>
           <p:nvPr>
-            <p:ph idx="12" type="sldNum"/>
+            <p:ph type="sldNum" idx="12"/>
           </p:nvPr>
         </p:nvSpPr>
         <p:spPr>
@@ -2694,7 +2764,7 @@
           </a:prstGeom>
         </p:spPr>
         <p:txBody>
-          <a:bodyPr anchorCtr="0" anchor="ctr" bIns="91425" lIns="91425" spcFirstLastPara="1" rIns="91425" wrap="square" tIns="91425">
+          <a:bodyPr spcFirstLastPara="1" wrap="square" lIns="91425" tIns="91425" rIns="91425" bIns="91425" anchor="ctr" anchorCtr="0">
             <a:noAutofit/>
           </a:bodyPr>
           <a:lstStyle>
@@ -2736,7 +2806,7 @@
             </a:lvl9pPr>
           </a:lstStyle>
           <a:p>
-            <a:pPr indent="0" lvl="0" marL="0" rtl="0" algn="r">
+            <a:pPr marL="0" lvl="0" indent="0" algn="r" rtl="0">
               <a:spcBef>
                 <a:spcPts val="0"/>
               </a:spcBef>
@@ -2762,11 +2832,11 @@
 </file>
 
 <file path=ppt/slideLayouts/slideLayout5.xml><?xml version="1.0" encoding="utf-8"?>
-<p:sldLayout xmlns:a="http://schemas.openxmlformats.org/drawingml/2006/main" xmlns:r="http://schemas.openxmlformats.org/officeDocument/2006/relationships" xmlns:mc="http://schemas.openxmlformats.org/markup-compatibility/2006" xmlns:mv="urn:schemas-microsoft-com:mac:vml" xmlns:p="http://schemas.openxmlformats.org/presentationml/2006/main" xmlns:c="http://schemas.openxmlformats.org/drawingml/2006/chart" xmlns:dgm="http://schemas.openxmlformats.org/drawingml/2006/diagram" xmlns:o="urn:schemas-microsoft-com:office:office" xmlns:v="urn:schemas-microsoft-com:vml" xmlns:pvml="urn:schemas-microsoft-com:office:powerpoint" xmlns:com="http://schemas.openxmlformats.org/drawingml/2006/compatibility" xmlns:p14="http://schemas.microsoft.com/office/powerpoint/2010/main" xmlns:p15="http://schemas.microsoft.com/office/powerpoint/2012/main" matchingName="Title only" type="titleOnly">
+<p:sldLayout xmlns:a="http://schemas.openxmlformats.org/drawingml/2006/main" xmlns:r="http://schemas.openxmlformats.org/officeDocument/2006/relationships" xmlns:p="http://schemas.openxmlformats.org/presentationml/2006/main" matchingName="Title only" type="titleOnly">
   <p:cSld name="TITLE_ONLY">
     <p:spTree>
       <p:nvGrpSpPr>
-        <p:cNvPr id="25" name="Shape 25"/>
+        <p:cNvPr id="1" name="Shape 25"/>
         <p:cNvGrpSpPr/>
         <p:nvPr/>
       </p:nvGrpSpPr>
@@ -2781,7 +2851,9 @@
       <p:sp>
         <p:nvSpPr>
           <p:cNvPr id="26" name="Google Shape;26;p6"/>
-          <p:cNvSpPr txBox="1"/>
+          <p:cNvSpPr txBox="1">
+            <a:spLocks noGrp="1"/>
+          </p:cNvSpPr>
           <p:nvPr>
             <p:ph type="title"/>
           </p:nvPr>
@@ -2796,7 +2868,7 @@
           </a:prstGeom>
         </p:spPr>
         <p:txBody>
-          <a:bodyPr anchorCtr="0" anchor="t" bIns="91425" lIns="91425" spcFirstLastPara="1" rIns="91425" wrap="square" tIns="91425">
+          <a:bodyPr spcFirstLastPara="1" wrap="square" lIns="91425" tIns="91425" rIns="91425" bIns="91425" anchor="t" anchorCtr="0">
             <a:noAutofit/>
           </a:bodyPr>
           <a:lstStyle>
@@ -2900,15 +2972,19 @@
               <a:defRPr/>
             </a:lvl9pPr>
           </a:lstStyle>
-          <a:p/>
+          <a:p>
+            <a:endParaRPr/>
+          </a:p>
         </p:txBody>
       </p:sp>
       <p:sp>
         <p:nvSpPr>
           <p:cNvPr id="27" name="Google Shape;27;p6"/>
-          <p:cNvSpPr txBox="1"/>
+          <p:cNvSpPr txBox="1">
+            <a:spLocks noGrp="1"/>
+          </p:cNvSpPr>
           <p:nvPr>
-            <p:ph idx="12" type="sldNum"/>
+            <p:ph type="sldNum" idx="12"/>
           </p:nvPr>
         </p:nvSpPr>
         <p:spPr>
@@ -2921,7 +2997,7 @@
           </a:prstGeom>
         </p:spPr>
         <p:txBody>
-          <a:bodyPr anchorCtr="0" anchor="ctr" bIns="91425" lIns="91425" spcFirstLastPara="1" rIns="91425" wrap="square" tIns="91425">
+          <a:bodyPr spcFirstLastPara="1" wrap="square" lIns="91425" tIns="91425" rIns="91425" bIns="91425" anchor="ctr" anchorCtr="0">
             <a:noAutofit/>
           </a:bodyPr>
           <a:lstStyle>
@@ -2963,7 +3039,7 @@
             </a:lvl9pPr>
           </a:lstStyle>
           <a:p>
-            <a:pPr indent="0" lvl="0" marL="0" rtl="0" algn="r">
+            <a:pPr marL="0" lvl="0" indent="0" algn="r" rtl="0">
               <a:spcBef>
                 <a:spcPts val="0"/>
               </a:spcBef>
@@ -2989,11 +3065,11 @@
 </file>
 
 <file path=ppt/slideLayouts/slideLayout6.xml><?xml version="1.0" encoding="utf-8"?>
-<p:sldLayout xmlns:a="http://schemas.openxmlformats.org/drawingml/2006/main" xmlns:r="http://schemas.openxmlformats.org/officeDocument/2006/relationships" xmlns:mc="http://schemas.openxmlformats.org/markup-compatibility/2006" xmlns:mv="urn:schemas-microsoft-com:mac:vml" xmlns:p="http://schemas.openxmlformats.org/presentationml/2006/main" xmlns:c="http://schemas.openxmlformats.org/drawingml/2006/chart" xmlns:dgm="http://schemas.openxmlformats.org/drawingml/2006/diagram" xmlns:o="urn:schemas-microsoft-com:office:office" xmlns:v="urn:schemas-microsoft-com:vml" xmlns:pvml="urn:schemas-microsoft-com:office:powerpoint" xmlns:com="http://schemas.openxmlformats.org/drawingml/2006/compatibility" xmlns:p14="http://schemas.microsoft.com/office/powerpoint/2010/main" xmlns:p15="http://schemas.microsoft.com/office/powerpoint/2012/main" matchingName="One column text">
+<p:sldLayout xmlns:a="http://schemas.openxmlformats.org/drawingml/2006/main" xmlns:r="http://schemas.openxmlformats.org/officeDocument/2006/relationships" xmlns:p="http://schemas.openxmlformats.org/presentationml/2006/main" matchingName="One column text">
   <p:cSld name="ONE_COLUMN_TEXT">
     <p:spTree>
       <p:nvGrpSpPr>
-        <p:cNvPr id="28" name="Shape 28"/>
+        <p:cNvPr id="1" name="Shape 28"/>
         <p:cNvGrpSpPr/>
         <p:nvPr/>
       </p:nvGrpSpPr>
@@ -3008,7 +3084,9 @@
       <p:sp>
         <p:nvSpPr>
           <p:cNvPr id="29" name="Google Shape;29;p7"/>
-          <p:cNvSpPr txBox="1"/>
+          <p:cNvSpPr txBox="1">
+            <a:spLocks noGrp="1"/>
+          </p:cNvSpPr>
           <p:nvPr>
             <p:ph type="title"/>
           </p:nvPr>
@@ -3023,7 +3101,7 @@
           </a:prstGeom>
         </p:spPr>
         <p:txBody>
-          <a:bodyPr anchorCtr="0" anchor="b" bIns="91425" lIns="91425" spcFirstLastPara="1" rIns="91425" wrap="square" tIns="91425">
+          <a:bodyPr spcFirstLastPara="1" wrap="square" lIns="91425" tIns="91425" rIns="91425" bIns="91425" anchor="b" anchorCtr="0">
             <a:noAutofit/>
           </a:bodyPr>
           <a:lstStyle>
@@ -3127,15 +3205,19 @@
               <a:defRPr sz="2400"/>
             </a:lvl9pPr>
           </a:lstStyle>
-          <a:p/>
+          <a:p>
+            <a:endParaRPr/>
+          </a:p>
         </p:txBody>
       </p:sp>
       <p:sp>
         <p:nvSpPr>
           <p:cNvPr id="30" name="Google Shape;30;p7"/>
-          <p:cNvSpPr txBox="1"/>
+          <p:cNvSpPr txBox="1">
+            <a:spLocks noGrp="1"/>
+          </p:cNvSpPr>
           <p:nvPr>
-            <p:ph idx="1" type="body"/>
+            <p:ph type="body" idx="1"/>
           </p:nvPr>
         </p:nvSpPr>
         <p:spPr>
@@ -3148,11 +3230,11 @@
           </a:prstGeom>
         </p:spPr>
         <p:txBody>
-          <a:bodyPr anchorCtr="0" anchor="t" bIns="91425" lIns="91425" spcFirstLastPara="1" rIns="91425" wrap="square" tIns="91425">
+          <a:bodyPr spcFirstLastPara="1" wrap="square" lIns="91425" tIns="91425" rIns="91425" bIns="91425" anchor="t" anchorCtr="0">
             <a:noAutofit/>
           </a:bodyPr>
           <a:lstStyle>
-            <a:lvl1pPr indent="-304800" lvl="0" marL="457200">
+            <a:lvl1pPr marL="457200" lvl="0" indent="-304800">
               <a:spcBef>
                 <a:spcPts val="0"/>
               </a:spcBef>
@@ -3163,7 +3245,7 @@
               <a:buChar char="●"/>
               <a:defRPr sz="1200"/>
             </a:lvl1pPr>
-            <a:lvl2pPr indent="-304800" lvl="1" marL="914400">
+            <a:lvl2pPr marL="914400" lvl="1" indent="-304800">
               <a:spcBef>
                 <a:spcPts val="1600"/>
               </a:spcBef>
@@ -3174,7 +3256,7 @@
               <a:buChar char="○"/>
               <a:defRPr sz="1200"/>
             </a:lvl2pPr>
-            <a:lvl3pPr indent="-304800" lvl="2" marL="1371600">
+            <a:lvl3pPr marL="1371600" lvl="2" indent="-304800">
               <a:spcBef>
                 <a:spcPts val="1600"/>
               </a:spcBef>
@@ -3185,7 +3267,7 @@
               <a:buChar char="■"/>
               <a:defRPr sz="1200"/>
             </a:lvl3pPr>
-            <a:lvl4pPr indent="-304800" lvl="3" marL="1828800">
+            <a:lvl4pPr marL="1828800" lvl="3" indent="-304800">
               <a:spcBef>
                 <a:spcPts val="1600"/>
               </a:spcBef>
@@ -3196,7 +3278,7 @@
               <a:buChar char="●"/>
               <a:defRPr sz="1200"/>
             </a:lvl4pPr>
-            <a:lvl5pPr indent="-304800" lvl="4" marL="2286000">
+            <a:lvl5pPr marL="2286000" lvl="4" indent="-304800">
               <a:spcBef>
                 <a:spcPts val="1600"/>
               </a:spcBef>
@@ -3207,7 +3289,7 @@
               <a:buChar char="○"/>
               <a:defRPr sz="1200"/>
             </a:lvl5pPr>
-            <a:lvl6pPr indent="-304800" lvl="5" marL="2743200">
+            <a:lvl6pPr marL="2743200" lvl="5" indent="-304800">
               <a:spcBef>
                 <a:spcPts val="1600"/>
               </a:spcBef>
@@ -3218,7 +3300,7 @@
               <a:buChar char="■"/>
               <a:defRPr sz="1200"/>
             </a:lvl6pPr>
-            <a:lvl7pPr indent="-304800" lvl="6" marL="3200400">
+            <a:lvl7pPr marL="3200400" lvl="6" indent="-304800">
               <a:spcBef>
                 <a:spcPts val="1600"/>
               </a:spcBef>
@@ -3229,7 +3311,7 @@
               <a:buChar char="●"/>
               <a:defRPr sz="1200"/>
             </a:lvl7pPr>
-            <a:lvl8pPr indent="-304800" lvl="7" marL="3657600">
+            <a:lvl8pPr marL="3657600" lvl="7" indent="-304800">
               <a:spcBef>
                 <a:spcPts val="1600"/>
               </a:spcBef>
@@ -3240,7 +3322,7 @@
               <a:buChar char="○"/>
               <a:defRPr sz="1200"/>
             </a:lvl8pPr>
-            <a:lvl9pPr indent="-304800" lvl="8" marL="4114800">
+            <a:lvl9pPr marL="4114800" lvl="8" indent="-304800">
               <a:spcBef>
                 <a:spcPts val="1600"/>
               </a:spcBef>
@@ -3252,15 +3334,19 @@
               <a:defRPr sz="1200"/>
             </a:lvl9pPr>
           </a:lstStyle>
-          <a:p/>
+          <a:p>
+            <a:endParaRPr/>
+          </a:p>
         </p:txBody>
       </p:sp>
       <p:sp>
         <p:nvSpPr>
           <p:cNvPr id="31" name="Google Shape;31;p7"/>
-          <p:cNvSpPr txBox="1"/>
+          <p:cNvSpPr txBox="1">
+            <a:spLocks noGrp="1"/>
+          </p:cNvSpPr>
           <p:nvPr>
-            <p:ph idx="12" type="sldNum"/>
+            <p:ph type="sldNum" idx="12"/>
           </p:nvPr>
         </p:nvSpPr>
         <p:spPr>
@@ -3273,7 +3359,7 @@
           </a:prstGeom>
         </p:spPr>
         <p:txBody>
-          <a:bodyPr anchorCtr="0" anchor="ctr" bIns="91425" lIns="91425" spcFirstLastPara="1" rIns="91425" wrap="square" tIns="91425">
+          <a:bodyPr spcFirstLastPara="1" wrap="square" lIns="91425" tIns="91425" rIns="91425" bIns="91425" anchor="ctr" anchorCtr="0">
             <a:noAutofit/>
           </a:bodyPr>
           <a:lstStyle>
@@ -3315,7 +3401,7 @@
             </a:lvl9pPr>
           </a:lstStyle>
           <a:p>
-            <a:pPr indent="0" lvl="0" marL="0" rtl="0" algn="r">
+            <a:pPr marL="0" lvl="0" indent="0" algn="r" rtl="0">
               <a:spcBef>
                 <a:spcPts val="0"/>
               </a:spcBef>
@@ -3341,11 +3427,11 @@
 </file>
 
 <file path=ppt/slideLayouts/slideLayout7.xml><?xml version="1.0" encoding="utf-8"?>
-<p:sldLayout xmlns:a="http://schemas.openxmlformats.org/drawingml/2006/main" xmlns:r="http://schemas.openxmlformats.org/officeDocument/2006/relationships" xmlns:mc="http://schemas.openxmlformats.org/markup-compatibility/2006" xmlns:mv="urn:schemas-microsoft-com:mac:vml" xmlns:p="http://schemas.openxmlformats.org/presentationml/2006/main" xmlns:c="http://schemas.openxmlformats.org/drawingml/2006/chart" xmlns:dgm="http://schemas.openxmlformats.org/drawingml/2006/diagram" xmlns:o="urn:schemas-microsoft-com:office:office" xmlns:v="urn:schemas-microsoft-com:vml" xmlns:pvml="urn:schemas-microsoft-com:office:powerpoint" xmlns:com="http://schemas.openxmlformats.org/drawingml/2006/compatibility" xmlns:p14="http://schemas.microsoft.com/office/powerpoint/2010/main" xmlns:p15="http://schemas.microsoft.com/office/powerpoint/2012/main" matchingName="Main point">
+<p:sldLayout xmlns:a="http://schemas.openxmlformats.org/drawingml/2006/main" xmlns:r="http://schemas.openxmlformats.org/officeDocument/2006/relationships" xmlns:p="http://schemas.openxmlformats.org/presentationml/2006/main" matchingName="Main point">
   <p:cSld name="MAIN_POINT">
     <p:spTree>
       <p:nvGrpSpPr>
-        <p:cNvPr id="32" name="Shape 32"/>
+        <p:cNvPr id="1" name="Shape 32"/>
         <p:cNvGrpSpPr/>
         <p:nvPr/>
       </p:nvGrpSpPr>
@@ -3360,7 +3446,9 @@
       <p:sp>
         <p:nvSpPr>
           <p:cNvPr id="33" name="Google Shape;33;p8"/>
-          <p:cNvSpPr txBox="1"/>
+          <p:cNvSpPr txBox="1">
+            <a:spLocks noGrp="1"/>
+          </p:cNvSpPr>
           <p:nvPr>
             <p:ph type="title"/>
           </p:nvPr>
@@ -3375,7 +3463,7 @@
           </a:prstGeom>
         </p:spPr>
         <p:txBody>
-          <a:bodyPr anchorCtr="0" anchor="ctr" bIns="91425" lIns="91425" spcFirstLastPara="1" rIns="91425" wrap="square" tIns="91425">
+          <a:bodyPr spcFirstLastPara="1" wrap="square" lIns="91425" tIns="91425" rIns="91425" bIns="91425" anchor="ctr" anchorCtr="0">
             <a:noAutofit/>
           </a:bodyPr>
           <a:lstStyle>
@@ -3479,15 +3567,19 @@
               <a:defRPr sz="4800"/>
             </a:lvl9pPr>
           </a:lstStyle>
-          <a:p/>
+          <a:p>
+            <a:endParaRPr/>
+          </a:p>
         </p:txBody>
       </p:sp>
       <p:sp>
         <p:nvSpPr>
           <p:cNvPr id="34" name="Google Shape;34;p8"/>
-          <p:cNvSpPr txBox="1"/>
+          <p:cNvSpPr txBox="1">
+            <a:spLocks noGrp="1"/>
+          </p:cNvSpPr>
           <p:nvPr>
-            <p:ph idx="12" type="sldNum"/>
+            <p:ph type="sldNum" idx="12"/>
           </p:nvPr>
         </p:nvSpPr>
         <p:spPr>
@@ -3500,7 +3592,7 @@
           </a:prstGeom>
         </p:spPr>
         <p:txBody>
-          <a:bodyPr anchorCtr="0" anchor="ctr" bIns="91425" lIns="91425" spcFirstLastPara="1" rIns="91425" wrap="square" tIns="91425">
+          <a:bodyPr spcFirstLastPara="1" wrap="square" lIns="91425" tIns="91425" rIns="91425" bIns="91425" anchor="ctr" anchorCtr="0">
             <a:noAutofit/>
           </a:bodyPr>
           <a:lstStyle>
@@ -3542,7 +3634,7 @@
             </a:lvl9pPr>
           </a:lstStyle>
           <a:p>
-            <a:pPr indent="0" lvl="0" marL="0" rtl="0" algn="r">
+            <a:pPr marL="0" lvl="0" indent="0" algn="r" rtl="0">
               <a:spcBef>
                 <a:spcPts val="0"/>
               </a:spcBef>
@@ -3568,11 +3660,11 @@
 </file>
 
 <file path=ppt/slideLayouts/slideLayout8.xml><?xml version="1.0" encoding="utf-8"?>
-<p:sldLayout xmlns:a="http://schemas.openxmlformats.org/drawingml/2006/main" xmlns:r="http://schemas.openxmlformats.org/officeDocument/2006/relationships" xmlns:mc="http://schemas.openxmlformats.org/markup-compatibility/2006" xmlns:mv="urn:schemas-microsoft-com:mac:vml" xmlns:p="http://schemas.openxmlformats.org/presentationml/2006/main" xmlns:c="http://schemas.openxmlformats.org/drawingml/2006/chart" xmlns:dgm="http://schemas.openxmlformats.org/drawingml/2006/diagram" xmlns:o="urn:schemas-microsoft-com:office:office" xmlns:v="urn:schemas-microsoft-com:vml" xmlns:pvml="urn:schemas-microsoft-com:office:powerpoint" xmlns:com="http://schemas.openxmlformats.org/drawingml/2006/compatibility" xmlns:p14="http://schemas.microsoft.com/office/powerpoint/2010/main" xmlns:p15="http://schemas.microsoft.com/office/powerpoint/2012/main" matchingName="Section title and description">
+<p:sldLayout xmlns:a="http://schemas.openxmlformats.org/drawingml/2006/main" xmlns:r="http://schemas.openxmlformats.org/officeDocument/2006/relationships" xmlns:p="http://schemas.openxmlformats.org/presentationml/2006/main" matchingName="Section title and description">
   <p:cSld name="SECTION_TITLE_AND_DESCRIPTION">
     <p:spTree>
       <p:nvGrpSpPr>
-        <p:cNvPr id="35" name="Shape 35"/>
+        <p:cNvPr id="1" name="Shape 35"/>
         <p:cNvGrpSpPr/>
         <p:nvPr/>
       </p:nvGrpSpPr>
@@ -3606,12 +3698,12 @@
           </a:ln>
         </p:spPr>
         <p:txBody>
-          <a:bodyPr anchorCtr="0" anchor="ctr" bIns="91425" lIns="91425" spcFirstLastPara="1" rIns="91425" wrap="square" tIns="91425">
+          <a:bodyPr spcFirstLastPara="1" wrap="square" lIns="91425" tIns="91425" rIns="91425" bIns="91425" anchor="ctr" anchorCtr="0">
             <a:noAutofit/>
           </a:bodyPr>
           <a:lstStyle/>
           <a:p>
-            <a:pPr indent="0" lvl="0" marL="0" rtl="0" algn="l">
+            <a:pPr marL="0" lvl="0" indent="0" algn="l" rtl="0">
               <a:spcBef>
                 <a:spcPts val="0"/>
               </a:spcBef>
@@ -3620,9 +3712,6 @@
               </a:spcAft>
               <a:buNone/>
             </a:pPr>
-            <a:r>
-              <a:t/>
-            </a:r>
             <a:endParaRPr/>
           </a:p>
         </p:txBody>
@@ -3630,7 +3719,9 @@
       <p:sp>
         <p:nvSpPr>
           <p:cNvPr id="37" name="Google Shape;37;p9"/>
-          <p:cNvSpPr txBox="1"/>
+          <p:cNvSpPr txBox="1">
+            <a:spLocks noGrp="1"/>
+          </p:cNvSpPr>
           <p:nvPr>
             <p:ph type="title"/>
           </p:nvPr>
@@ -3645,7 +3736,7 @@
           </a:prstGeom>
         </p:spPr>
         <p:txBody>
-          <a:bodyPr anchorCtr="0" anchor="b" bIns="91425" lIns="91425" spcFirstLastPara="1" rIns="91425" wrap="square" tIns="91425">
+          <a:bodyPr spcFirstLastPara="1" wrap="square" lIns="91425" tIns="91425" rIns="91425" bIns="91425" anchor="b" anchorCtr="0">
             <a:noAutofit/>
           </a:bodyPr>
           <a:lstStyle>
@@ -3749,15 +3840,19 @@
               <a:defRPr sz="4200"/>
             </a:lvl9pPr>
           </a:lstStyle>
-          <a:p/>
+          <a:p>
+            <a:endParaRPr/>
+          </a:p>
         </p:txBody>
       </p:sp>
       <p:sp>
         <p:nvSpPr>
           <p:cNvPr id="38" name="Google Shape;38;p9"/>
-          <p:cNvSpPr txBox="1"/>
+          <p:cNvSpPr txBox="1">
+            <a:spLocks noGrp="1"/>
+          </p:cNvSpPr>
           <p:nvPr>
-            <p:ph idx="1" type="subTitle"/>
+            <p:ph type="subTitle" idx="1"/>
           </p:nvPr>
         </p:nvSpPr>
         <p:spPr>
@@ -3770,7 +3865,7 @@
           </a:prstGeom>
         </p:spPr>
         <p:txBody>
-          <a:bodyPr anchorCtr="0" anchor="t" bIns="91425" lIns="91425" spcFirstLastPara="1" rIns="91425" wrap="square" tIns="91425">
+          <a:bodyPr spcFirstLastPara="1" wrap="square" lIns="91425" tIns="91425" rIns="91425" bIns="91425" anchor="t" anchorCtr="0">
             <a:noAutofit/>
           </a:bodyPr>
           <a:lstStyle>
@@ -3901,15 +3996,19 @@
               <a:defRPr sz="2100"/>
             </a:lvl9pPr>
           </a:lstStyle>
-          <a:p/>
+          <a:p>
+            <a:endParaRPr/>
+          </a:p>
         </p:txBody>
       </p:sp>
       <p:sp>
         <p:nvSpPr>
           <p:cNvPr id="39" name="Google Shape;39;p9"/>
-          <p:cNvSpPr txBox="1"/>
+          <p:cNvSpPr txBox="1">
+            <a:spLocks noGrp="1"/>
+          </p:cNvSpPr>
           <p:nvPr>
-            <p:ph idx="2" type="body"/>
+            <p:ph type="body" idx="2"/>
           </p:nvPr>
         </p:nvSpPr>
         <p:spPr>
@@ -3922,11 +4021,11 @@
           </a:prstGeom>
         </p:spPr>
         <p:txBody>
-          <a:bodyPr anchorCtr="0" anchor="ctr" bIns="91425" lIns="91425" spcFirstLastPara="1" rIns="91425" wrap="square" tIns="91425">
+          <a:bodyPr spcFirstLastPara="1" wrap="square" lIns="91425" tIns="91425" rIns="91425" bIns="91425" anchor="ctr" anchorCtr="0">
             <a:noAutofit/>
           </a:bodyPr>
           <a:lstStyle>
-            <a:lvl1pPr indent="-342900" lvl="0" marL="457200">
+            <a:lvl1pPr marL="457200" lvl="0" indent="-342900">
               <a:spcBef>
                 <a:spcPts val="0"/>
               </a:spcBef>
@@ -3937,7 +4036,7 @@
               <a:buChar char="●"/>
               <a:defRPr/>
             </a:lvl1pPr>
-            <a:lvl2pPr indent="-317500" lvl="1" marL="914400">
+            <a:lvl2pPr marL="914400" lvl="1" indent="-317500">
               <a:spcBef>
                 <a:spcPts val="1600"/>
               </a:spcBef>
@@ -3948,7 +4047,7 @@
               <a:buChar char="○"/>
               <a:defRPr/>
             </a:lvl2pPr>
-            <a:lvl3pPr indent="-317500" lvl="2" marL="1371600">
+            <a:lvl3pPr marL="1371600" lvl="2" indent="-317500">
               <a:spcBef>
                 <a:spcPts val="1600"/>
               </a:spcBef>
@@ -3959,7 +4058,7 @@
               <a:buChar char="■"/>
               <a:defRPr/>
             </a:lvl3pPr>
-            <a:lvl4pPr indent="-317500" lvl="3" marL="1828800">
+            <a:lvl4pPr marL="1828800" lvl="3" indent="-317500">
               <a:spcBef>
                 <a:spcPts val="1600"/>
               </a:spcBef>
@@ -3970,7 +4069,7 @@
               <a:buChar char="●"/>
               <a:defRPr/>
             </a:lvl4pPr>
-            <a:lvl5pPr indent="-317500" lvl="4" marL="2286000">
+            <a:lvl5pPr marL="2286000" lvl="4" indent="-317500">
               <a:spcBef>
                 <a:spcPts val="1600"/>
               </a:spcBef>
@@ -3981,7 +4080,7 @@
               <a:buChar char="○"/>
               <a:defRPr/>
             </a:lvl5pPr>
-            <a:lvl6pPr indent="-317500" lvl="5" marL="2743200">
+            <a:lvl6pPr marL="2743200" lvl="5" indent="-317500">
               <a:spcBef>
                 <a:spcPts val="1600"/>
               </a:spcBef>
@@ -3992,7 +4091,7 @@
               <a:buChar char="■"/>
               <a:defRPr/>
             </a:lvl6pPr>
-            <a:lvl7pPr indent="-317500" lvl="6" marL="3200400">
+            <a:lvl7pPr marL="3200400" lvl="6" indent="-317500">
               <a:spcBef>
                 <a:spcPts val="1600"/>
               </a:spcBef>
@@ -4003,7 +4102,7 @@
               <a:buChar char="●"/>
               <a:defRPr/>
             </a:lvl7pPr>
-            <a:lvl8pPr indent="-317500" lvl="7" marL="3657600">
+            <a:lvl8pPr marL="3657600" lvl="7" indent="-317500">
               <a:spcBef>
                 <a:spcPts val="1600"/>
               </a:spcBef>
@@ -4014,7 +4113,7 @@
               <a:buChar char="○"/>
               <a:defRPr/>
             </a:lvl8pPr>
-            <a:lvl9pPr indent="-317500" lvl="8" marL="4114800">
+            <a:lvl9pPr marL="4114800" lvl="8" indent="-317500">
               <a:spcBef>
                 <a:spcPts val="1600"/>
               </a:spcBef>
@@ -4026,15 +4125,19 @@
               <a:defRPr/>
             </a:lvl9pPr>
           </a:lstStyle>
-          <a:p/>
+          <a:p>
+            <a:endParaRPr/>
+          </a:p>
         </p:txBody>
       </p:sp>
       <p:sp>
         <p:nvSpPr>
           <p:cNvPr id="40" name="Google Shape;40;p9"/>
-          <p:cNvSpPr txBox="1"/>
+          <p:cNvSpPr txBox="1">
+            <a:spLocks noGrp="1"/>
+          </p:cNvSpPr>
           <p:nvPr>
-            <p:ph idx="12" type="sldNum"/>
+            <p:ph type="sldNum" idx="12"/>
           </p:nvPr>
         </p:nvSpPr>
         <p:spPr>
@@ -4047,7 +4150,7 @@
           </a:prstGeom>
         </p:spPr>
         <p:txBody>
-          <a:bodyPr anchorCtr="0" anchor="ctr" bIns="91425" lIns="91425" spcFirstLastPara="1" rIns="91425" wrap="square" tIns="91425">
+          <a:bodyPr spcFirstLastPara="1" wrap="square" lIns="91425" tIns="91425" rIns="91425" bIns="91425" anchor="ctr" anchorCtr="0">
             <a:noAutofit/>
           </a:bodyPr>
           <a:lstStyle>
@@ -4089,7 +4192,7 @@
             </a:lvl9pPr>
           </a:lstStyle>
           <a:p>
-            <a:pPr indent="0" lvl="0" marL="0" rtl="0" algn="r">
+            <a:pPr marL="0" lvl="0" indent="0" algn="r" rtl="0">
               <a:spcBef>
                 <a:spcPts val="0"/>
               </a:spcBef>
@@ -4115,11 +4218,11 @@
 </file>
 
 <file path=ppt/slideLayouts/slideLayout9.xml><?xml version="1.0" encoding="utf-8"?>
-<p:sldLayout xmlns:a="http://schemas.openxmlformats.org/drawingml/2006/main" xmlns:r="http://schemas.openxmlformats.org/officeDocument/2006/relationships" xmlns:mc="http://schemas.openxmlformats.org/markup-compatibility/2006" xmlns:mv="urn:schemas-microsoft-com:mac:vml" xmlns:p="http://schemas.openxmlformats.org/presentationml/2006/main" xmlns:c="http://schemas.openxmlformats.org/drawingml/2006/chart" xmlns:dgm="http://schemas.openxmlformats.org/drawingml/2006/diagram" xmlns:o="urn:schemas-microsoft-com:office:office" xmlns:v="urn:schemas-microsoft-com:vml" xmlns:pvml="urn:schemas-microsoft-com:office:powerpoint" xmlns:com="http://schemas.openxmlformats.org/drawingml/2006/compatibility" xmlns:p14="http://schemas.microsoft.com/office/powerpoint/2010/main" xmlns:p15="http://schemas.microsoft.com/office/powerpoint/2012/main" matchingName="Caption">
+<p:sldLayout xmlns:a="http://schemas.openxmlformats.org/drawingml/2006/main" xmlns:r="http://schemas.openxmlformats.org/officeDocument/2006/relationships" xmlns:p="http://schemas.openxmlformats.org/presentationml/2006/main" matchingName="Caption">
   <p:cSld name="CAPTION_ONLY">
     <p:spTree>
       <p:nvGrpSpPr>
-        <p:cNvPr id="41" name="Shape 41"/>
+        <p:cNvPr id="1" name="Shape 41"/>
         <p:cNvGrpSpPr/>
         <p:nvPr/>
       </p:nvGrpSpPr>
@@ -4134,9 +4237,11 @@
       <p:sp>
         <p:nvSpPr>
           <p:cNvPr id="42" name="Google Shape;42;p10"/>
-          <p:cNvSpPr txBox="1"/>
+          <p:cNvSpPr txBox="1">
+            <a:spLocks noGrp="1"/>
+          </p:cNvSpPr>
           <p:nvPr>
-            <p:ph idx="1" type="body"/>
+            <p:ph type="body" idx="1"/>
           </p:nvPr>
         </p:nvSpPr>
         <p:spPr>
@@ -4149,11 +4254,11 @@
           </a:prstGeom>
         </p:spPr>
         <p:txBody>
-          <a:bodyPr anchorCtr="0" anchor="ctr" bIns="91425" lIns="91425" spcFirstLastPara="1" rIns="91425" wrap="square" tIns="91425">
+          <a:bodyPr spcFirstLastPara="1" wrap="square" lIns="91425" tIns="91425" rIns="91425" bIns="91425" anchor="ctr" anchorCtr="0">
             <a:noAutofit/>
           </a:bodyPr>
           <a:lstStyle>
-            <a:lvl1pPr indent="-228600" lvl="0" marL="457200">
+            <a:lvl1pPr marL="457200" lvl="0" indent="-228600">
               <a:lnSpc>
                 <a:spcPct val="100000"/>
               </a:lnSpc>
@@ -4168,15 +4273,19 @@
               <a:defRPr/>
             </a:lvl1pPr>
           </a:lstStyle>
-          <a:p/>
+          <a:p>
+            <a:endParaRPr/>
+          </a:p>
         </p:txBody>
       </p:sp>
       <p:sp>
         <p:nvSpPr>
           <p:cNvPr id="43" name="Google Shape;43;p10"/>
-          <p:cNvSpPr txBox="1"/>
+          <p:cNvSpPr txBox="1">
+            <a:spLocks noGrp="1"/>
+          </p:cNvSpPr>
           <p:nvPr>
-            <p:ph idx="12" type="sldNum"/>
+            <p:ph type="sldNum" idx="12"/>
           </p:nvPr>
         </p:nvSpPr>
         <p:spPr>
@@ -4189,7 +4298,7 @@
           </a:prstGeom>
         </p:spPr>
         <p:txBody>
-          <a:bodyPr anchorCtr="0" anchor="ctr" bIns="91425" lIns="91425" spcFirstLastPara="1" rIns="91425" wrap="square" tIns="91425">
+          <a:bodyPr spcFirstLastPara="1" wrap="square" lIns="91425" tIns="91425" rIns="91425" bIns="91425" anchor="ctr" anchorCtr="0">
             <a:noAutofit/>
           </a:bodyPr>
           <a:lstStyle>
@@ -4231,7 +4340,7 @@
             </a:lvl9pPr>
           </a:lstStyle>
           <a:p>
-            <a:pPr indent="0" lvl="0" marL="0" rtl="0" algn="r">
+            <a:pPr marL="0" lvl="0" indent="0" algn="r" rtl="0">
               <a:spcBef>
                 <a:spcPts val="0"/>
               </a:spcBef>
@@ -4257,18 +4366,19 @@
 </file>
 
 <file path=ppt/slideMasters/slideMaster1.xml><?xml version="1.0" encoding="utf-8"?>
-<p:sldMaster xmlns:a="http://schemas.openxmlformats.org/drawingml/2006/main" xmlns:r="http://schemas.openxmlformats.org/officeDocument/2006/relationships" xmlns:mc="http://schemas.openxmlformats.org/markup-compatibility/2006" xmlns:mv="urn:schemas-microsoft-com:mac:vml" xmlns:p="http://schemas.openxmlformats.org/presentationml/2006/main" xmlns:c="http://schemas.openxmlformats.org/drawingml/2006/chart" xmlns:dgm="http://schemas.openxmlformats.org/drawingml/2006/diagram" xmlns:o="urn:schemas-microsoft-com:office:office" xmlns:v="urn:schemas-microsoft-com:vml" xmlns:pvml="urn:schemas-microsoft-com:office:powerpoint" xmlns:com="http://schemas.openxmlformats.org/drawingml/2006/compatibility" xmlns:p14="http://schemas.microsoft.com/office/powerpoint/2010/main" xmlns:p15="http://schemas.microsoft.com/office/powerpoint/2012/main">
+<p:sldMaster xmlns:a="http://schemas.openxmlformats.org/drawingml/2006/main" xmlns:r="http://schemas.openxmlformats.org/officeDocument/2006/relationships" xmlns:p="http://schemas.openxmlformats.org/presentationml/2006/main">
   <p:cSld name="simple-light-2">
     <p:bg>
       <p:bgPr>
         <a:solidFill>
           <a:schemeClr val="lt1"/>
         </a:solidFill>
+        <a:effectLst/>
       </p:bgPr>
     </p:bg>
     <p:spTree>
       <p:nvGrpSpPr>
-        <p:cNvPr id="5" name="Shape 5"/>
+        <p:cNvPr id="1" name="Shape 5"/>
         <p:cNvGrpSpPr/>
         <p:nvPr/>
       </p:nvGrpSpPr>
@@ -4283,7 +4393,9 @@
       <p:sp>
         <p:nvSpPr>
           <p:cNvPr id="6" name="Google Shape;6;p1"/>
-          <p:cNvSpPr txBox="1"/>
+          <p:cNvSpPr txBox="1">
+            <a:spLocks noGrp="1"/>
+          </p:cNvSpPr>
           <p:nvPr>
             <p:ph type="title"/>
           </p:nvPr>
@@ -4302,7 +4414,7 @@
           </a:ln>
         </p:spPr>
         <p:txBody>
-          <a:bodyPr anchorCtr="0" anchor="t" bIns="91425" lIns="91425" spcFirstLastPara="1" rIns="91425" wrap="square" tIns="91425">
+          <a:bodyPr spcFirstLastPara="1" wrap="square" lIns="91425" tIns="91425" rIns="91425" bIns="91425" anchor="t" anchorCtr="0">
             <a:noAutofit/>
           </a:bodyPr>
           <a:lstStyle>
@@ -4469,15 +4581,19 @@
               </a:defRPr>
             </a:lvl9pPr>
           </a:lstStyle>
-          <a:p/>
+          <a:p>
+            <a:endParaRPr/>
+          </a:p>
         </p:txBody>
       </p:sp>
       <p:sp>
         <p:nvSpPr>
           <p:cNvPr id="7" name="Google Shape;7;p1"/>
-          <p:cNvSpPr txBox="1"/>
+          <p:cNvSpPr txBox="1">
+            <a:spLocks noGrp="1"/>
+          </p:cNvSpPr>
           <p:nvPr>
-            <p:ph idx="1" type="body"/>
+            <p:ph type="body" idx="1"/>
           </p:nvPr>
         </p:nvSpPr>
         <p:spPr>
@@ -4494,11 +4610,11 @@
           </a:ln>
         </p:spPr>
         <p:txBody>
-          <a:bodyPr anchorCtr="0" anchor="t" bIns="91425" lIns="91425" spcFirstLastPara="1" rIns="91425" wrap="square" tIns="91425">
+          <a:bodyPr spcFirstLastPara="1" wrap="square" lIns="91425" tIns="91425" rIns="91425" bIns="91425" anchor="t" anchorCtr="0">
             <a:noAutofit/>
           </a:bodyPr>
           <a:lstStyle>
-            <a:lvl1pPr indent="-342900" lvl="0" marL="457200">
+            <a:lvl1pPr marL="457200" lvl="0" indent="-342900">
               <a:lnSpc>
                 <a:spcPct val="115000"/>
               </a:lnSpc>
@@ -4519,7 +4635,7 @@
                 </a:solidFill>
               </a:defRPr>
             </a:lvl1pPr>
-            <a:lvl2pPr indent="-317500" lvl="1" marL="914400">
+            <a:lvl2pPr marL="914400" lvl="1" indent="-317500">
               <a:lnSpc>
                 <a:spcPct val="115000"/>
               </a:lnSpc>
@@ -4540,7 +4656,7 @@
                 </a:solidFill>
               </a:defRPr>
             </a:lvl2pPr>
-            <a:lvl3pPr indent="-317500" lvl="2" marL="1371600">
+            <a:lvl3pPr marL="1371600" lvl="2" indent="-317500">
               <a:lnSpc>
                 <a:spcPct val="115000"/>
               </a:lnSpc>
@@ -4561,7 +4677,7 @@
                 </a:solidFill>
               </a:defRPr>
             </a:lvl3pPr>
-            <a:lvl4pPr indent="-317500" lvl="3" marL="1828800">
+            <a:lvl4pPr marL="1828800" lvl="3" indent="-317500">
               <a:lnSpc>
                 <a:spcPct val="115000"/>
               </a:lnSpc>
@@ -4582,7 +4698,7 @@
                 </a:solidFill>
               </a:defRPr>
             </a:lvl4pPr>
-            <a:lvl5pPr indent="-317500" lvl="4" marL="2286000">
+            <a:lvl5pPr marL="2286000" lvl="4" indent="-317500">
               <a:lnSpc>
                 <a:spcPct val="115000"/>
               </a:lnSpc>
@@ -4603,7 +4719,7 @@
                 </a:solidFill>
               </a:defRPr>
             </a:lvl5pPr>
-            <a:lvl6pPr indent="-317500" lvl="5" marL="2743200">
+            <a:lvl6pPr marL="2743200" lvl="5" indent="-317500">
               <a:lnSpc>
                 <a:spcPct val="115000"/>
               </a:lnSpc>
@@ -4624,7 +4740,7 @@
                 </a:solidFill>
               </a:defRPr>
             </a:lvl6pPr>
-            <a:lvl7pPr indent="-317500" lvl="6" marL="3200400">
+            <a:lvl7pPr marL="3200400" lvl="6" indent="-317500">
               <a:lnSpc>
                 <a:spcPct val="115000"/>
               </a:lnSpc>
@@ -4645,7 +4761,7 @@
                 </a:solidFill>
               </a:defRPr>
             </a:lvl7pPr>
-            <a:lvl8pPr indent="-317500" lvl="7" marL="3657600">
+            <a:lvl8pPr marL="3657600" lvl="7" indent="-317500">
               <a:lnSpc>
                 <a:spcPct val="115000"/>
               </a:lnSpc>
@@ -4666,7 +4782,7 @@
                 </a:solidFill>
               </a:defRPr>
             </a:lvl8pPr>
-            <a:lvl9pPr indent="-317500" lvl="8" marL="4114800">
+            <a:lvl9pPr marL="4114800" lvl="8" indent="-317500">
               <a:lnSpc>
                 <a:spcPct val="115000"/>
               </a:lnSpc>
@@ -4688,15 +4804,19 @@
               </a:defRPr>
             </a:lvl9pPr>
           </a:lstStyle>
-          <a:p/>
+          <a:p>
+            <a:endParaRPr/>
+          </a:p>
         </p:txBody>
       </p:sp>
       <p:sp>
         <p:nvSpPr>
           <p:cNvPr id="8" name="Google Shape;8;p1"/>
-          <p:cNvSpPr txBox="1"/>
+          <p:cNvSpPr txBox="1">
+            <a:spLocks noGrp="1"/>
+          </p:cNvSpPr>
           <p:nvPr>
-            <p:ph idx="12" type="sldNum"/>
+            <p:ph type="sldNum" idx="12"/>
           </p:nvPr>
         </p:nvSpPr>
         <p:spPr>
@@ -4713,7 +4833,7 @@
           </a:ln>
         </p:spPr>
         <p:txBody>
-          <a:bodyPr anchorCtr="0" anchor="ctr" bIns="91425" lIns="91425" spcFirstLastPara="1" rIns="91425" wrap="square" tIns="91425">
+          <a:bodyPr spcFirstLastPara="1" wrap="square" lIns="91425" tIns="91425" rIns="91425" bIns="91425" anchor="ctr" anchorCtr="0">
             <a:noAutofit/>
           </a:bodyPr>
           <a:lstStyle>
@@ -4791,7 +4911,7 @@
             </a:lvl9pPr>
           </a:lstStyle>
           <a:p>
-            <a:pPr indent="0" lvl="0" marL="0" rtl="0" algn="r">
+            <a:pPr marL="0" lvl="0" indent="0" algn="r" rtl="0">
               <a:spcBef>
                 <a:spcPts val="0"/>
               </a:spcBef>
@@ -4810,7 +4930,7 @@
       </p:sp>
     </p:spTree>
   </p:cSld>
-  <p:clrMap accent1="accent1" accent2="accent2" accent3="accent3" accent4="accent4" accent5="accent5" accent6="accent6" bg1="lt1" bg2="dk2" tx1="dk1" tx2="lt2" folHlink="folHlink" hlink="hlink"/>
+  <p:clrMap bg1="lt1" tx1="dk1" bg2="dk2" tx2="lt2" accent1="accent1" accent2="accent2" accent3="accent3" accent4="accent4" accent5="accent5" accent6="accent6" hlink="hlink" folHlink="folHlink"/>
   <p:sldLayoutIdLst>
     <p:sldLayoutId id="2147483648" r:id="rId1"/>
     <p:sldLayoutId id="2147483649" r:id="rId2"/>
@@ -4824,10 +4944,10 @@
     <p:sldLayoutId id="2147483657" r:id="rId10"/>
     <p:sldLayoutId id="2147483658" r:id="rId11"/>
   </p:sldLayoutIdLst>
-  <p:hf dt="0" ftr="0" hdr="0" sldNum="0"/>
+  <p:hf sldNum="0" hdr="0" ftr="0" dt="0"/>
   <p:txStyles>
     <p:titleStyle>
-      <a:defPPr lvl="0" marR="0" rtl="0" algn="l">
+      <a:defPPr marR="0" lvl="0" algn="l" rtl="0">
         <a:lnSpc>
           <a:spcPct val="100000"/>
         </a:lnSpc>
@@ -4838,7 +4958,7 @@
           <a:spcPts val="0"/>
         </a:spcAft>
       </a:defPPr>
-      <a:lvl1pPr lvl="0" marR="0" rtl="0" algn="l">
+      <a:lvl1pPr marR="0" lvl="0" algn="l" rtl="0">
         <a:lnSpc>
           <a:spcPct val="100000"/>
         </a:lnSpc>
@@ -4852,7 +4972,7 @@
           <a:srgbClr val="000000"/>
         </a:buClr>
         <a:buFont typeface="Arial"/>
-        <a:defRPr b="0" i="0" sz="1400" u="none" cap="none" strike="noStrike">
+        <a:defRPr sz="1400" b="0" i="0" u="none" strike="noStrike" cap="none">
           <a:solidFill>
             <a:srgbClr val="000000"/>
           </a:solidFill>
@@ -4862,7 +4982,7 @@
           <a:sym typeface="Arial"/>
         </a:defRPr>
       </a:lvl1pPr>
-      <a:lvl2pPr lvl="1" marR="0" rtl="0" algn="l">
+      <a:lvl2pPr marR="0" lvl="1" algn="l" rtl="0">
         <a:lnSpc>
           <a:spcPct val="100000"/>
         </a:lnSpc>
@@ -4876,7 +4996,7 @@
           <a:srgbClr val="000000"/>
         </a:buClr>
         <a:buFont typeface="Arial"/>
-        <a:defRPr b="0" i="0" sz="1400" u="none" cap="none" strike="noStrike">
+        <a:defRPr sz="1400" b="0" i="0" u="none" strike="noStrike" cap="none">
           <a:solidFill>
             <a:srgbClr val="000000"/>
           </a:solidFill>
@@ -4886,7 +5006,7 @@
           <a:sym typeface="Arial"/>
         </a:defRPr>
       </a:lvl2pPr>
-      <a:lvl3pPr lvl="2" marR="0" rtl="0" algn="l">
+      <a:lvl3pPr marR="0" lvl="2" algn="l" rtl="0">
         <a:lnSpc>
           <a:spcPct val="100000"/>
         </a:lnSpc>
@@ -4900,7 +5020,7 @@
           <a:srgbClr val="000000"/>
         </a:buClr>
         <a:buFont typeface="Arial"/>
-        <a:defRPr b="0" i="0" sz="1400" u="none" cap="none" strike="noStrike">
+        <a:defRPr sz="1400" b="0" i="0" u="none" strike="noStrike" cap="none">
           <a:solidFill>
             <a:srgbClr val="000000"/>
           </a:solidFill>
@@ -4910,7 +5030,7 @@
           <a:sym typeface="Arial"/>
         </a:defRPr>
       </a:lvl3pPr>
-      <a:lvl4pPr lvl="3" marR="0" rtl="0" algn="l">
+      <a:lvl4pPr marR="0" lvl="3" algn="l" rtl="0">
         <a:lnSpc>
           <a:spcPct val="100000"/>
         </a:lnSpc>
@@ -4924,7 +5044,7 @@
           <a:srgbClr val="000000"/>
         </a:buClr>
         <a:buFont typeface="Arial"/>
-        <a:defRPr b="0" i="0" sz="1400" u="none" cap="none" strike="noStrike">
+        <a:defRPr sz="1400" b="0" i="0" u="none" strike="noStrike" cap="none">
           <a:solidFill>
             <a:srgbClr val="000000"/>
           </a:solidFill>
@@ -4934,7 +5054,7 @@
           <a:sym typeface="Arial"/>
         </a:defRPr>
       </a:lvl4pPr>
-      <a:lvl5pPr lvl="4" marR="0" rtl="0" algn="l">
+      <a:lvl5pPr marR="0" lvl="4" algn="l" rtl="0">
         <a:lnSpc>
           <a:spcPct val="100000"/>
         </a:lnSpc>
@@ -4948,7 +5068,7 @@
           <a:srgbClr val="000000"/>
         </a:buClr>
         <a:buFont typeface="Arial"/>
-        <a:defRPr b="0" i="0" sz="1400" u="none" cap="none" strike="noStrike">
+        <a:defRPr sz="1400" b="0" i="0" u="none" strike="noStrike" cap="none">
           <a:solidFill>
             <a:srgbClr val="000000"/>
           </a:solidFill>
@@ -4958,7 +5078,7 @@
           <a:sym typeface="Arial"/>
         </a:defRPr>
       </a:lvl5pPr>
-      <a:lvl6pPr lvl="5" marR="0" rtl="0" algn="l">
+      <a:lvl6pPr marR="0" lvl="5" algn="l" rtl="0">
         <a:lnSpc>
           <a:spcPct val="100000"/>
         </a:lnSpc>
@@ -4972,7 +5092,7 @@
           <a:srgbClr val="000000"/>
         </a:buClr>
         <a:buFont typeface="Arial"/>
-        <a:defRPr b="0" i="0" sz="1400" u="none" cap="none" strike="noStrike">
+        <a:defRPr sz="1400" b="0" i="0" u="none" strike="noStrike" cap="none">
           <a:solidFill>
             <a:srgbClr val="000000"/>
           </a:solidFill>
@@ -4982,7 +5102,7 @@
           <a:sym typeface="Arial"/>
         </a:defRPr>
       </a:lvl6pPr>
-      <a:lvl7pPr lvl="6" marR="0" rtl="0" algn="l">
+      <a:lvl7pPr marR="0" lvl="6" algn="l" rtl="0">
         <a:lnSpc>
           <a:spcPct val="100000"/>
         </a:lnSpc>
@@ -4996,7 +5116,7 @@
           <a:srgbClr val="000000"/>
         </a:buClr>
         <a:buFont typeface="Arial"/>
-        <a:defRPr b="0" i="0" sz="1400" u="none" cap="none" strike="noStrike">
+        <a:defRPr sz="1400" b="0" i="0" u="none" strike="noStrike" cap="none">
           <a:solidFill>
             <a:srgbClr val="000000"/>
           </a:solidFill>
@@ -5006,7 +5126,7 @@
           <a:sym typeface="Arial"/>
         </a:defRPr>
       </a:lvl7pPr>
-      <a:lvl8pPr lvl="7" marR="0" rtl="0" algn="l">
+      <a:lvl8pPr marR="0" lvl="7" algn="l" rtl="0">
         <a:lnSpc>
           <a:spcPct val="100000"/>
         </a:lnSpc>
@@ -5020,7 +5140,7 @@
           <a:srgbClr val="000000"/>
         </a:buClr>
         <a:buFont typeface="Arial"/>
-        <a:defRPr b="0" i="0" sz="1400" u="none" cap="none" strike="noStrike">
+        <a:defRPr sz="1400" b="0" i="0" u="none" strike="noStrike" cap="none">
           <a:solidFill>
             <a:srgbClr val="000000"/>
           </a:solidFill>
@@ -5030,7 +5150,7 @@
           <a:sym typeface="Arial"/>
         </a:defRPr>
       </a:lvl8pPr>
-      <a:lvl9pPr lvl="8" marR="0" rtl="0" algn="l">
+      <a:lvl9pPr marR="0" lvl="8" algn="l" rtl="0">
         <a:lnSpc>
           <a:spcPct val="100000"/>
         </a:lnSpc>
@@ -5044,7 +5164,7 @@
           <a:srgbClr val="000000"/>
         </a:buClr>
         <a:buFont typeface="Arial"/>
-        <a:defRPr b="0" i="0" sz="1400" u="none" cap="none" strike="noStrike">
+        <a:defRPr sz="1400" b="0" i="0" u="none" strike="noStrike" cap="none">
           <a:solidFill>
             <a:srgbClr val="000000"/>
           </a:solidFill>
@@ -5056,7 +5176,7 @@
       </a:lvl9pPr>
     </p:titleStyle>
     <p:bodyStyle>
-      <a:defPPr lvl="0" marR="0" rtl="0" algn="l">
+      <a:defPPr marR="0" lvl="0" algn="l" rtl="0">
         <a:lnSpc>
           <a:spcPct val="100000"/>
         </a:lnSpc>
@@ -5067,7 +5187,7 @@
           <a:spcPts val="0"/>
         </a:spcAft>
       </a:defPPr>
-      <a:lvl1pPr lvl="0" marR="0" rtl="0" algn="l">
+      <a:lvl1pPr marR="0" lvl="0" algn="l" rtl="0">
         <a:lnSpc>
           <a:spcPct val="100000"/>
         </a:lnSpc>
@@ -5081,7 +5201,7 @@
           <a:srgbClr val="000000"/>
         </a:buClr>
         <a:buFont typeface="Arial"/>
-        <a:defRPr b="0" i="0" sz="1400" u="none" cap="none" strike="noStrike">
+        <a:defRPr sz="1400" b="0" i="0" u="none" strike="noStrike" cap="none">
           <a:solidFill>
             <a:srgbClr val="000000"/>
           </a:solidFill>
@@ -5091,7 +5211,7 @@
           <a:sym typeface="Arial"/>
         </a:defRPr>
       </a:lvl1pPr>
-      <a:lvl2pPr lvl="1" marR="0" rtl="0" algn="l">
+      <a:lvl2pPr marR="0" lvl="1" algn="l" rtl="0">
         <a:lnSpc>
           <a:spcPct val="100000"/>
         </a:lnSpc>
@@ -5105,7 +5225,7 @@
           <a:srgbClr val="000000"/>
         </a:buClr>
         <a:buFont typeface="Arial"/>
-        <a:defRPr b="0" i="0" sz="1400" u="none" cap="none" strike="noStrike">
+        <a:defRPr sz="1400" b="0" i="0" u="none" strike="noStrike" cap="none">
           <a:solidFill>
             <a:srgbClr val="000000"/>
           </a:solidFill>
@@ -5115,7 +5235,7 @@
           <a:sym typeface="Arial"/>
         </a:defRPr>
       </a:lvl2pPr>
-      <a:lvl3pPr lvl="2" marR="0" rtl="0" algn="l">
+      <a:lvl3pPr marR="0" lvl="2" algn="l" rtl="0">
         <a:lnSpc>
           <a:spcPct val="100000"/>
         </a:lnSpc>
@@ -5129,7 +5249,7 @@
           <a:srgbClr val="000000"/>
         </a:buClr>
         <a:buFont typeface="Arial"/>
-        <a:defRPr b="0" i="0" sz="1400" u="none" cap="none" strike="noStrike">
+        <a:defRPr sz="1400" b="0" i="0" u="none" strike="noStrike" cap="none">
           <a:solidFill>
             <a:srgbClr val="000000"/>
           </a:solidFill>
@@ -5139,7 +5259,7 @@
           <a:sym typeface="Arial"/>
         </a:defRPr>
       </a:lvl3pPr>
-      <a:lvl4pPr lvl="3" marR="0" rtl="0" algn="l">
+      <a:lvl4pPr marR="0" lvl="3" algn="l" rtl="0">
         <a:lnSpc>
           <a:spcPct val="100000"/>
         </a:lnSpc>
@@ -5153,7 +5273,7 @@
           <a:srgbClr val="000000"/>
         </a:buClr>
         <a:buFont typeface="Arial"/>
-        <a:defRPr b="0" i="0" sz="1400" u="none" cap="none" strike="noStrike">
+        <a:defRPr sz="1400" b="0" i="0" u="none" strike="noStrike" cap="none">
           <a:solidFill>
             <a:srgbClr val="000000"/>
           </a:solidFill>
@@ -5163,7 +5283,7 @@
           <a:sym typeface="Arial"/>
         </a:defRPr>
       </a:lvl4pPr>
-      <a:lvl5pPr lvl="4" marR="0" rtl="0" algn="l">
+      <a:lvl5pPr marR="0" lvl="4" algn="l" rtl="0">
         <a:lnSpc>
           <a:spcPct val="100000"/>
         </a:lnSpc>
@@ -5177,7 +5297,7 @@
           <a:srgbClr val="000000"/>
         </a:buClr>
         <a:buFont typeface="Arial"/>
-        <a:defRPr b="0" i="0" sz="1400" u="none" cap="none" strike="noStrike">
+        <a:defRPr sz="1400" b="0" i="0" u="none" strike="noStrike" cap="none">
           <a:solidFill>
             <a:srgbClr val="000000"/>
           </a:solidFill>
@@ -5187,7 +5307,7 @@
           <a:sym typeface="Arial"/>
         </a:defRPr>
       </a:lvl5pPr>
-      <a:lvl6pPr lvl="5" marR="0" rtl="0" algn="l">
+      <a:lvl6pPr marR="0" lvl="5" algn="l" rtl="0">
         <a:lnSpc>
           <a:spcPct val="100000"/>
         </a:lnSpc>
@@ -5201,7 +5321,7 @@
           <a:srgbClr val="000000"/>
         </a:buClr>
         <a:buFont typeface="Arial"/>
-        <a:defRPr b="0" i="0" sz="1400" u="none" cap="none" strike="noStrike">
+        <a:defRPr sz="1400" b="0" i="0" u="none" strike="noStrike" cap="none">
           <a:solidFill>
             <a:srgbClr val="000000"/>
           </a:solidFill>
@@ -5211,7 +5331,7 @@
           <a:sym typeface="Arial"/>
         </a:defRPr>
       </a:lvl6pPr>
-      <a:lvl7pPr lvl="6" marR="0" rtl="0" algn="l">
+      <a:lvl7pPr marR="0" lvl="6" algn="l" rtl="0">
         <a:lnSpc>
           <a:spcPct val="100000"/>
         </a:lnSpc>
@@ -5225,7 +5345,7 @@
           <a:srgbClr val="000000"/>
         </a:buClr>
         <a:buFont typeface="Arial"/>
-        <a:defRPr b="0" i="0" sz="1400" u="none" cap="none" strike="noStrike">
+        <a:defRPr sz="1400" b="0" i="0" u="none" strike="noStrike" cap="none">
           <a:solidFill>
             <a:srgbClr val="000000"/>
           </a:solidFill>
@@ -5235,7 +5355,7 @@
           <a:sym typeface="Arial"/>
         </a:defRPr>
       </a:lvl7pPr>
-      <a:lvl8pPr lvl="7" marR="0" rtl="0" algn="l">
+      <a:lvl8pPr marR="0" lvl="7" algn="l" rtl="0">
         <a:lnSpc>
           <a:spcPct val="100000"/>
         </a:lnSpc>
@@ -5249,7 +5369,7 @@
           <a:srgbClr val="000000"/>
         </a:buClr>
         <a:buFont typeface="Arial"/>
-        <a:defRPr b="0" i="0" sz="1400" u="none" cap="none" strike="noStrike">
+        <a:defRPr sz="1400" b="0" i="0" u="none" strike="noStrike" cap="none">
           <a:solidFill>
             <a:srgbClr val="000000"/>
           </a:solidFill>
@@ -5259,7 +5379,7 @@
           <a:sym typeface="Arial"/>
         </a:defRPr>
       </a:lvl8pPr>
-      <a:lvl9pPr lvl="8" marR="0" rtl="0" algn="l">
+      <a:lvl9pPr marR="0" lvl="8" algn="l" rtl="0">
         <a:lnSpc>
           <a:spcPct val="100000"/>
         </a:lnSpc>
@@ -5273,7 +5393,7 @@
           <a:srgbClr val="000000"/>
         </a:buClr>
         <a:buFont typeface="Arial"/>
-        <a:defRPr b="0" i="0" sz="1400" u="none" cap="none" strike="noStrike">
+        <a:defRPr sz="1400" b="0" i="0" u="none" strike="noStrike" cap="none">
           <a:solidFill>
             <a:srgbClr val="000000"/>
           </a:solidFill>
@@ -5285,7 +5405,7 @@
       </a:lvl9pPr>
     </p:bodyStyle>
     <p:otherStyle>
-      <a:defPPr lvl="0" marR="0" rtl="0" algn="l">
+      <a:defPPr marR="0" lvl="0" algn="l" rtl="0">
         <a:lnSpc>
           <a:spcPct val="100000"/>
         </a:lnSpc>
@@ -5296,7 +5416,7 @@
           <a:spcPts val="0"/>
         </a:spcAft>
       </a:defPPr>
-      <a:lvl1pPr lvl="0" marR="0" rtl="0" algn="l">
+      <a:lvl1pPr marR="0" lvl="0" algn="l" rtl="0">
         <a:lnSpc>
           <a:spcPct val="100000"/>
         </a:lnSpc>
@@ -5310,7 +5430,7 @@
           <a:srgbClr val="000000"/>
         </a:buClr>
         <a:buFont typeface="Arial"/>
-        <a:defRPr b="0" i="0" sz="1400" u="none" cap="none" strike="noStrike">
+        <a:defRPr sz="1400" b="0" i="0" u="none" strike="noStrike" cap="none">
           <a:solidFill>
             <a:srgbClr val="000000"/>
           </a:solidFill>
@@ -5320,7 +5440,7 @@
           <a:sym typeface="Arial"/>
         </a:defRPr>
       </a:lvl1pPr>
-      <a:lvl2pPr lvl="1" marR="0" rtl="0" algn="l">
+      <a:lvl2pPr marR="0" lvl="1" algn="l" rtl="0">
         <a:lnSpc>
           <a:spcPct val="100000"/>
         </a:lnSpc>
@@ -5334,7 +5454,7 @@
           <a:srgbClr val="000000"/>
         </a:buClr>
         <a:buFont typeface="Arial"/>
-        <a:defRPr b="0" i="0" sz="1400" u="none" cap="none" strike="noStrike">
+        <a:defRPr sz="1400" b="0" i="0" u="none" strike="noStrike" cap="none">
           <a:solidFill>
             <a:srgbClr val="000000"/>
           </a:solidFill>
@@ -5344,7 +5464,7 @@
           <a:sym typeface="Arial"/>
         </a:defRPr>
       </a:lvl2pPr>
-      <a:lvl3pPr lvl="2" marR="0" rtl="0" algn="l">
+      <a:lvl3pPr marR="0" lvl="2" algn="l" rtl="0">
         <a:lnSpc>
           <a:spcPct val="100000"/>
         </a:lnSpc>
@@ -5358,7 +5478,7 @@
           <a:srgbClr val="000000"/>
         </a:buClr>
         <a:buFont typeface="Arial"/>
-        <a:defRPr b="0" i="0" sz="1400" u="none" cap="none" strike="noStrike">
+        <a:defRPr sz="1400" b="0" i="0" u="none" strike="noStrike" cap="none">
           <a:solidFill>
             <a:srgbClr val="000000"/>
           </a:solidFill>
@@ -5368,7 +5488,7 @@
           <a:sym typeface="Arial"/>
         </a:defRPr>
       </a:lvl3pPr>
-      <a:lvl4pPr lvl="3" marR="0" rtl="0" algn="l">
+      <a:lvl4pPr marR="0" lvl="3" algn="l" rtl="0">
         <a:lnSpc>
           <a:spcPct val="100000"/>
         </a:lnSpc>
@@ -5382,7 +5502,7 @@
           <a:srgbClr val="000000"/>
         </a:buClr>
         <a:buFont typeface="Arial"/>
-        <a:defRPr b="0" i="0" sz="1400" u="none" cap="none" strike="noStrike">
+        <a:defRPr sz="1400" b="0" i="0" u="none" strike="noStrike" cap="none">
           <a:solidFill>
             <a:srgbClr val="000000"/>
           </a:solidFill>
@@ -5392,7 +5512,7 @@
           <a:sym typeface="Arial"/>
         </a:defRPr>
       </a:lvl4pPr>
-      <a:lvl5pPr lvl="4" marR="0" rtl="0" algn="l">
+      <a:lvl5pPr marR="0" lvl="4" algn="l" rtl="0">
         <a:lnSpc>
           <a:spcPct val="100000"/>
         </a:lnSpc>
@@ -5406,7 +5526,7 @@
           <a:srgbClr val="000000"/>
         </a:buClr>
         <a:buFont typeface="Arial"/>
-        <a:defRPr b="0" i="0" sz="1400" u="none" cap="none" strike="noStrike">
+        <a:defRPr sz="1400" b="0" i="0" u="none" strike="noStrike" cap="none">
           <a:solidFill>
             <a:srgbClr val="000000"/>
           </a:solidFill>
@@ -5416,7 +5536,7 @@
           <a:sym typeface="Arial"/>
         </a:defRPr>
       </a:lvl5pPr>
-      <a:lvl6pPr lvl="5" marR="0" rtl="0" algn="l">
+      <a:lvl6pPr marR="0" lvl="5" algn="l" rtl="0">
         <a:lnSpc>
           <a:spcPct val="100000"/>
         </a:lnSpc>
@@ -5430,7 +5550,7 @@
           <a:srgbClr val="000000"/>
         </a:buClr>
         <a:buFont typeface="Arial"/>
-        <a:defRPr b="0" i="0" sz="1400" u="none" cap="none" strike="noStrike">
+        <a:defRPr sz="1400" b="0" i="0" u="none" strike="noStrike" cap="none">
           <a:solidFill>
             <a:srgbClr val="000000"/>
           </a:solidFill>
@@ -5440,7 +5560,7 @@
           <a:sym typeface="Arial"/>
         </a:defRPr>
       </a:lvl6pPr>
-      <a:lvl7pPr lvl="6" marR="0" rtl="0" algn="l">
+      <a:lvl7pPr marR="0" lvl="6" algn="l" rtl="0">
         <a:lnSpc>
           <a:spcPct val="100000"/>
         </a:lnSpc>
@@ -5454,7 +5574,7 @@
           <a:srgbClr val="000000"/>
         </a:buClr>
         <a:buFont typeface="Arial"/>
-        <a:defRPr b="0" i="0" sz="1400" u="none" cap="none" strike="noStrike">
+        <a:defRPr sz="1400" b="0" i="0" u="none" strike="noStrike" cap="none">
           <a:solidFill>
             <a:srgbClr val="000000"/>
           </a:solidFill>
@@ -5464,7 +5584,7 @@
           <a:sym typeface="Arial"/>
         </a:defRPr>
       </a:lvl7pPr>
-      <a:lvl8pPr lvl="7" marR="0" rtl="0" algn="l">
+      <a:lvl8pPr marR="0" lvl="7" algn="l" rtl="0">
         <a:lnSpc>
           <a:spcPct val="100000"/>
         </a:lnSpc>
@@ -5478,7 +5598,7 @@
           <a:srgbClr val="000000"/>
         </a:buClr>
         <a:buFont typeface="Arial"/>
-        <a:defRPr b="0" i="0" sz="1400" u="none" cap="none" strike="noStrike">
+        <a:defRPr sz="1400" b="0" i="0" u="none" strike="noStrike" cap="none">
           <a:solidFill>
             <a:srgbClr val="000000"/>
           </a:solidFill>
@@ -5488,7 +5608,7 @@
           <a:sym typeface="Arial"/>
         </a:defRPr>
       </a:lvl8pPr>
-      <a:lvl9pPr lvl="8" marR="0" rtl="0" algn="l">
+      <a:lvl9pPr marR="0" lvl="8" algn="l" rtl="0">
         <a:lnSpc>
           <a:spcPct val="100000"/>
         </a:lnSpc>
@@ -5502,7 +5622,7 @@
           <a:srgbClr val="000000"/>
         </a:buClr>
         <a:buFont typeface="Arial"/>
-        <a:defRPr b="0" i="0" sz="1400" u="none" cap="none" strike="noStrike">
+        <a:defRPr sz="1400" b="0" i="0" u="none" strike="noStrike" cap="none">
           <a:solidFill>
             <a:srgbClr val="000000"/>
           </a:solidFill>
@@ -5518,11 +5638,11 @@
 </file>
 
 <file path=ppt/slides/slide1.xml><?xml version="1.0" encoding="utf-8"?>
-<p:sld xmlns:a="http://schemas.openxmlformats.org/drawingml/2006/main" xmlns:r="http://schemas.openxmlformats.org/officeDocument/2006/relationships" xmlns:mc="http://schemas.openxmlformats.org/markup-compatibility/2006" xmlns:mv="urn:schemas-microsoft-com:mac:vml" xmlns:p="http://schemas.openxmlformats.org/presentationml/2006/main" xmlns:c="http://schemas.openxmlformats.org/drawingml/2006/chart" xmlns:dgm="http://schemas.openxmlformats.org/drawingml/2006/diagram" xmlns:o="urn:schemas-microsoft-com:office:office" xmlns:v="urn:schemas-microsoft-com:vml" xmlns:pvml="urn:schemas-microsoft-com:office:powerpoint" xmlns:com="http://schemas.openxmlformats.org/drawingml/2006/compatibility" xmlns:p14="http://schemas.microsoft.com/office/powerpoint/2010/main" xmlns:p15="http://schemas.microsoft.com/office/powerpoint/2012/main">
+<p:sld xmlns:a="http://schemas.openxmlformats.org/drawingml/2006/main" xmlns:r="http://schemas.openxmlformats.org/officeDocument/2006/relationships" xmlns:p="http://schemas.openxmlformats.org/presentationml/2006/main">
   <p:cSld>
     <p:spTree>
       <p:nvGrpSpPr>
-        <p:cNvPr id="53" name="Shape 53"/>
+        <p:cNvPr id="1" name="Shape 53"/>
         <p:cNvGrpSpPr/>
         <p:nvPr/>
       </p:nvGrpSpPr>
@@ -5547,29 +5667,29 @@
           </a:xfrm>
           <a:prstGeom prst="roundRect">
             <a:avLst>
-              <a:gd fmla="val 16667" name="adj"/>
+              <a:gd name="adj" fmla="val 16667"/>
             </a:avLst>
           </a:prstGeom>
           <a:solidFill>
             <a:schemeClr val="lt2"/>
           </a:solidFill>
-          <a:ln cap="flat" cmpd="sng" w="9525">
+          <a:ln w="9525" cap="flat" cmpd="sng">
             <a:solidFill>
               <a:schemeClr val="dk2"/>
             </a:solidFill>
             <a:prstDash val="solid"/>
             <a:round/>
-            <a:headEnd len="sm" w="sm" type="none"/>
-            <a:tailEnd len="sm" w="sm" type="none"/>
+            <a:headEnd type="none" w="sm" len="sm"/>
+            <a:tailEnd type="none" w="sm" len="sm"/>
           </a:ln>
         </p:spPr>
         <p:txBody>
-          <a:bodyPr anchorCtr="0" anchor="ctr" bIns="91425" lIns="91425" spcFirstLastPara="1" rIns="91425" wrap="square" tIns="91425">
+          <a:bodyPr spcFirstLastPara="1" wrap="square" lIns="91425" tIns="91425" rIns="91425" bIns="91425" anchor="ctr" anchorCtr="0">
             <a:noAutofit/>
           </a:bodyPr>
           <a:lstStyle/>
           <a:p>
-            <a:pPr indent="0" lvl="0" marL="0" rtl="0" algn="ctr">
+            <a:pPr marL="0" lvl="0" indent="0" algn="ctr" rtl="0">
               <a:spcBef>
                 <a:spcPts val="0"/>
               </a:spcBef>
@@ -5599,30 +5719,30 @@
           </a:xfrm>
           <a:prstGeom prst="rightArrow">
             <a:avLst>
-              <a:gd fmla="val 50000" name="adj1"/>
-              <a:gd fmla="val 50000" name="adj2"/>
+              <a:gd name="adj1" fmla="val 50000"/>
+              <a:gd name="adj2" fmla="val 50000"/>
             </a:avLst>
           </a:prstGeom>
           <a:solidFill>
             <a:schemeClr val="lt2"/>
           </a:solidFill>
-          <a:ln cap="flat" cmpd="sng" w="9525">
+          <a:ln w="9525" cap="flat" cmpd="sng">
             <a:solidFill>
               <a:schemeClr val="dk2"/>
             </a:solidFill>
             <a:prstDash val="solid"/>
             <a:round/>
-            <a:headEnd len="sm" w="sm" type="none"/>
-            <a:tailEnd len="sm" w="sm" type="none"/>
+            <a:headEnd type="none" w="sm" len="sm"/>
+            <a:tailEnd type="none" w="sm" len="sm"/>
           </a:ln>
         </p:spPr>
         <p:txBody>
-          <a:bodyPr anchorCtr="0" anchor="ctr" bIns="91425" lIns="91425" spcFirstLastPara="1" rIns="91425" wrap="square" tIns="91425">
+          <a:bodyPr spcFirstLastPara="1" wrap="square" lIns="91425" tIns="91425" rIns="91425" bIns="91425" anchor="ctr" anchorCtr="0">
             <a:noAutofit/>
           </a:bodyPr>
           <a:lstStyle/>
           <a:p>
-            <a:pPr indent="0" lvl="0" marL="0" rtl="0" algn="ctr">
+            <a:pPr marL="0" lvl="0" indent="0" algn="ctr" rtl="0">
               <a:spcBef>
                 <a:spcPts val="0"/>
               </a:spcBef>
@@ -5633,11 +5753,7 @@
             </a:pPr>
             <a:r>
               <a:rPr lang="en"/>
-              <a:t> (t, </a:t>
-            </a:r>
-            <a:r>
-              <a:rPr lang="en"/>
-              <a:t>lmcp)</a:t>
+              <a:t> (t, lmcp)</a:t>
             </a:r>
             <a:endParaRPr/>
           </a:p>
@@ -5656,29 +5772,29 @@
           </a:xfrm>
           <a:prstGeom prst="roundRect">
             <a:avLst>
-              <a:gd fmla="val 16667" name="adj"/>
+              <a:gd name="adj" fmla="val 16667"/>
             </a:avLst>
           </a:prstGeom>
           <a:solidFill>
             <a:schemeClr val="lt2"/>
           </a:solidFill>
-          <a:ln cap="flat" cmpd="sng" w="9525">
+          <a:ln w="9525" cap="flat" cmpd="sng">
             <a:solidFill>
               <a:schemeClr val="dk2"/>
             </a:solidFill>
             <a:prstDash val="solid"/>
             <a:round/>
-            <a:headEnd len="sm" w="sm" type="none"/>
-            <a:tailEnd len="sm" w="sm" type="none"/>
+            <a:headEnd type="none" w="sm" len="sm"/>
+            <a:tailEnd type="none" w="sm" len="sm"/>
           </a:ln>
         </p:spPr>
         <p:txBody>
-          <a:bodyPr anchorCtr="0" anchor="ctr" bIns="91425" lIns="91425" spcFirstLastPara="1" rIns="91425" wrap="square" tIns="91425">
+          <a:bodyPr spcFirstLastPara="1" wrap="square" lIns="91425" tIns="91425" rIns="91425" bIns="91425" anchor="ctr" anchorCtr="0">
             <a:noAutofit/>
           </a:bodyPr>
           <a:lstStyle/>
           <a:p>
-            <a:pPr indent="0" lvl="0" marL="0" rtl="0" algn="ctr">
+            <a:pPr marL="0" lvl="0" indent="0" algn="ctr" rtl="0">
               <a:spcBef>
                 <a:spcPts val="0"/>
               </a:spcBef>
@@ -5708,30 +5824,30 @@
           </a:xfrm>
           <a:prstGeom prst="leftRightArrow">
             <a:avLst>
-              <a:gd fmla="val 50000" name="adj1"/>
-              <a:gd fmla="val 50000" name="adj2"/>
+              <a:gd name="adj1" fmla="val 50000"/>
+              <a:gd name="adj2" fmla="val 50000"/>
             </a:avLst>
           </a:prstGeom>
           <a:solidFill>
             <a:schemeClr val="lt2"/>
           </a:solidFill>
-          <a:ln cap="flat" cmpd="sng" w="9525">
+          <a:ln w="9525" cap="flat" cmpd="sng">
             <a:solidFill>
               <a:schemeClr val="dk2"/>
             </a:solidFill>
             <a:prstDash val="solid"/>
             <a:round/>
-            <a:headEnd len="sm" w="sm" type="none"/>
-            <a:tailEnd len="sm" w="sm" type="none"/>
+            <a:headEnd type="none" w="sm" len="sm"/>
+            <a:tailEnd type="none" w="sm" len="sm"/>
           </a:ln>
         </p:spPr>
         <p:txBody>
-          <a:bodyPr anchorCtr="0" anchor="ctr" bIns="91425" lIns="91425" spcFirstLastPara="1" rIns="91425" wrap="square" tIns="91425">
+          <a:bodyPr spcFirstLastPara="1" wrap="square" lIns="91425" tIns="91425" rIns="91425" bIns="91425" anchor="ctr" anchorCtr="0">
             <a:noAutofit/>
           </a:bodyPr>
           <a:lstStyle/>
           <a:p>
-            <a:pPr indent="0" lvl="0" marL="0" rtl="0" algn="l">
+            <a:pPr marL="0" lvl="0" indent="0" algn="l" rtl="0">
               <a:spcBef>
                 <a:spcPts val="0"/>
               </a:spcBef>
@@ -5761,30 +5877,30 @@
           </a:xfrm>
           <a:prstGeom prst="leftArrow">
             <a:avLst>
-              <a:gd fmla="val 50000" name="adj1"/>
-              <a:gd fmla="val 50000" name="adj2"/>
+              <a:gd name="adj1" fmla="val 50000"/>
+              <a:gd name="adj2" fmla="val 50000"/>
             </a:avLst>
           </a:prstGeom>
           <a:solidFill>
             <a:schemeClr val="lt2"/>
           </a:solidFill>
-          <a:ln cap="flat" cmpd="sng" w="9525">
+          <a:ln w="9525" cap="flat" cmpd="sng">
             <a:solidFill>
               <a:schemeClr val="dk2"/>
             </a:solidFill>
             <a:prstDash val="solid"/>
             <a:round/>
-            <a:headEnd len="sm" w="sm" type="none"/>
-            <a:tailEnd len="sm" w="sm" type="none"/>
+            <a:headEnd type="none" w="sm" len="sm"/>
+            <a:tailEnd type="none" w="sm" len="sm"/>
           </a:ln>
         </p:spPr>
         <p:txBody>
-          <a:bodyPr anchorCtr="0" anchor="ctr" bIns="91425" lIns="91425" spcFirstLastPara="1" rIns="91425" wrap="square" tIns="91425">
+          <a:bodyPr spcFirstLastPara="1" wrap="square" lIns="91425" tIns="91425" rIns="91425" bIns="91425" anchor="ctr" anchorCtr="0">
             <a:noAutofit/>
           </a:bodyPr>
           <a:lstStyle/>
           <a:p>
-            <a:pPr indent="0" lvl="0" marL="0" rtl="0" algn="ctr">
+            <a:pPr marL="0" lvl="0" indent="0" algn="ctr" rtl="0">
               <a:spcBef>
                 <a:spcPts val="0"/>
               </a:spcBef>
@@ -5821,12 +5937,12 @@
           </a:ln>
         </p:spPr>
         <p:txBody>
-          <a:bodyPr anchorCtr="0" anchor="t" bIns="91425" lIns="91425" spcFirstLastPara="1" rIns="91425" wrap="square" tIns="91425">
+          <a:bodyPr spcFirstLastPara="1" wrap="square" lIns="91425" tIns="91425" rIns="91425" bIns="91425" anchor="t" anchorCtr="0">
             <a:noAutofit/>
           </a:bodyPr>
           <a:lstStyle/>
           <a:p>
-            <a:pPr indent="0" lvl="0" marL="0" rtl="0" algn="l">
+            <a:pPr marL="0" lvl="0" indent="0" algn="l" rtl="0">
               <a:spcBef>
                 <a:spcPts val="0"/>
               </a:spcBef>
@@ -5863,12 +5979,12 @@
           </a:ln>
         </p:spPr>
         <p:txBody>
-          <a:bodyPr anchorCtr="0" anchor="t" bIns="91425" lIns="91425" spcFirstLastPara="1" rIns="91425" wrap="square" tIns="91425">
+          <a:bodyPr spcFirstLastPara="1" wrap="square" lIns="91425" tIns="91425" rIns="91425" bIns="91425" anchor="t" anchorCtr="0">
             <a:noAutofit/>
           </a:bodyPr>
           <a:lstStyle/>
           <a:p>
-            <a:pPr indent="0" lvl="0" marL="0" rtl="0" algn="l">
+            <a:pPr marL="0" lvl="0" indent="0" algn="l" rtl="0">
               <a:spcBef>
                 <a:spcPts val="0"/>
               </a:spcBef>
@@ -5903,14 +6019,14 @@
             <a:avLst/>
           </a:prstGeom>
           <a:noFill/>
-          <a:ln cap="flat" cmpd="sng" w="9525">
+          <a:ln w="9525" cap="flat" cmpd="sng">
             <a:solidFill>
               <a:schemeClr val="dk2"/>
             </a:solidFill>
             <a:prstDash val="solid"/>
             <a:round/>
-            <a:headEnd len="med" w="med" type="none"/>
-            <a:tailEnd len="med" w="med" type="triangle"/>
+            <a:headEnd type="none" w="med" len="med"/>
+            <a:tailEnd type="triangle" w="med" len="med"/>
           </a:ln>
         </p:spPr>
       </p:cxnSp>
@@ -5932,14 +6048,14 @@
             <a:avLst/>
           </a:prstGeom>
           <a:noFill/>
-          <a:ln cap="flat" cmpd="sng" w="9525">
+          <a:ln w="9525" cap="flat" cmpd="sng">
             <a:solidFill>
               <a:schemeClr val="dk2"/>
             </a:solidFill>
             <a:prstDash val="solid"/>
             <a:round/>
-            <a:headEnd len="med" w="med" type="none"/>
-            <a:tailEnd len="med" w="med" type="triangle"/>
+            <a:headEnd type="none" w="med" len="med"/>
+            <a:tailEnd type="triangle" w="med" len="med"/>
           </a:ln>
         </p:spPr>
       </p:cxnSp>
@@ -5963,12 +6079,12 @@
           </a:ln>
         </p:spPr>
         <p:txBody>
-          <a:bodyPr anchorCtr="0" anchor="t" bIns="91425" lIns="91425" spcFirstLastPara="1" rIns="91425" wrap="square" tIns="91425">
+          <a:bodyPr spcFirstLastPara="1" wrap="square" lIns="91425" tIns="91425" rIns="91425" bIns="91425" anchor="t" anchorCtr="0">
             <a:noAutofit/>
           </a:bodyPr>
           <a:lstStyle/>
           <a:p>
-            <a:pPr indent="0" lvl="0" marL="0" rtl="0" algn="l">
+            <a:pPr marL="0" lvl="0" indent="0" algn="l" rtl="0">
               <a:spcBef>
                 <a:spcPts val="0"/>
               </a:spcBef>
@@ -5994,7 +6110,7 @@
           <p:nvPr/>
         </p:nvCxnSpPr>
         <p:spPr>
-          <a:xfrm flipH="1" rot="10800000">
+          <a:xfrm rot="10800000" flipH="1">
             <a:off x="847100" y="2907125"/>
             <a:ext cx="17100" cy="1195800"/>
           </a:xfrm>
@@ -6002,14 +6118,14 @@
             <a:avLst/>
           </a:prstGeom>
           <a:noFill/>
-          <a:ln cap="flat" cmpd="sng" w="9525">
+          <a:ln w="9525" cap="flat" cmpd="sng">
             <a:solidFill>
               <a:schemeClr val="dk2"/>
             </a:solidFill>
             <a:prstDash val="solid"/>
             <a:round/>
-            <a:headEnd len="med" w="med" type="none"/>
-            <a:tailEnd len="med" w="med" type="triangle"/>
+            <a:headEnd type="none" w="med" len="med"/>
+            <a:tailEnd type="triangle" w="med" len="med"/>
           </a:ln>
         </p:spPr>
       </p:cxnSp>
@@ -6028,23 +6144,23 @@
             <a:avLst/>
           </a:prstGeom>
           <a:noFill/>
-          <a:ln cap="flat" cmpd="sng" w="9525">
+          <a:ln w="9525" cap="flat" cmpd="sng">
             <a:solidFill>
               <a:schemeClr val="dk2"/>
             </a:solidFill>
             <a:prstDash val="dash"/>
             <a:round/>
-            <a:headEnd len="sm" w="sm" type="none"/>
-            <a:tailEnd len="sm" w="sm" type="none"/>
+            <a:headEnd type="none" w="sm" len="sm"/>
+            <a:tailEnd type="none" w="sm" len="sm"/>
           </a:ln>
         </p:spPr>
         <p:txBody>
-          <a:bodyPr anchorCtr="0" anchor="ctr" bIns="91425" lIns="91425" spcFirstLastPara="1" rIns="91425" wrap="square" tIns="91425">
+          <a:bodyPr spcFirstLastPara="1" wrap="square" lIns="91425" tIns="91425" rIns="91425" bIns="91425" anchor="ctr" anchorCtr="0">
             <a:noAutofit/>
           </a:bodyPr>
           <a:lstStyle/>
           <a:p>
-            <a:pPr indent="0" lvl="0" marL="0" rtl="0" algn="l">
+            <a:pPr marL="0" lvl="0" indent="0" algn="l" rtl="0">
               <a:spcBef>
                 <a:spcPts val="0"/>
               </a:spcBef>
@@ -6053,9 +6169,6 @@
               </a:spcAft>
               <a:buNone/>
             </a:pPr>
-            <a:r>
-              <a:t/>
-            </a:r>
             <a:endParaRPr/>
           </a:p>
         </p:txBody>
@@ -6073,30 +6186,30 @@
           </a:xfrm>
           <a:prstGeom prst="leftArrow">
             <a:avLst>
-              <a:gd fmla="val 50000" name="adj1"/>
-              <a:gd fmla="val 50000" name="adj2"/>
+              <a:gd name="adj1" fmla="val 50000"/>
+              <a:gd name="adj2" fmla="val 50000"/>
             </a:avLst>
           </a:prstGeom>
           <a:solidFill>
             <a:schemeClr val="lt2"/>
           </a:solidFill>
-          <a:ln cap="flat" cmpd="sng" w="9525">
+          <a:ln w="9525" cap="flat" cmpd="sng">
             <a:solidFill>
               <a:schemeClr val="dk2"/>
             </a:solidFill>
             <a:prstDash val="solid"/>
             <a:round/>
-            <a:headEnd len="sm" w="sm" type="none"/>
-            <a:tailEnd len="sm" w="sm" type="none"/>
+            <a:headEnd type="none" w="sm" len="sm"/>
+            <a:tailEnd type="none" w="sm" len="sm"/>
           </a:ln>
         </p:spPr>
         <p:txBody>
-          <a:bodyPr anchorCtr="0" anchor="ctr" bIns="91425" lIns="91425" spcFirstLastPara="1" rIns="91425" wrap="square" tIns="91425">
+          <a:bodyPr spcFirstLastPara="1" wrap="square" lIns="91425" tIns="91425" rIns="91425" bIns="91425" anchor="ctr" anchorCtr="0">
             <a:noAutofit/>
           </a:bodyPr>
           <a:lstStyle/>
           <a:p>
-            <a:pPr indent="0" lvl="0" marL="0" rtl="0" algn="ctr">
+            <a:pPr marL="0" lvl="0" indent="0" algn="ctr" rtl="0">
               <a:spcBef>
                 <a:spcPts val="0"/>
               </a:spcBef>
@@ -6133,12 +6246,12 @@
           </a:ln>
         </p:spPr>
         <p:txBody>
-          <a:bodyPr anchorCtr="0" anchor="t" bIns="91425" lIns="91425" spcFirstLastPara="1" rIns="91425" wrap="square" tIns="91425">
+          <a:bodyPr spcFirstLastPara="1" wrap="square" lIns="91425" tIns="91425" rIns="91425" bIns="91425" anchor="t" anchorCtr="0">
             <a:noAutofit/>
           </a:bodyPr>
           <a:lstStyle/>
           <a:p>
-            <a:pPr indent="0" lvl="0" marL="0" rtl="0" algn="l">
+            <a:pPr marL="0" lvl="0" indent="0" algn="l" rtl="0">
               <a:spcBef>
                 <a:spcPts val="0"/>
               </a:spcBef>
@@ -6148,7 +6261,7 @@
               <a:buNone/>
             </a:pPr>
             <a:r>
-              <a:rPr i="1" lang="en"/>
+              <a:rPr lang="en" i="1"/>
               <a:t>get</a:t>
             </a:r>
             <a:endParaRPr i="1"/>
@@ -6175,12 +6288,12 @@
           </a:ln>
         </p:spPr>
         <p:txBody>
-          <a:bodyPr anchorCtr="0" anchor="t" bIns="91425" lIns="91425" spcFirstLastPara="1" rIns="91425" wrap="square" tIns="91425">
+          <a:bodyPr spcFirstLastPara="1" wrap="square" lIns="91425" tIns="91425" rIns="91425" bIns="91425" anchor="t" anchorCtr="0">
             <a:noAutofit/>
           </a:bodyPr>
           <a:lstStyle/>
           <a:p>
-            <a:pPr indent="0" lvl="0" marL="0" rtl="0" algn="l">
+            <a:pPr marL="0" lvl="0" indent="0" algn="l" rtl="0">
               <a:spcBef>
                 <a:spcPts val="0"/>
               </a:spcBef>
@@ -6190,7 +6303,7 @@
               <a:buNone/>
             </a:pPr>
             <a:r>
-              <a:rPr i="1" lang="en"/>
+              <a:rPr lang="en" i="1"/>
               <a:t>send</a:t>
             </a:r>
             <a:endParaRPr i="1"/>
@@ -6210,29 +6323,29 @@
           </a:xfrm>
           <a:prstGeom prst="roundRect">
             <a:avLst>
-              <a:gd fmla="val 16667" name="adj"/>
+              <a:gd name="adj" fmla="val 16667"/>
             </a:avLst>
           </a:prstGeom>
           <a:solidFill>
             <a:srgbClr val="F3F3F3"/>
           </a:solidFill>
-          <a:ln cap="flat" cmpd="sng" w="9525">
+          <a:ln w="9525" cap="flat" cmpd="sng">
             <a:solidFill>
               <a:schemeClr val="dk2"/>
             </a:solidFill>
             <a:prstDash val="solid"/>
             <a:round/>
-            <a:headEnd len="sm" w="sm" type="none"/>
-            <a:tailEnd len="sm" w="sm" type="none"/>
+            <a:headEnd type="none" w="sm" len="sm"/>
+            <a:tailEnd type="none" w="sm" len="sm"/>
           </a:ln>
         </p:spPr>
         <p:txBody>
-          <a:bodyPr anchorCtr="0" anchor="ctr" bIns="91425" lIns="91425" spcFirstLastPara="1" rIns="91425" wrap="square" tIns="91425">
+          <a:bodyPr spcFirstLastPara="1" wrap="square" lIns="91425" tIns="91425" rIns="91425" bIns="91425" anchor="ctr" anchorCtr="0">
             <a:noAutofit/>
           </a:bodyPr>
           <a:lstStyle/>
           <a:p>
-            <a:pPr indent="0" lvl="0" marL="0" rtl="0" algn="ctr">
+            <a:pPr marL="0" lvl="0" indent="0" algn="ctr" rtl="0">
               <a:spcBef>
                 <a:spcPts val="0"/>
               </a:spcBef>
@@ -6248,7 +6361,7 @@
             <a:endParaRPr/>
           </a:p>
           <a:p>
-            <a:pPr indent="0" lvl="0" marL="0" rtl="0" algn="ctr">
+            <a:pPr marL="0" lvl="0" indent="0" algn="ctr" rtl="0">
               <a:spcBef>
                 <a:spcPts val="0"/>
               </a:spcBef>
@@ -6257,13 +6370,10 @@
               </a:spcAft>
               <a:buNone/>
             </a:pPr>
-            <a:r>
-              <a:t/>
-            </a:r>
             <a:endParaRPr/>
           </a:p>
           <a:p>
-            <a:pPr indent="0" lvl="0" marL="0" rtl="0" algn="ctr">
+            <a:pPr marL="0" lvl="0" indent="0" algn="ctr" rtl="0">
               <a:spcBef>
                 <a:spcPts val="0"/>
               </a:spcBef>
@@ -6272,13 +6382,10 @@
               </a:spcAft>
               <a:buNone/>
             </a:pPr>
-            <a:r>
-              <a:t/>
-            </a:r>
             <a:endParaRPr/>
           </a:p>
           <a:p>
-            <a:pPr indent="0" lvl="0" marL="0" rtl="0" algn="ctr">
+            <a:pPr marL="0" lvl="0" indent="0" algn="ctr" rtl="0">
               <a:spcBef>
                 <a:spcPts val="0"/>
               </a:spcBef>
@@ -6287,13 +6394,10 @@
               </a:spcAft>
               <a:buNone/>
             </a:pPr>
-            <a:r>
-              <a:t/>
-            </a:r>
             <a:endParaRPr/>
           </a:p>
           <a:p>
-            <a:pPr indent="0" lvl="0" marL="0" rtl="0" algn="ctr">
+            <a:pPr marL="0" lvl="0" indent="0" algn="ctr" rtl="0">
               <a:spcBef>
                 <a:spcPts val="0"/>
               </a:spcBef>
@@ -6302,13 +6406,10 @@
               </a:spcAft>
               <a:buNone/>
             </a:pPr>
-            <a:r>
-              <a:t/>
-            </a:r>
             <a:endParaRPr/>
           </a:p>
           <a:p>
-            <a:pPr indent="0" lvl="0" marL="0" rtl="0" algn="ctr">
+            <a:pPr marL="0" lvl="0" indent="0" algn="ctr" rtl="0">
               <a:spcBef>
                 <a:spcPts val="0"/>
               </a:spcBef>
@@ -6317,13 +6418,10 @@
               </a:spcAft>
               <a:buNone/>
             </a:pPr>
-            <a:r>
-              <a:t/>
-            </a:r>
             <a:endParaRPr/>
           </a:p>
           <a:p>
-            <a:pPr indent="0" lvl="0" marL="0" rtl="0" algn="ctr">
+            <a:pPr marL="0" lvl="0" indent="0" algn="ctr" rtl="0">
               <a:spcBef>
                 <a:spcPts val="0"/>
               </a:spcBef>
@@ -6332,13 +6430,10 @@
               </a:spcAft>
               <a:buNone/>
             </a:pPr>
-            <a:r>
-              <a:t/>
-            </a:r>
             <a:endParaRPr/>
           </a:p>
           <a:p>
-            <a:pPr indent="0" lvl="0" marL="0" rtl="0" algn="ctr">
+            <a:pPr marL="0" lvl="0" indent="0" algn="ctr" rtl="0">
               <a:spcBef>
                 <a:spcPts val="0"/>
               </a:spcBef>
@@ -6347,13 +6442,10 @@
               </a:spcAft>
               <a:buNone/>
             </a:pPr>
-            <a:r>
-              <a:t/>
-            </a:r>
             <a:endParaRPr/>
           </a:p>
           <a:p>
-            <a:pPr indent="0" lvl="0" marL="0" rtl="0" algn="ctr">
+            <a:pPr marL="0" lvl="0" indent="0" algn="ctr" rtl="0">
               <a:spcBef>
                 <a:spcPts val="0"/>
               </a:spcBef>
@@ -6362,13 +6454,10 @@
               </a:spcAft>
               <a:buNone/>
             </a:pPr>
-            <a:r>
-              <a:t/>
-            </a:r>
             <a:endParaRPr/>
           </a:p>
           <a:p>
-            <a:pPr indent="0" lvl="0" marL="0" rtl="0" algn="ctr">
+            <a:pPr marL="0" lvl="0" indent="0" algn="ctr" rtl="0">
               <a:spcBef>
                 <a:spcPts val="0"/>
               </a:spcBef>
@@ -6377,13 +6466,10 @@
               </a:spcAft>
               <a:buNone/>
             </a:pPr>
-            <a:r>
-              <a:t/>
-            </a:r>
             <a:endParaRPr/>
           </a:p>
           <a:p>
-            <a:pPr indent="0" lvl="0" marL="0" rtl="0" algn="ctr">
+            <a:pPr marL="0" lvl="0" indent="0" algn="ctr" rtl="0">
               <a:spcBef>
                 <a:spcPts val="0"/>
               </a:spcBef>
@@ -6392,9 +6478,6 @@
               </a:spcAft>
               <a:buNone/>
             </a:pPr>
-            <a:r>
-              <a:t/>
-            </a:r>
             <a:endParaRPr/>
           </a:p>
         </p:txBody>
@@ -6412,30 +6495,30 @@
           </a:xfrm>
           <a:prstGeom prst="rightArrow">
             <a:avLst>
-              <a:gd fmla="val 50000" name="adj1"/>
-              <a:gd fmla="val 50000" name="adj2"/>
+              <a:gd name="adj1" fmla="val 50000"/>
+              <a:gd name="adj2" fmla="val 50000"/>
             </a:avLst>
           </a:prstGeom>
           <a:solidFill>
             <a:schemeClr val="lt2"/>
           </a:solidFill>
-          <a:ln cap="flat" cmpd="sng" w="9525">
+          <a:ln w="9525" cap="flat" cmpd="sng">
             <a:solidFill>
               <a:schemeClr val="dk2"/>
             </a:solidFill>
             <a:prstDash val="solid"/>
             <a:round/>
-            <a:headEnd len="sm" w="sm" type="none"/>
-            <a:tailEnd len="sm" w="sm" type="none"/>
+            <a:headEnd type="none" w="sm" len="sm"/>
+            <a:tailEnd type="none" w="sm" len="sm"/>
           </a:ln>
         </p:spPr>
         <p:txBody>
-          <a:bodyPr anchorCtr="0" anchor="ctr" bIns="91425" lIns="91425" spcFirstLastPara="1" rIns="91425" wrap="square" tIns="91425">
+          <a:bodyPr spcFirstLastPara="1" wrap="square" lIns="91425" tIns="91425" rIns="91425" bIns="91425" anchor="ctr" anchorCtr="0">
             <a:noAutofit/>
           </a:bodyPr>
           <a:lstStyle/>
           <a:p>
-            <a:pPr indent="0" lvl="0" marL="0" rtl="0" algn="ctr">
+            <a:pPr marL="0" lvl="0" indent="0" algn="ctr" rtl="0">
               <a:spcBef>
                 <a:spcPts val="0"/>
               </a:spcBef>
@@ -6465,30 +6548,30 @@
           </a:xfrm>
           <a:prstGeom prst="leftArrow">
             <a:avLst>
-              <a:gd fmla="val 50000" name="adj1"/>
-              <a:gd fmla="val 50000" name="adj2"/>
+              <a:gd name="adj1" fmla="val 50000"/>
+              <a:gd name="adj2" fmla="val 50000"/>
             </a:avLst>
           </a:prstGeom>
           <a:solidFill>
             <a:schemeClr val="lt2"/>
           </a:solidFill>
-          <a:ln cap="flat" cmpd="sng" w="9525">
+          <a:ln w="9525" cap="flat" cmpd="sng">
             <a:solidFill>
               <a:schemeClr val="dk2"/>
             </a:solidFill>
             <a:prstDash val="solid"/>
             <a:round/>
-            <a:headEnd len="sm" w="sm" type="none"/>
-            <a:tailEnd len="sm" w="sm" type="none"/>
+            <a:headEnd type="none" w="sm" len="sm"/>
+            <a:tailEnd type="none" w="sm" len="sm"/>
           </a:ln>
         </p:spPr>
         <p:txBody>
-          <a:bodyPr anchorCtr="0" anchor="ctr" bIns="91425" lIns="91425" spcFirstLastPara="1" rIns="91425" wrap="square" tIns="91425">
+          <a:bodyPr spcFirstLastPara="1" wrap="square" lIns="91425" tIns="91425" rIns="91425" bIns="91425" anchor="ctr" anchorCtr="0">
             <a:noAutofit/>
           </a:bodyPr>
           <a:lstStyle/>
           <a:p>
-            <a:pPr indent="0" lvl="0" marL="0" rtl="0" algn="ctr">
+            <a:pPr marL="0" lvl="0" indent="0" algn="ctr" rtl="0">
               <a:spcBef>
                 <a:spcPts val="0"/>
               </a:spcBef>
@@ -6520,23 +6603,23 @@
             <a:avLst/>
           </a:prstGeom>
           <a:noFill/>
-          <a:ln cap="flat" cmpd="sng" w="9525">
+          <a:ln w="9525" cap="flat" cmpd="sng">
             <a:solidFill>
               <a:schemeClr val="dk2"/>
             </a:solidFill>
             <a:prstDash val="dash"/>
             <a:round/>
-            <a:headEnd len="sm" w="sm" type="none"/>
-            <a:tailEnd len="sm" w="sm" type="none"/>
+            <a:headEnd type="none" w="sm" len="sm"/>
+            <a:tailEnd type="none" w="sm" len="sm"/>
           </a:ln>
         </p:spPr>
         <p:txBody>
-          <a:bodyPr anchorCtr="0" anchor="ctr" bIns="91425" lIns="91425" spcFirstLastPara="1" rIns="91425" wrap="square" tIns="91425">
+          <a:bodyPr spcFirstLastPara="1" wrap="square" lIns="91425" tIns="91425" rIns="91425" bIns="91425" anchor="ctr" anchorCtr="0">
             <a:noAutofit/>
           </a:bodyPr>
           <a:lstStyle/>
           <a:p>
-            <a:pPr indent="0" lvl="0" marL="0" rtl="0" algn="l">
+            <a:pPr marL="0" lvl="0" indent="0" algn="l" rtl="0">
               <a:spcBef>
                 <a:spcPts val="0"/>
               </a:spcBef>
@@ -6545,9 +6628,6 @@
               </a:spcAft>
               <a:buNone/>
             </a:pPr>
-            <a:r>
-              <a:t/>
-            </a:r>
             <a:endParaRPr/>
           </a:p>
         </p:txBody>
@@ -6572,12 +6652,12 @@
           </a:ln>
         </p:spPr>
         <p:txBody>
-          <a:bodyPr anchorCtr="0" anchor="t" bIns="91425" lIns="91425" spcFirstLastPara="1" rIns="91425" wrap="square" tIns="91425">
+          <a:bodyPr spcFirstLastPara="1" wrap="square" lIns="91425" tIns="91425" rIns="91425" bIns="91425" anchor="t" anchorCtr="0">
             <a:noAutofit/>
           </a:bodyPr>
           <a:lstStyle/>
           <a:p>
-            <a:pPr indent="0" lvl="0" marL="0" rtl="0" algn="l">
+            <a:pPr marL="0" lvl="0" indent="0" algn="l" rtl="0">
               <a:spcBef>
                 <a:spcPts val="0"/>
               </a:spcBef>
@@ -6587,7 +6667,7 @@
               <a:buNone/>
             </a:pPr>
             <a:r>
-              <a:rPr i="1" lang="en"/>
+              <a:rPr lang="en" i="1"/>
               <a:t>runDFA</a:t>
             </a:r>
             <a:endParaRPr i="1"/>
@@ -6607,29 +6687,29 @@
           </a:xfrm>
           <a:prstGeom prst="roundRect">
             <a:avLst>
-              <a:gd fmla="val 16667" name="adj"/>
+              <a:gd name="adj" fmla="val 16667"/>
             </a:avLst>
           </a:prstGeom>
           <a:solidFill>
             <a:srgbClr val="FCE5CD"/>
           </a:solidFill>
-          <a:ln cap="flat" cmpd="sng" w="9525">
+          <a:ln w="9525" cap="flat" cmpd="sng">
             <a:solidFill>
               <a:schemeClr val="dk2"/>
             </a:solidFill>
             <a:prstDash val="solid"/>
             <a:round/>
-            <a:headEnd len="sm" w="sm" type="none"/>
-            <a:tailEnd len="sm" w="sm" type="none"/>
+            <a:headEnd type="none" w="sm" len="sm"/>
+            <a:tailEnd type="none" w="sm" len="sm"/>
           </a:ln>
         </p:spPr>
         <p:txBody>
-          <a:bodyPr anchorCtr="0" anchor="ctr" bIns="91425" lIns="91425" spcFirstLastPara="1" rIns="91425" wrap="square" tIns="91425">
+          <a:bodyPr spcFirstLastPara="1" wrap="square" lIns="91425" tIns="91425" rIns="91425" bIns="91425" anchor="ctr" anchorCtr="0">
             <a:noAutofit/>
           </a:bodyPr>
           <a:lstStyle/>
           <a:p>
-            <a:pPr indent="0" lvl="0" marL="0" rtl="0" algn="ctr">
+            <a:pPr marL="0" lvl="0" indent="0" algn="ctr" rtl="0">
               <a:spcBef>
                 <a:spcPts val="0"/>
               </a:spcBef>
@@ -6659,29 +6739,29 @@
           </a:xfrm>
           <a:prstGeom prst="roundRect">
             <a:avLst>
-              <a:gd fmla="val 16667" name="adj"/>
+              <a:gd name="adj" fmla="val 16667"/>
             </a:avLst>
           </a:prstGeom>
           <a:solidFill>
             <a:srgbClr val="FCE5CD"/>
           </a:solidFill>
-          <a:ln cap="flat" cmpd="sng" w="9525">
+          <a:ln w="9525" cap="flat" cmpd="sng">
             <a:solidFill>
               <a:schemeClr val="dk2"/>
             </a:solidFill>
             <a:prstDash val="solid"/>
             <a:round/>
-            <a:headEnd len="sm" w="sm" type="none"/>
-            <a:tailEnd len="sm" w="sm" type="none"/>
+            <a:headEnd type="none" w="sm" len="sm"/>
+            <a:tailEnd type="none" w="sm" len="sm"/>
           </a:ln>
         </p:spPr>
         <p:txBody>
-          <a:bodyPr anchorCtr="0" anchor="ctr" bIns="91425" lIns="91425" spcFirstLastPara="1" rIns="91425" wrap="square" tIns="91425">
+          <a:bodyPr spcFirstLastPara="1" wrap="square" lIns="91425" tIns="91425" rIns="91425" bIns="91425" anchor="ctr" anchorCtr="0">
             <a:noAutofit/>
           </a:bodyPr>
           <a:lstStyle/>
           <a:p>
-            <a:pPr indent="0" lvl="0" marL="0" rtl="0" algn="ctr">
+            <a:pPr marL="0" lvl="0" indent="0" algn="ctr" rtl="0">
               <a:spcBef>
                 <a:spcPts val="0"/>
               </a:spcBef>
@@ -6711,29 +6791,29 @@
           </a:xfrm>
           <a:prstGeom prst="roundRect">
             <a:avLst>
-              <a:gd fmla="val 16667" name="adj"/>
+              <a:gd name="adj" fmla="val 16667"/>
             </a:avLst>
           </a:prstGeom>
           <a:solidFill>
             <a:srgbClr val="FCE5CD"/>
           </a:solidFill>
-          <a:ln cap="flat" cmpd="sng" w="9525">
+          <a:ln w="9525" cap="flat" cmpd="sng">
             <a:solidFill>
               <a:schemeClr val="dk2"/>
             </a:solidFill>
             <a:prstDash val="solid"/>
             <a:round/>
-            <a:headEnd len="sm" w="sm" type="none"/>
-            <a:tailEnd len="sm" w="sm" type="none"/>
+            <a:headEnd type="none" w="sm" len="sm"/>
+            <a:tailEnd type="none" w="sm" len="sm"/>
           </a:ln>
         </p:spPr>
         <p:txBody>
-          <a:bodyPr anchorCtr="0" anchor="ctr" bIns="91425" lIns="91425" spcFirstLastPara="1" rIns="91425" wrap="square" tIns="91425">
+          <a:bodyPr spcFirstLastPara="1" wrap="square" lIns="91425" tIns="91425" rIns="91425" bIns="91425" anchor="ctr" anchorCtr="0">
             <a:noAutofit/>
           </a:bodyPr>
           <a:lstStyle/>
           <a:p>
-            <a:pPr indent="0" lvl="0" marL="0" rtl="0" algn="ctr">
+            <a:pPr marL="0" lvl="0" indent="0" algn="ctr" rtl="0">
               <a:spcBef>
                 <a:spcPts val="0"/>
               </a:spcBef>
@@ -6763,30 +6843,30 @@
           </a:xfrm>
           <a:prstGeom prst="rightArrow">
             <a:avLst>
-              <a:gd fmla="val 50000" name="adj1"/>
-              <a:gd fmla="val 50000" name="adj2"/>
+              <a:gd name="adj1" fmla="val 50000"/>
+              <a:gd name="adj2" fmla="val 50000"/>
             </a:avLst>
           </a:prstGeom>
           <a:solidFill>
             <a:schemeClr val="lt2"/>
           </a:solidFill>
-          <a:ln cap="flat" cmpd="sng" w="9525">
+          <a:ln w="9525" cap="flat" cmpd="sng">
             <a:solidFill>
               <a:schemeClr val="dk2"/>
             </a:solidFill>
             <a:prstDash val="solid"/>
             <a:round/>
-            <a:headEnd len="sm" w="sm" type="none"/>
-            <a:tailEnd len="sm" w="sm" type="none"/>
+            <a:headEnd type="none" w="sm" len="sm"/>
+            <a:tailEnd type="none" w="sm" len="sm"/>
           </a:ln>
         </p:spPr>
         <p:txBody>
-          <a:bodyPr anchorCtr="0" anchor="ctr" bIns="91425" lIns="91425" spcFirstLastPara="1" rIns="91425" wrap="square" tIns="91425">
+          <a:bodyPr spcFirstLastPara="1" wrap="square" lIns="91425" tIns="91425" rIns="91425" bIns="91425" anchor="ctr" anchorCtr="0">
             <a:noAutofit/>
           </a:bodyPr>
           <a:lstStyle/>
           <a:p>
-            <a:pPr indent="0" lvl="0" marL="0" rtl="0" algn="l">
+            <a:pPr marL="0" lvl="0" indent="0" algn="l" rtl="0">
               <a:spcBef>
                 <a:spcPts val="0"/>
               </a:spcBef>
@@ -6795,9 +6875,6 @@
               </a:spcAft>
               <a:buNone/>
             </a:pPr>
-            <a:r>
-              <a:t/>
-            </a:r>
             <a:endParaRPr/>
           </a:p>
         </p:txBody>
@@ -6815,30 +6892,30 @@
           </a:xfrm>
           <a:prstGeom prst="downArrow">
             <a:avLst>
-              <a:gd fmla="val 50000" name="adj1"/>
-              <a:gd fmla="val 50000" name="adj2"/>
+              <a:gd name="adj1" fmla="val 50000"/>
+              <a:gd name="adj2" fmla="val 50000"/>
             </a:avLst>
           </a:prstGeom>
           <a:solidFill>
             <a:srgbClr val="F3F3F3"/>
           </a:solidFill>
-          <a:ln cap="flat" cmpd="sng" w="9525">
+          <a:ln w="9525" cap="flat" cmpd="sng">
             <a:solidFill>
               <a:schemeClr val="dk2"/>
             </a:solidFill>
             <a:prstDash val="solid"/>
             <a:round/>
-            <a:headEnd len="sm" w="sm" type="none"/>
-            <a:tailEnd len="sm" w="sm" type="none"/>
+            <a:headEnd type="none" w="sm" len="sm"/>
+            <a:tailEnd type="none" w="sm" len="sm"/>
           </a:ln>
         </p:spPr>
         <p:txBody>
-          <a:bodyPr anchorCtr="0" anchor="ctr" bIns="91425" lIns="91425" spcFirstLastPara="1" rIns="91425" wrap="square" tIns="91425">
+          <a:bodyPr spcFirstLastPara="1" wrap="square" lIns="91425" tIns="91425" rIns="91425" bIns="91425" anchor="ctr" anchorCtr="0">
             <a:noAutofit/>
           </a:bodyPr>
           <a:lstStyle/>
           <a:p>
-            <a:pPr indent="0" lvl="0" marL="0" rtl="0" algn="l">
+            <a:pPr marL="0" lvl="0" indent="0" algn="l" rtl="0">
               <a:spcBef>
                 <a:spcPts val="0"/>
               </a:spcBef>
@@ -6847,9 +6924,6 @@
               </a:spcAft>
               <a:buNone/>
             </a:pPr>
-            <a:r>
-              <a:t/>
-            </a:r>
             <a:endParaRPr/>
           </a:p>
         </p:txBody>
@@ -6874,12 +6948,12 @@
           </a:ln>
         </p:spPr>
         <p:txBody>
-          <a:bodyPr anchorCtr="0" anchor="t" bIns="91425" lIns="91425" spcFirstLastPara="1" rIns="91425" wrap="square" tIns="91425">
+          <a:bodyPr spcFirstLastPara="1" wrap="square" lIns="91425" tIns="91425" rIns="91425" bIns="91425" anchor="t" anchorCtr="0">
             <a:noAutofit/>
           </a:bodyPr>
           <a:lstStyle/>
           <a:p>
-            <a:pPr indent="0" lvl="0" marL="0" rtl="0" algn="l">
+            <a:pPr marL="0" lvl="0" indent="0" algn="l" rtl="0">
               <a:spcBef>
                 <a:spcPts val="0"/>
               </a:spcBef>
@@ -6914,14 +6988,14 @@
             <a:avLst/>
           </a:prstGeom>
           <a:noFill/>
-          <a:ln cap="flat" cmpd="sng" w="9525">
+          <a:ln w="9525" cap="flat" cmpd="sng">
             <a:solidFill>
               <a:schemeClr val="dk2"/>
             </a:solidFill>
             <a:prstDash val="solid"/>
             <a:round/>
-            <a:headEnd len="med" w="med" type="none"/>
-            <a:tailEnd len="med" w="med" type="triangle"/>
+            <a:headEnd type="none" w="med" len="med"/>
+            <a:tailEnd type="triangle" w="med" len="med"/>
           </a:ln>
         </p:spPr>
       </p:cxnSp>
@@ -6945,12 +7019,12 @@
           </a:ln>
         </p:spPr>
         <p:txBody>
-          <a:bodyPr anchorCtr="0" anchor="t" bIns="91425" lIns="91425" spcFirstLastPara="1" rIns="91425" wrap="square" tIns="91425">
+          <a:bodyPr spcFirstLastPara="1" wrap="square" lIns="91425" tIns="91425" rIns="91425" bIns="91425" anchor="t" anchorCtr="0">
             <a:noAutofit/>
           </a:bodyPr>
           <a:lstStyle/>
           <a:p>
-            <a:pPr indent="0" lvl="0" marL="0" rtl="0" algn="l">
+            <a:pPr marL="0" lvl="0" indent="0" algn="l" rtl="0">
               <a:spcBef>
                 <a:spcPts val="0"/>
               </a:spcBef>
@@ -6985,17 +7059,163 @@
             <a:avLst/>
           </a:prstGeom>
           <a:noFill/>
-          <a:ln cap="flat" cmpd="sng" w="9525">
+          <a:ln w="9525" cap="flat" cmpd="sng">
             <a:solidFill>
               <a:schemeClr val="dk2"/>
             </a:solidFill>
             <a:prstDash val="solid"/>
             <a:round/>
-            <a:headEnd len="med" w="med" type="none"/>
-            <a:tailEnd len="med" w="med" type="triangle"/>
+            <a:headEnd type="none" w="med" len="med"/>
+            <a:tailEnd type="triangle" w="med" len="med"/>
           </a:ln>
         </p:spPr>
       </p:cxnSp>
+      <p:sp>
+        <p:nvSpPr>
+          <p:cNvPr id="31" name="Google Shape;74;p13">
+            <a:extLst>
+              <a:ext uri="{FF2B5EF4-FFF2-40B4-BE49-F238E27FC236}">
+                <a16:creationId xmlns:a16="http://schemas.microsoft.com/office/drawing/2014/main" id="{835C0BB7-9330-E84B-8139-E8628275AFF5}"/>
+              </a:ext>
+            </a:extLst>
+          </p:cNvPr>
+          <p:cNvSpPr/>
+          <p:nvPr/>
+        </p:nvSpPr>
+        <p:spPr>
+          <a:xfrm>
+            <a:off x="6314750" y="2833697"/>
+            <a:ext cx="980700" cy="748200"/>
+          </a:xfrm>
+          <a:prstGeom prst="roundRect">
+            <a:avLst>
+              <a:gd name="adj" fmla="val 16667"/>
+            </a:avLst>
+          </a:prstGeom>
+          <a:solidFill>
+            <a:srgbClr val="FCE5CD"/>
+          </a:solidFill>
+          <a:ln w="9525" cap="flat" cmpd="sng">
+            <a:solidFill>
+              <a:schemeClr val="dk2"/>
+            </a:solidFill>
+            <a:prstDash val="solid"/>
+            <a:round/>
+            <a:headEnd type="none" w="sm" len="sm"/>
+            <a:tailEnd type="none" w="sm" len="sm"/>
+          </a:ln>
+        </p:spPr>
+        <p:txBody>
+          <a:bodyPr spcFirstLastPara="1" wrap="square" lIns="91425" tIns="91425" rIns="91425" bIns="91425" anchor="ctr" anchorCtr="0">
+            <a:noAutofit/>
+          </a:bodyPr>
+          <a:lstStyle/>
+          <a:p>
+            <a:pPr marL="0" lvl="0" indent="0" algn="ctr" rtl="0">
+              <a:spcBef>
+                <a:spcPts val="0"/>
+              </a:spcBef>
+              <a:spcAft>
+                <a:spcPts val="0"/>
+              </a:spcAft>
+              <a:buNone/>
+            </a:pPr>
+            <a:r>
+              <a:rPr lang="en" dirty="0"/>
+              <a:t>Bit</a:t>
+            </a:r>
+          </a:p>
+          <a:p>
+            <a:pPr marL="0" lvl="0" indent="0" algn="ctr" rtl="0">
+              <a:spcBef>
+                <a:spcPts val="0"/>
+              </a:spcBef>
+              <a:spcAft>
+                <a:spcPts val="0"/>
+              </a:spcAft>
+              <a:buNone/>
+            </a:pPr>
+            <a:r>
+              <a:rPr lang="en" dirty="0"/>
+              <a:t>Codec</a:t>
+            </a:r>
+            <a:endParaRPr dirty="0"/>
+          </a:p>
+        </p:txBody>
+      </p:sp>
+      <p:sp>
+        <p:nvSpPr>
+          <p:cNvPr id="32" name="Google Shape;74;p13">
+            <a:extLst>
+              <a:ext uri="{FF2B5EF4-FFF2-40B4-BE49-F238E27FC236}">
+                <a16:creationId xmlns:a16="http://schemas.microsoft.com/office/drawing/2014/main" id="{A54DC05D-8550-ED49-A455-3A61B8987FC9}"/>
+              </a:ext>
+            </a:extLst>
+          </p:cNvPr>
+          <p:cNvSpPr/>
+          <p:nvPr/>
+        </p:nvSpPr>
+        <p:spPr>
+          <a:xfrm>
+            <a:off x="1638624" y="3125871"/>
+            <a:ext cx="674351" cy="546771"/>
+          </a:xfrm>
+          <a:prstGeom prst="roundRect">
+            <a:avLst>
+              <a:gd name="adj" fmla="val 16667"/>
+            </a:avLst>
+          </a:prstGeom>
+          <a:solidFill>
+            <a:srgbClr val="FCE5CD"/>
+          </a:solidFill>
+          <a:ln w="9525" cap="flat" cmpd="sng">
+            <a:solidFill>
+              <a:schemeClr val="dk2"/>
+            </a:solidFill>
+            <a:prstDash val="solid"/>
+            <a:round/>
+            <a:headEnd type="none" w="sm" len="sm"/>
+            <a:tailEnd type="none" w="sm" len="sm"/>
+          </a:ln>
+        </p:spPr>
+        <p:txBody>
+          <a:bodyPr spcFirstLastPara="1" wrap="square" lIns="91425" tIns="91425" rIns="91425" bIns="91425" anchor="ctr" anchorCtr="0">
+            <a:noAutofit/>
+          </a:bodyPr>
+          <a:lstStyle/>
+          <a:p>
+            <a:pPr marL="0" lvl="0" indent="0" algn="ctr" rtl="0">
+              <a:spcBef>
+                <a:spcPts val="0"/>
+              </a:spcBef>
+              <a:spcAft>
+                <a:spcPts val="0"/>
+              </a:spcAft>
+              <a:buNone/>
+            </a:pPr>
+            <a:r>
+              <a:rPr lang="en" sz="1100" dirty="0"/>
+              <a:t>Bit</a:t>
+            </a:r>
+          </a:p>
+          <a:p>
+            <a:pPr marL="0" lvl="0" indent="0" algn="ctr" rtl="0">
+              <a:spcBef>
+                <a:spcPts val="0"/>
+              </a:spcBef>
+              <a:spcAft>
+                <a:spcPts val="0"/>
+              </a:spcAft>
+              <a:buNone/>
+            </a:pPr>
+            <a:r>
+              <a:rPr lang="en" sz="1100" dirty="0"/>
+              <a:t>Codec</a:t>
+            </a:r>
+            <a:endParaRPr sz="1100" dirty="0"/>
+          </a:p>
+        </p:txBody>
+      </p:sp>
     </p:spTree>
   </p:cSld>
   <p:clrMapOvr>
@@ -7005,7 +7225,288 @@
 </file>
 
 <file path=ppt/theme/theme1.xml><?xml version="1.0" encoding="utf-8"?>
-<a:theme xmlns:a="http://schemas.openxmlformats.org/drawingml/2006/main" xmlns:r="http://schemas.openxmlformats.org/officeDocument/2006/relationships">
+<a:theme xmlns:a="http://schemas.openxmlformats.org/drawingml/2006/main" name="Simple Light">
+  <a:themeElements>
+    <a:clrScheme name="Simple Light">
+      <a:dk1>
+        <a:srgbClr val="000000"/>
+      </a:dk1>
+      <a:lt1>
+        <a:srgbClr val="FFFFFF"/>
+      </a:lt1>
+      <a:dk2>
+        <a:srgbClr val="595959"/>
+      </a:dk2>
+      <a:lt2>
+        <a:srgbClr val="EEEEEE"/>
+      </a:lt2>
+      <a:accent1>
+        <a:srgbClr val="FFAB40"/>
+      </a:accent1>
+      <a:accent2>
+        <a:srgbClr val="212121"/>
+      </a:accent2>
+      <a:accent3>
+        <a:srgbClr val="78909C"/>
+      </a:accent3>
+      <a:accent4>
+        <a:srgbClr val="FFAB40"/>
+      </a:accent4>
+      <a:accent5>
+        <a:srgbClr val="0097A7"/>
+      </a:accent5>
+      <a:accent6>
+        <a:srgbClr val="EEFF41"/>
+      </a:accent6>
+      <a:hlink>
+        <a:srgbClr val="0097A7"/>
+      </a:hlink>
+      <a:folHlink>
+        <a:srgbClr val="0097A7"/>
+      </a:folHlink>
+    </a:clrScheme>
+    <a:fontScheme name="Office">
+      <a:majorFont>
+        <a:latin typeface="Arial"/>
+        <a:ea typeface=""/>
+        <a:cs typeface=""/>
+        <a:font script="Jpan" typeface="ＭＳ Ｐゴシック"/>
+        <a:font script="Hang" typeface="맑은 고딕"/>
+        <a:font script="Hans" typeface="宋体"/>
+        <a:font script="Hant" typeface="新細明體"/>
+        <a:font script="Arab" typeface="Times New Roman"/>
+        <a:font script="Hebr" typeface="Times New Roman"/>
+        <a:font script="Thai" typeface="Angsana New"/>
+        <a:font script="Ethi" typeface="Nyala"/>
+        <a:font script="Beng" typeface="Vrinda"/>
+        <a:font script="Gujr" typeface="Shruti"/>
+        <a:font script="Khmr" typeface="MoolBoran"/>
+        <a:font script="Knda" typeface="Tunga"/>
+        <a:font script="Guru" typeface="Raavi"/>
+        <a:font script="Cans" typeface="Euphemia"/>
+        <a:font script="Cher" typeface="Plantagenet Cherokee"/>
+        <a:font script="Yiii" typeface="Microsoft Yi Baiti"/>
+        <a:font script="Tibt" typeface="Microsoft Himalaya"/>
+        <a:font script="Thaa" typeface="MV Boli"/>
+        <a:font script="Deva" typeface="Mangal"/>
+        <a:font script="Telu" typeface="Gautami"/>
+        <a:font script="Taml" typeface="Latha"/>
+        <a:font script="Syrc" typeface="Estrangelo Edessa"/>
+        <a:font script="Orya" typeface="Kalinga"/>
+        <a:font script="Mlym" typeface="Kartika"/>
+        <a:font script="Laoo" typeface="DokChampa"/>
+        <a:font script="Sinh" typeface="Iskoola Pota"/>
+        <a:font script="Mong" typeface="Mongolian Baiti"/>
+        <a:font script="Viet" typeface="Times New Roman"/>
+        <a:font script="Uigh" typeface="Microsoft Uighur"/>
+        <a:font script="Geor" typeface="Sylfaen"/>
+      </a:majorFont>
+      <a:minorFont>
+        <a:latin typeface="Arial"/>
+        <a:ea typeface=""/>
+        <a:cs typeface=""/>
+        <a:font script="Jpan" typeface="ＭＳ Ｐゴシック"/>
+        <a:font script="Hang" typeface="맑은 고딕"/>
+        <a:font script="Hans" typeface="宋体"/>
+        <a:font script="Hant" typeface="新細明體"/>
+        <a:font script="Arab" typeface="Arial"/>
+        <a:font script="Hebr" typeface="Arial"/>
+        <a:font script="Thai" typeface="Cordia New"/>
+        <a:font script="Ethi" typeface="Nyala"/>
+        <a:font script="Beng" typeface="Vrinda"/>
+        <a:font script="Gujr" typeface="Shruti"/>
+        <a:font script="Khmr" typeface="DaunPenh"/>
+        <a:font script="Knda" typeface="Tunga"/>
+        <a:font script="Guru" typeface="Raavi"/>
+        <a:font script="Cans" typeface="Euphemia"/>
+        <a:font script="Cher" typeface="Plantagenet Cherokee"/>
+        <a:font script="Yiii" typeface="Microsoft Yi Baiti"/>
+        <a:font script="Tibt" typeface="Microsoft Himalaya"/>
+        <a:font script="Thaa" typeface="MV Boli"/>
+        <a:font script="Deva" typeface="Mangal"/>
+        <a:font script="Telu" typeface="Gautami"/>
+        <a:font script="Taml" typeface="Latha"/>
+        <a:font script="Syrc" typeface="Estrangelo Edessa"/>
+        <a:font script="Orya" typeface="Kalinga"/>
+        <a:font script="Mlym" typeface="Kartika"/>
+        <a:font script="Laoo" typeface="DokChampa"/>
+        <a:font script="Sinh" typeface="Iskoola Pota"/>
+        <a:font script="Mong" typeface="Mongolian Baiti"/>
+        <a:font script="Viet" typeface="Arial"/>
+        <a:font script="Uigh" typeface="Microsoft Uighur"/>
+        <a:font script="Geor" typeface="Sylfaen"/>
+      </a:minorFont>
+    </a:fontScheme>
+    <a:fmtScheme name="Office">
+      <a:fillStyleLst>
+        <a:solidFill>
+          <a:schemeClr val="phClr"/>
+        </a:solidFill>
+        <a:gradFill rotWithShape="1">
+          <a:gsLst>
+            <a:gs pos="0">
+              <a:schemeClr val="phClr">
+                <a:tint val="50000"/>
+                <a:satMod val="300000"/>
+              </a:schemeClr>
+            </a:gs>
+            <a:gs pos="35000">
+              <a:schemeClr val="phClr">
+                <a:tint val="37000"/>
+                <a:satMod val="300000"/>
+              </a:schemeClr>
+            </a:gs>
+            <a:gs pos="100000">
+              <a:schemeClr val="phClr">
+                <a:tint val="15000"/>
+                <a:satMod val="350000"/>
+              </a:schemeClr>
+            </a:gs>
+          </a:gsLst>
+          <a:lin ang="16200000" scaled="1"/>
+        </a:gradFill>
+        <a:gradFill rotWithShape="1">
+          <a:gsLst>
+            <a:gs pos="0">
+              <a:schemeClr val="phClr">
+                <a:tint val="100000"/>
+                <a:shade val="100000"/>
+                <a:satMod val="130000"/>
+              </a:schemeClr>
+            </a:gs>
+            <a:gs pos="100000">
+              <a:schemeClr val="phClr">
+                <a:tint val="50000"/>
+                <a:shade val="100000"/>
+                <a:satMod val="350000"/>
+              </a:schemeClr>
+            </a:gs>
+          </a:gsLst>
+          <a:lin ang="16200000" scaled="0"/>
+        </a:gradFill>
+      </a:fillStyleLst>
+      <a:lnStyleLst>
+        <a:ln w="9525" cap="flat" cmpd="sng" algn="ctr">
+          <a:solidFill>
+            <a:schemeClr val="phClr">
+              <a:shade val="95000"/>
+              <a:satMod val="105000"/>
+            </a:schemeClr>
+          </a:solidFill>
+          <a:prstDash val="solid"/>
+        </a:ln>
+        <a:ln w="25400" cap="flat" cmpd="sng" algn="ctr">
+          <a:solidFill>
+            <a:schemeClr val="phClr"/>
+          </a:solidFill>
+          <a:prstDash val="solid"/>
+        </a:ln>
+        <a:ln w="38100" cap="flat" cmpd="sng" algn="ctr">
+          <a:solidFill>
+            <a:schemeClr val="phClr"/>
+          </a:solidFill>
+          <a:prstDash val="solid"/>
+        </a:ln>
+      </a:lnStyleLst>
+      <a:effectStyleLst>
+        <a:effectStyle>
+          <a:effectLst>
+            <a:outerShdw blurRad="40000" dist="20000" dir="5400000" rotWithShape="0">
+              <a:srgbClr val="000000">
+                <a:alpha val="38000"/>
+              </a:srgbClr>
+            </a:outerShdw>
+          </a:effectLst>
+        </a:effectStyle>
+        <a:effectStyle>
+          <a:effectLst>
+            <a:outerShdw blurRad="40000" dist="23000" dir="5400000" rotWithShape="0">
+              <a:srgbClr val="000000">
+                <a:alpha val="35000"/>
+              </a:srgbClr>
+            </a:outerShdw>
+          </a:effectLst>
+        </a:effectStyle>
+        <a:effectStyle>
+          <a:effectLst>
+            <a:outerShdw blurRad="40000" dist="23000" dir="5400000" rotWithShape="0">
+              <a:srgbClr val="000000">
+                <a:alpha val="35000"/>
+              </a:srgbClr>
+            </a:outerShdw>
+          </a:effectLst>
+          <a:scene3d>
+            <a:camera prst="orthographicFront">
+              <a:rot lat="0" lon="0" rev="0"/>
+            </a:camera>
+            <a:lightRig rig="threePt" dir="t">
+              <a:rot lat="0" lon="0" rev="1200000"/>
+            </a:lightRig>
+          </a:scene3d>
+          <a:sp3d>
+            <a:bevelT w="63500" h="25400"/>
+          </a:sp3d>
+        </a:effectStyle>
+      </a:effectStyleLst>
+      <a:bgFillStyleLst>
+        <a:solidFill>
+          <a:schemeClr val="phClr"/>
+        </a:solidFill>
+        <a:gradFill rotWithShape="1">
+          <a:gsLst>
+            <a:gs pos="0">
+              <a:schemeClr val="phClr">
+                <a:tint val="40000"/>
+                <a:satMod val="350000"/>
+              </a:schemeClr>
+            </a:gs>
+            <a:gs pos="40000">
+              <a:schemeClr val="phClr">
+                <a:tint val="45000"/>
+                <a:shade val="99000"/>
+                <a:satMod val="350000"/>
+              </a:schemeClr>
+            </a:gs>
+            <a:gs pos="100000">
+              <a:schemeClr val="phClr">
+                <a:shade val="20000"/>
+                <a:satMod val="255000"/>
+              </a:schemeClr>
+            </a:gs>
+          </a:gsLst>
+          <a:path path="circle">
+            <a:fillToRect l="50000" t="-80000" r="50000" b="180000"/>
+          </a:path>
+        </a:gradFill>
+        <a:gradFill rotWithShape="1">
+          <a:gsLst>
+            <a:gs pos="0">
+              <a:schemeClr val="phClr">
+                <a:tint val="80000"/>
+                <a:satMod val="300000"/>
+              </a:schemeClr>
+            </a:gs>
+            <a:gs pos="100000">
+              <a:schemeClr val="phClr">
+                <a:shade val="30000"/>
+                <a:satMod val="200000"/>
+              </a:schemeClr>
+            </a:gs>
+          </a:gsLst>
+          <a:path path="circle">
+            <a:fillToRect l="50000" t="50000" r="50000" b="50000"/>
+          </a:path>
+        </a:gradFill>
+      </a:bgFillStyleLst>
+    </a:fmtScheme>
+  </a:themeElements>
+  <a:objectDefaults/>
+  <a:extraClrSchemeLst/>
+</a:theme>
+</file>
+
+<file path=ppt/theme/theme2.xml><?xml version="1.0" encoding="utf-8"?>
+<a:theme xmlns:a="http://schemas.openxmlformats.org/drawingml/2006/main">
   <a:themeElements>
     <a:clrScheme name="Default">
       <a:dk1>
@@ -7280,284 +7781,7 @@
       </a:bgFillStyleLst>
     </a:fmtScheme>
   </a:themeElements>
-</a:theme>
-</file>
-
-<file path=ppt/theme/theme2.xml><?xml version="1.0" encoding="utf-8"?>
-<a:theme xmlns:a="http://schemas.openxmlformats.org/drawingml/2006/main" xmlns:r="http://schemas.openxmlformats.org/officeDocument/2006/relationships" name="Simple Light">
-  <a:themeElements>
-    <a:clrScheme name="Simple Light">
-      <a:dk1>
-        <a:srgbClr val="000000"/>
-      </a:dk1>
-      <a:lt1>
-        <a:srgbClr val="FFFFFF"/>
-      </a:lt1>
-      <a:dk2>
-        <a:srgbClr val="595959"/>
-      </a:dk2>
-      <a:lt2>
-        <a:srgbClr val="EEEEEE"/>
-      </a:lt2>
-      <a:accent1>
-        <a:srgbClr val="FFAB40"/>
-      </a:accent1>
-      <a:accent2>
-        <a:srgbClr val="212121"/>
-      </a:accent2>
-      <a:accent3>
-        <a:srgbClr val="78909C"/>
-      </a:accent3>
-      <a:accent4>
-        <a:srgbClr val="FFAB40"/>
-      </a:accent4>
-      <a:accent5>
-        <a:srgbClr val="0097A7"/>
-      </a:accent5>
-      <a:accent6>
-        <a:srgbClr val="EEFF41"/>
-      </a:accent6>
-      <a:hlink>
-        <a:srgbClr val="0097A7"/>
-      </a:hlink>
-      <a:folHlink>
-        <a:srgbClr val="0097A7"/>
-      </a:folHlink>
-    </a:clrScheme>
-    <a:fontScheme name="Office">
-      <a:majorFont>
-        <a:latin typeface="Arial"/>
-        <a:ea typeface=""/>
-        <a:cs typeface=""/>
-        <a:font script="Jpan" typeface="ＭＳ Ｐゴシック"/>
-        <a:font script="Hang" typeface="맑은 고딕"/>
-        <a:font script="Hans" typeface="宋体"/>
-        <a:font script="Hant" typeface="新細明體"/>
-        <a:font script="Arab" typeface="Times New Roman"/>
-        <a:font script="Hebr" typeface="Times New Roman"/>
-        <a:font script="Thai" typeface="Angsana New"/>
-        <a:font script="Ethi" typeface="Nyala"/>
-        <a:font script="Beng" typeface="Vrinda"/>
-        <a:font script="Gujr" typeface="Shruti"/>
-        <a:font script="Khmr" typeface="MoolBoran"/>
-        <a:font script="Knda" typeface="Tunga"/>
-        <a:font script="Guru" typeface="Raavi"/>
-        <a:font script="Cans" typeface="Euphemia"/>
-        <a:font script="Cher" typeface="Plantagenet Cherokee"/>
-        <a:font script="Yiii" typeface="Microsoft Yi Baiti"/>
-        <a:font script="Tibt" typeface="Microsoft Himalaya"/>
-        <a:font script="Thaa" typeface="MV Boli"/>
-        <a:font script="Deva" typeface="Mangal"/>
-        <a:font script="Telu" typeface="Gautami"/>
-        <a:font script="Taml" typeface="Latha"/>
-        <a:font script="Syrc" typeface="Estrangelo Edessa"/>
-        <a:font script="Orya" typeface="Kalinga"/>
-        <a:font script="Mlym" typeface="Kartika"/>
-        <a:font script="Laoo" typeface="DokChampa"/>
-        <a:font script="Sinh" typeface="Iskoola Pota"/>
-        <a:font script="Mong" typeface="Mongolian Baiti"/>
-        <a:font script="Viet" typeface="Times New Roman"/>
-        <a:font script="Uigh" typeface="Microsoft Uighur"/>
-        <a:font script="Geor" typeface="Sylfaen"/>
-      </a:majorFont>
-      <a:minorFont>
-        <a:latin typeface="Arial"/>
-        <a:ea typeface=""/>
-        <a:cs typeface=""/>
-        <a:font script="Jpan" typeface="ＭＳ Ｐゴシック"/>
-        <a:font script="Hang" typeface="맑은 고딕"/>
-        <a:font script="Hans" typeface="宋体"/>
-        <a:font script="Hant" typeface="新細明體"/>
-        <a:font script="Arab" typeface="Arial"/>
-        <a:font script="Hebr" typeface="Arial"/>
-        <a:font script="Thai" typeface="Cordia New"/>
-        <a:font script="Ethi" typeface="Nyala"/>
-        <a:font script="Beng" typeface="Vrinda"/>
-        <a:font script="Gujr" typeface="Shruti"/>
-        <a:font script="Khmr" typeface="DaunPenh"/>
-        <a:font script="Knda" typeface="Tunga"/>
-        <a:font script="Guru" typeface="Raavi"/>
-        <a:font script="Cans" typeface="Euphemia"/>
-        <a:font script="Cher" typeface="Plantagenet Cherokee"/>
-        <a:font script="Yiii" typeface="Microsoft Yi Baiti"/>
-        <a:font script="Tibt" typeface="Microsoft Himalaya"/>
-        <a:font script="Thaa" typeface="MV Boli"/>
-        <a:font script="Deva" typeface="Mangal"/>
-        <a:font script="Telu" typeface="Gautami"/>
-        <a:font script="Taml" typeface="Latha"/>
-        <a:font script="Syrc" typeface="Estrangelo Edessa"/>
-        <a:font script="Orya" typeface="Kalinga"/>
-        <a:font script="Mlym" typeface="Kartika"/>
-        <a:font script="Laoo" typeface="DokChampa"/>
-        <a:font script="Sinh" typeface="Iskoola Pota"/>
-        <a:font script="Mong" typeface="Mongolian Baiti"/>
-        <a:font script="Viet" typeface="Arial"/>
-        <a:font script="Uigh" typeface="Microsoft Uighur"/>
-        <a:font script="Geor" typeface="Sylfaen"/>
-      </a:minorFont>
-    </a:fontScheme>
-    <a:fmtScheme name="Office">
-      <a:fillStyleLst>
-        <a:solidFill>
-          <a:schemeClr val="phClr"/>
-        </a:solidFill>
-        <a:gradFill rotWithShape="1">
-          <a:gsLst>
-            <a:gs pos="0">
-              <a:schemeClr val="phClr">
-                <a:tint val="50000"/>
-                <a:satMod val="300000"/>
-              </a:schemeClr>
-            </a:gs>
-            <a:gs pos="35000">
-              <a:schemeClr val="phClr">
-                <a:tint val="37000"/>
-                <a:satMod val="300000"/>
-              </a:schemeClr>
-            </a:gs>
-            <a:gs pos="100000">
-              <a:schemeClr val="phClr">
-                <a:tint val="15000"/>
-                <a:satMod val="350000"/>
-              </a:schemeClr>
-            </a:gs>
-          </a:gsLst>
-          <a:lin ang="16200000" scaled="1"/>
-        </a:gradFill>
-        <a:gradFill rotWithShape="1">
-          <a:gsLst>
-            <a:gs pos="0">
-              <a:schemeClr val="phClr">
-                <a:tint val="100000"/>
-                <a:shade val="100000"/>
-                <a:satMod val="130000"/>
-              </a:schemeClr>
-            </a:gs>
-            <a:gs pos="100000">
-              <a:schemeClr val="phClr">
-                <a:tint val="50000"/>
-                <a:shade val="100000"/>
-                <a:satMod val="350000"/>
-              </a:schemeClr>
-            </a:gs>
-          </a:gsLst>
-          <a:lin ang="16200000" scaled="0"/>
-        </a:gradFill>
-      </a:fillStyleLst>
-      <a:lnStyleLst>
-        <a:ln w="9525" cap="flat" cmpd="sng" algn="ctr">
-          <a:solidFill>
-            <a:schemeClr val="phClr">
-              <a:shade val="95000"/>
-              <a:satMod val="105000"/>
-            </a:schemeClr>
-          </a:solidFill>
-          <a:prstDash val="solid"/>
-        </a:ln>
-        <a:ln w="25400" cap="flat" cmpd="sng" algn="ctr">
-          <a:solidFill>
-            <a:schemeClr val="phClr"/>
-          </a:solidFill>
-          <a:prstDash val="solid"/>
-        </a:ln>
-        <a:ln w="38100" cap="flat" cmpd="sng" algn="ctr">
-          <a:solidFill>
-            <a:schemeClr val="phClr"/>
-          </a:solidFill>
-          <a:prstDash val="solid"/>
-        </a:ln>
-      </a:lnStyleLst>
-      <a:effectStyleLst>
-        <a:effectStyle>
-          <a:effectLst>
-            <a:outerShdw blurRad="40000" dist="20000" dir="5400000" rotWithShape="0">
-              <a:srgbClr val="000000">
-                <a:alpha val="38000"/>
-              </a:srgbClr>
-            </a:outerShdw>
-          </a:effectLst>
-        </a:effectStyle>
-        <a:effectStyle>
-          <a:effectLst>
-            <a:outerShdw blurRad="40000" dist="23000" dir="5400000" rotWithShape="0">
-              <a:srgbClr val="000000">
-                <a:alpha val="35000"/>
-              </a:srgbClr>
-            </a:outerShdw>
-          </a:effectLst>
-        </a:effectStyle>
-        <a:effectStyle>
-          <a:effectLst>
-            <a:outerShdw blurRad="40000" dist="23000" dir="5400000" rotWithShape="0">
-              <a:srgbClr val="000000">
-                <a:alpha val="35000"/>
-              </a:srgbClr>
-            </a:outerShdw>
-          </a:effectLst>
-          <a:scene3d>
-            <a:camera prst="orthographicFront">
-              <a:rot lat="0" lon="0" rev="0"/>
-            </a:camera>
-            <a:lightRig rig="threePt" dir="t">
-              <a:rot lat="0" lon="0" rev="1200000"/>
-            </a:lightRig>
-          </a:scene3d>
-          <a:sp3d>
-            <a:bevelT w="63500" h="25400"/>
-          </a:sp3d>
-        </a:effectStyle>
-      </a:effectStyleLst>
-      <a:bgFillStyleLst>
-        <a:solidFill>
-          <a:schemeClr val="phClr"/>
-        </a:solidFill>
-        <a:gradFill rotWithShape="1">
-          <a:gsLst>
-            <a:gs pos="0">
-              <a:schemeClr val="phClr">
-                <a:tint val="40000"/>
-                <a:satMod val="350000"/>
-              </a:schemeClr>
-            </a:gs>
-            <a:gs pos="40000">
-              <a:schemeClr val="phClr">
-                <a:tint val="45000"/>
-                <a:shade val="99000"/>
-                <a:satMod val="350000"/>
-              </a:schemeClr>
-            </a:gs>
-            <a:gs pos="100000">
-              <a:schemeClr val="phClr">
-                <a:shade val="20000"/>
-                <a:satMod val="255000"/>
-              </a:schemeClr>
-            </a:gs>
-          </a:gsLst>
-          <a:path path="circle">
-            <a:fillToRect l="50000" t="-80000" r="50000" b="180000"/>
-          </a:path>
-        </a:gradFill>
-        <a:gradFill rotWithShape="1">
-          <a:gsLst>
-            <a:gs pos="0">
-              <a:schemeClr val="phClr">
-                <a:tint val="80000"/>
-                <a:satMod val="300000"/>
-              </a:schemeClr>
-            </a:gs>
-            <a:gs pos="100000">
-              <a:schemeClr val="phClr">
-                <a:shade val="30000"/>
-                <a:satMod val="200000"/>
-              </a:schemeClr>
-            </a:gs>
-          </a:gsLst>
-          <a:path path="circle">
-            <a:fillToRect l="50000" t="50000" r="50000" b="50000"/>
-          </a:path>
-        </a:gradFill>
-      </a:bgFillStyleLst>
-    </a:fmtScheme>
-  </a:themeElements>
+  <a:objectDefaults/>
+  <a:extraClrSchemeLst/>
 </a:theme>
 </file>
--- a/TA2/lmcp-message-format/Build Interfaces.pptx
+++ b/TA2/lmcp-message-format/Build Interfaces.pptx
@@ -794,10 +794,10 @@
               <a:buNone/>
             </a:pPr>
             <a:r>
-              <a:rPr lang="en"/>
+              <a:rPr lang="en" dirty="0"/>
               <a:t>Restrictions:</a:t>
             </a:r>
-            <a:endParaRPr/>
+            <a:endParaRPr dirty="0"/>
           </a:p>
           <a:p>
             <a:pPr marL="457200" lvl="0" indent="-298450" algn="l" rtl="0">
@@ -811,10 +811,10 @@
               <a:buChar char="●"/>
             </a:pPr>
             <a:r>
-              <a:rPr lang="en"/>
-              <a:t>The logic in AGREE does not generate two letters from the same LMCP object (i.e., the values in the LMCP object uniquely identify the letter). If the DFA wants an edge that is (A /\ B) and an edge that is just A, then each of these needs to be a unique letter: map needed members of the power-set to unique letters</a:t>
+              <a:rPr lang="en" dirty="0"/>
+              <a:t>The logic in AGREE does not generate two letters from the same LMCP object (i.e., the values in the LMCP object from an event plus LMCP objects on data ports uniquely identify the letter). If the DFA wants an edge that is (A /\ B) and an edge that is just A, then each of these needs to be a unique letter: map needed members of the power-set to unique letters</a:t>
             </a:r>
-            <a:endParaRPr/>
+            <a:endParaRPr dirty="0"/>
           </a:p>
           <a:p>
             <a:pPr marL="457200" lvl="0" indent="-298450" algn="l" rtl="0">
@@ -828,10 +828,10 @@
               <a:buChar char="●"/>
             </a:pPr>
             <a:r>
-              <a:rPr lang="en"/>
+              <a:rPr lang="en" dirty="0"/>
               <a:t>SPLAT sees LMCP objects sequentially one at a time and each call steps the DFA</a:t>
             </a:r>
-            <a:endParaRPr/>
+            <a:endParaRPr dirty="0"/>
           </a:p>
           <a:p>
             <a:pPr marL="457200" lvl="0" indent="0" algn="l" rtl="0">
@@ -843,7 +843,7 @@
               </a:spcAft>
               <a:buNone/>
             </a:pPr>
-            <a:endParaRPr/>
+            <a:endParaRPr dirty="0"/>
           </a:p>
           <a:p>
             <a:pPr marL="0" lvl="0" indent="0" algn="l" rtl="0">
@@ -856,10 +856,10 @@
               <a:buNone/>
             </a:pPr>
             <a:r>
-              <a:rPr lang="en"/>
+              <a:rPr lang="en" dirty="0"/>
               <a:t>Assumptions:</a:t>
             </a:r>
-            <a:endParaRPr/>
+            <a:endParaRPr dirty="0"/>
           </a:p>
           <a:p>
             <a:pPr marL="457200" lvl="0" indent="-298450" algn="l" rtl="0">
@@ -873,10 +873,10 @@
               <a:buChar char="●"/>
             </a:pPr>
             <a:r>
-              <a:rPr lang="en"/>
+              <a:rPr lang="en" dirty="0"/>
               <a:t>There is some way to tell splat to step the machine with a “tick” </a:t>
             </a:r>
-            <a:endParaRPr/>
+            <a:endParaRPr dirty="0"/>
           </a:p>
         </p:txBody>
       </p:sp>
@@ -6356,9 +6356,9 @@
             </a:pPr>
             <a:r>
               <a:rPr lang="en"/>
-              <a:t>SPLAT</a:t>
+              <a:t>SPLATMON</a:t>
             </a:r>
-            <a:endParaRPr/>
+            <a:endParaRPr dirty="0"/>
           </a:p>
           <a:p>
             <a:pPr marL="0" lvl="0" indent="0" algn="ctr" rtl="0">
@@ -6370,7 +6370,7 @@
               </a:spcAft>
               <a:buNone/>
             </a:pPr>
-            <a:endParaRPr/>
+            <a:endParaRPr dirty="0"/>
           </a:p>
           <a:p>
             <a:pPr marL="0" lvl="0" indent="0" algn="ctr" rtl="0">
@@ -6382,7 +6382,7 @@
               </a:spcAft>
               <a:buNone/>
             </a:pPr>
-            <a:endParaRPr/>
+            <a:endParaRPr dirty="0"/>
           </a:p>
           <a:p>
             <a:pPr marL="0" lvl="0" indent="0" algn="ctr" rtl="0">
@@ -6394,7 +6394,7 @@
               </a:spcAft>
               <a:buNone/>
             </a:pPr>
-            <a:endParaRPr/>
+            <a:endParaRPr dirty="0"/>
           </a:p>
           <a:p>
             <a:pPr marL="0" lvl="0" indent="0" algn="ctr" rtl="0">
@@ -6406,7 +6406,7 @@
               </a:spcAft>
               <a:buNone/>
             </a:pPr>
-            <a:endParaRPr/>
+            <a:endParaRPr dirty="0"/>
           </a:p>
           <a:p>
             <a:pPr marL="0" lvl="0" indent="0" algn="ctr" rtl="0">
@@ -6418,7 +6418,7 @@
               </a:spcAft>
               <a:buNone/>
             </a:pPr>
-            <a:endParaRPr/>
+            <a:endParaRPr dirty="0"/>
           </a:p>
           <a:p>
             <a:pPr marL="0" lvl="0" indent="0" algn="ctr" rtl="0">
@@ -6430,7 +6430,7 @@
               </a:spcAft>
               <a:buNone/>
             </a:pPr>
-            <a:endParaRPr/>
+            <a:endParaRPr dirty="0"/>
           </a:p>
           <a:p>
             <a:pPr marL="0" lvl="0" indent="0" algn="ctr" rtl="0">
@@ -6442,7 +6442,7 @@
               </a:spcAft>
               <a:buNone/>
             </a:pPr>
-            <a:endParaRPr/>
+            <a:endParaRPr dirty="0"/>
           </a:p>
           <a:p>
             <a:pPr marL="0" lvl="0" indent="0" algn="ctr" rtl="0">
@@ -6454,7 +6454,7 @@
               </a:spcAft>
               <a:buNone/>
             </a:pPr>
-            <a:endParaRPr/>
+            <a:endParaRPr dirty="0"/>
           </a:p>
           <a:p>
             <a:pPr marL="0" lvl="0" indent="0" algn="ctr" rtl="0">
@@ -6466,7 +6466,7 @@
               </a:spcAft>
               <a:buNone/>
             </a:pPr>
-            <a:endParaRPr/>
+            <a:endParaRPr dirty="0"/>
           </a:p>
           <a:p>
             <a:pPr marL="0" lvl="0" indent="0" algn="ctr" rtl="0">
@@ -6478,7 +6478,7 @@
               </a:spcAft>
               <a:buNone/>
             </a:pPr>
-            <a:endParaRPr/>
+            <a:endParaRPr dirty="0"/>
           </a:p>
         </p:txBody>
       </p:sp>
@@ -6528,10 +6528,18 @@
               <a:buNone/>
             </a:pPr>
             <a:r>
-              <a:rPr lang="en"/>
-              <a:t> (port,lmcp)</a:t>
+              <a:rPr lang="en" dirty="0"/>
+              <a:t> (</a:t>
             </a:r>
-            <a:endParaRPr/>
+            <a:r>
+              <a:rPr lang="en" dirty="0" err="1"/>
+              <a:t>port,lmcp</a:t>
+            </a:r>
+            <a:r>
+              <a:rPr lang="en" dirty="0"/>
+              <a:t>)</a:t>
+            </a:r>
+            <a:endParaRPr dirty="0"/>
           </a:p>
         </p:txBody>
       </p:sp>
@@ -6581,10 +6589,18 @@
               <a:buNone/>
             </a:pPr>
             <a:r>
-              <a:rPr lang="en"/>
-              <a:t>(port,lmcp)</a:t>
+              <a:rPr lang="en" dirty="0"/>
+              <a:t>(</a:t>
             </a:r>
-            <a:endParaRPr/>
+            <a:r>
+              <a:rPr lang="en" dirty="0" err="1"/>
+              <a:t>port,lmcp</a:t>
+            </a:r>
+            <a:r>
+              <a:rPr lang="en" dirty="0"/>
+              <a:t>)</a:t>
+            </a:r>
+            <a:endParaRPr dirty="0"/>
           </a:p>
         </p:txBody>
       </p:sp>
@@ -6936,8 +6952,8 @@
         </p:nvSpPr>
         <p:spPr>
           <a:xfrm>
-            <a:off x="4526175" y="4156550"/>
-            <a:ext cx="1753200" cy="794400"/>
+            <a:off x="3048000" y="4156550"/>
+            <a:ext cx="4651549" cy="794400"/>
           </a:xfrm>
           <a:prstGeom prst="rect">
             <a:avLst/>
@@ -6963,10 +6979,10 @@
               <a:buNone/>
             </a:pPr>
             <a:r>
-              <a:rPr lang="en"/>
-              <a:t>No port or LMCP means do nothing</a:t>
+              <a:rPr lang="en" dirty="0"/>
+              <a:t>This interface should be an array of ports and objects: one event and all the data ports since the data-ports may or may not be relevant to any event.</a:t>
             </a:r>
-            <a:endParaRPr/>
+            <a:endParaRPr dirty="0"/>
           </a:p>
         </p:txBody>
       </p:sp>
@@ -6974,15 +6990,16 @@
         <p:nvCxnSpPr>
           <p:cNvPr id="80" name="Google Shape;80;p13"/>
           <p:cNvCxnSpPr>
+            <a:cxnSpLocks/>
             <a:stCxn id="79" idx="0"/>
             <a:endCxn id="72" idx="2"/>
           </p:cNvCxnSpPr>
           <p:nvPr/>
         </p:nvCxnSpPr>
         <p:spPr>
-          <a:xfrm rot="10800000">
-            <a:off x="5401275" y="2973950"/>
-            <a:ext cx="1500" cy="1182600"/>
+          <a:xfrm flipV="1">
+            <a:off x="5373775" y="2974088"/>
+            <a:ext cx="27425" cy="1182462"/>
           </a:xfrm>
           <a:prstGeom prst="straightConnector1">
             <a:avLst/>

--- a/TA2/lmcp-message-format/Build Interfaces.pptx
+++ b/TA2/lmcp-message-format/Build Interfaces.pptx
@@ -5656,6 +5656,52 @@
       </p:grpSpPr>
       <p:sp>
         <p:nvSpPr>
+          <p:cNvPr id="2" name="Rounded Rectangle 1">
+            <a:extLst>
+              <a:ext uri="{FF2B5EF4-FFF2-40B4-BE49-F238E27FC236}">
+                <a16:creationId xmlns:a16="http://schemas.microsoft.com/office/drawing/2014/main" id="{9573E54B-2C9A-6045-966D-720156A5962E}"/>
+              </a:ext>
+            </a:extLst>
+          </p:cNvPr>
+          <p:cNvSpPr/>
+          <p:nvPr/>
+        </p:nvSpPr>
+        <p:spPr>
+          <a:xfrm>
+            <a:off x="3738350" y="1250209"/>
+            <a:ext cx="5235050" cy="2676107"/>
+          </a:xfrm>
+          <a:prstGeom prst="roundRect">
+            <a:avLst/>
+          </a:prstGeom>
+        </p:spPr>
+        <p:style>
+          <a:lnRef idx="2">
+            <a:schemeClr val="accent1">
+              <a:shade val="50000"/>
+            </a:schemeClr>
+          </a:lnRef>
+          <a:fillRef idx="1">
+            <a:schemeClr val="accent1"/>
+          </a:fillRef>
+          <a:effectRef idx="0">
+            <a:schemeClr val="accent1"/>
+          </a:effectRef>
+          <a:fontRef idx="minor">
+            <a:schemeClr val="lt1"/>
+          </a:fontRef>
+        </p:style>
+        <p:txBody>
+          <a:bodyPr rtlCol="0" anchor="ctr"/>
+          <a:lstStyle/>
+          <a:p>
+            <a:pPr algn="ctr"/>
+            <a:endParaRPr lang="en-US"/>
+          </a:p>
+        </p:txBody>
+      </p:sp>
+      <p:sp>
+        <p:nvSpPr>
           <p:cNvPr id="54" name="Google Shape;54;p13"/>
           <p:cNvSpPr/>
           <p:nvPr/>
@@ -5714,7 +5760,7 @@
         </p:nvSpPr>
         <p:spPr>
           <a:xfrm>
-            <a:off x="2571850" y="2049425"/>
+            <a:off x="2520469" y="2049425"/>
             <a:ext cx="1184700" cy="374700"/>
           </a:xfrm>
           <a:prstGeom prst="rightArrow">
@@ -5752,10 +5798,18 @@
               <a:buNone/>
             </a:pPr>
             <a:r>
-              <a:rPr lang="en"/>
-              <a:t> (t, lmcp)</a:t>
+              <a:rPr lang="en" dirty="0"/>
+              <a:t> (t, </a:t>
             </a:r>
-            <a:endParaRPr/>
+            <a:r>
+              <a:rPr lang="en" dirty="0" err="1"/>
+              <a:t>bArr</a:t>
+            </a:r>
+            <a:r>
+              <a:rPr lang="en" dirty="0"/>
+              <a:t>)</a:t>
+            </a:r>
+            <a:endParaRPr dirty="0"/>
           </a:p>
         </p:txBody>
       </p:sp>
@@ -5804,10 +5858,10 @@
               <a:buNone/>
             </a:pPr>
             <a:r>
-              <a:rPr lang="en"/>
-              <a:t>Type II</a:t>
+              <a:rPr lang="en" dirty="0"/>
+              <a:t>Type IV</a:t>
             </a:r>
-            <a:endParaRPr/>
+            <a:endParaRPr dirty="0"/>
           </a:p>
         </p:txBody>
       </p:sp>
@@ -5856,11 +5910,7 @@
               </a:spcAft>
               <a:buNone/>
             </a:pPr>
-            <a:r>
-              <a:rPr lang="en"/>
-              <a:t>transport</a:t>
-            </a:r>
-            <a:endParaRPr/>
+            <a:endParaRPr dirty="0"/>
           </a:p>
         </p:txBody>
       </p:sp>
@@ -5872,7 +5922,7 @@
         </p:nvSpPr>
         <p:spPr>
           <a:xfrm>
-            <a:off x="2521850" y="1675275"/>
+            <a:off x="2470469" y="1675275"/>
             <a:ext cx="1184700" cy="342300"/>
           </a:xfrm>
           <a:prstGeom prst="leftArrow">
@@ -5959,77 +6009,6 @@
           </a:p>
         </p:txBody>
       </p:sp>
-      <p:sp>
-        <p:nvSpPr>
-          <p:cNvPr id="60" name="Google Shape;60;p13"/>
-          <p:cNvSpPr txBox="1"/>
-          <p:nvPr/>
-        </p:nvSpPr>
-        <p:spPr>
-          <a:xfrm>
-            <a:off x="828750" y="83725"/>
-            <a:ext cx="2301300" cy="959700"/>
-          </a:xfrm>
-          <a:prstGeom prst="rect">
-            <a:avLst/>
-          </a:prstGeom>
-          <a:noFill/>
-          <a:ln>
-            <a:noFill/>
-          </a:ln>
-        </p:spPr>
-        <p:txBody>
-          <a:bodyPr spcFirstLastPara="1" wrap="square" lIns="91425" tIns="91425" rIns="91425" bIns="91425" anchor="t" anchorCtr="0">
-            <a:noAutofit/>
-          </a:bodyPr>
-          <a:lstStyle/>
-          <a:p>
-            <a:pPr marL="0" lvl="0" indent="0" algn="l" rtl="0">
-              <a:spcBef>
-                <a:spcPts val="0"/>
-              </a:spcBef>
-              <a:spcAft>
-                <a:spcPts val="0"/>
-              </a:spcAft>
-              <a:buNone/>
-            </a:pPr>
-            <a:r>
-              <a:rPr lang="en"/>
-              <a:t>Manages the transport layer with the address and attributes of the message as well as the time stamp</a:t>
-            </a:r>
-            <a:endParaRPr/>
-          </a:p>
-        </p:txBody>
-      </p:sp>
-      <p:cxnSp>
-        <p:nvCxnSpPr>
-          <p:cNvPr id="61" name="Google Shape;61;p13"/>
-          <p:cNvCxnSpPr>
-            <a:stCxn id="60" idx="2"/>
-            <a:endCxn id="54" idx="0"/>
-          </p:cNvCxnSpPr>
-          <p:nvPr/>
-        </p:nvCxnSpPr>
-        <p:spPr>
-          <a:xfrm>
-            <a:off x="1979400" y="1043425"/>
-            <a:ext cx="0" cy="342300"/>
-          </a:xfrm>
-          <a:prstGeom prst="straightConnector1">
-            <a:avLst/>
-          </a:prstGeom>
-          <a:noFill/>
-          <a:ln w="9525" cap="flat" cmpd="sng">
-            <a:solidFill>
-              <a:schemeClr val="dk2"/>
-            </a:solidFill>
-            <a:prstDash val="solid"/>
-            <a:round/>
-            <a:headEnd type="none" w="med" len="med"/>
-            <a:tailEnd type="triangle" w="med" len="med"/>
-          </a:ln>
-        </p:spPr>
-      </p:cxnSp>
       <p:cxnSp>
         <p:nvCxnSpPr>
           <p:cNvPr id="62" name="Google Shape;62;p13"/>
@@ -6061,83 +6040,13 @@
       </p:cxnSp>
       <p:sp>
         <p:nvSpPr>
-          <p:cNvPr id="63" name="Google Shape;63;p13"/>
-          <p:cNvSpPr txBox="1"/>
-          <p:nvPr/>
-        </p:nvSpPr>
-        <p:spPr>
-          <a:xfrm>
-            <a:off x="-29500" y="4102925"/>
-            <a:ext cx="1753200" cy="794400"/>
-          </a:xfrm>
-          <a:prstGeom prst="rect">
-            <a:avLst/>
-          </a:prstGeom>
-          <a:noFill/>
-          <a:ln>
-            <a:noFill/>
-          </a:ln>
-        </p:spPr>
-        <p:txBody>
-          <a:bodyPr spcFirstLastPara="1" wrap="square" lIns="91425" tIns="91425" rIns="91425" bIns="91425" anchor="t" anchorCtr="0">
-            <a:noAutofit/>
-          </a:bodyPr>
-          <a:lstStyle/>
-          <a:p>
-            <a:pPr marL="0" lvl="0" indent="0" algn="l" rtl="0">
-              <a:spcBef>
-                <a:spcPts val="0"/>
-              </a:spcBef>
-              <a:spcAft>
-                <a:spcPts val="0"/>
-              </a:spcAft>
-              <a:buNone/>
-            </a:pPr>
-            <a:r>
-              <a:rPr lang="en"/>
-              <a:t>Address-Attributed transport messages</a:t>
-            </a:r>
-            <a:endParaRPr/>
-          </a:p>
-        </p:txBody>
-      </p:sp>
-      <p:cxnSp>
-        <p:nvCxnSpPr>
-          <p:cNvPr id="64" name="Google Shape;64;p13"/>
-          <p:cNvCxnSpPr>
-            <a:stCxn id="63" idx="0"/>
-          </p:cNvCxnSpPr>
-          <p:nvPr/>
-        </p:nvCxnSpPr>
-        <p:spPr>
-          <a:xfrm rot="10800000" flipH="1">
-            <a:off x="847100" y="2907125"/>
-            <a:ext cx="17100" cy="1195800"/>
-          </a:xfrm>
-          <a:prstGeom prst="straightConnector1">
-            <a:avLst/>
-          </a:prstGeom>
-          <a:noFill/>
-          <a:ln w="9525" cap="flat" cmpd="sng">
-            <a:solidFill>
-              <a:schemeClr val="dk2"/>
-            </a:solidFill>
-            <a:prstDash val="solid"/>
-            <a:round/>
-            <a:headEnd type="none" w="med" len="med"/>
-            <a:tailEnd type="triangle" w="med" len="med"/>
-          </a:ln>
-        </p:spPr>
-      </p:cxnSp>
-      <p:sp>
-        <p:nvSpPr>
           <p:cNvPr id="65" name="Google Shape;65;p13"/>
           <p:cNvSpPr/>
           <p:nvPr/>
         </p:nvSpPr>
         <p:spPr>
           <a:xfrm>
-            <a:off x="2503550" y="1640850"/>
+            <a:off x="2452169" y="1640850"/>
             <a:ext cx="1253100" cy="794400"/>
           </a:xfrm>
           <a:prstGeom prst="rect">
@@ -6181,7 +6090,7 @@
         </p:nvSpPr>
         <p:spPr>
           <a:xfrm>
-            <a:off x="2503550" y="2949525"/>
+            <a:off x="2452169" y="2949525"/>
             <a:ext cx="1184700" cy="374700"/>
           </a:xfrm>
           <a:prstGeom prst="leftArrow">
@@ -6219,10 +6128,18 @@
               <a:buNone/>
             </a:pPr>
             <a:r>
-              <a:rPr lang="en"/>
-              <a:t>(port,lmcp)</a:t>
+              <a:rPr lang="en" dirty="0"/>
+              <a:t>(port, </a:t>
             </a:r>
-            <a:endParaRPr/>
+            <a:r>
+              <a:rPr lang="en" dirty="0" err="1"/>
+              <a:t>bArr</a:t>
+            </a:r>
+            <a:r>
+              <a:rPr lang="en" dirty="0"/>
+              <a:t>)</a:t>
+            </a:r>
+            <a:endParaRPr dirty="0"/>
           </a:p>
         </p:txBody>
       </p:sp>
@@ -6276,7 +6193,7 @@
         </p:nvSpPr>
         <p:spPr>
           <a:xfrm>
-            <a:off x="2860900" y="2713600"/>
+            <a:off x="2853150" y="2741694"/>
             <a:ext cx="606600" cy="374700"/>
           </a:xfrm>
           <a:prstGeom prst="rect">
@@ -6355,8 +6272,8 @@
               <a:buNone/>
             </a:pPr>
             <a:r>
-              <a:rPr lang="en"/>
-              <a:t>SPLATMON</a:t>
+              <a:rPr lang="en" dirty="0"/>
+              <a:t>DFA</a:t>
             </a:r>
             <a:endParaRPr dirty="0"/>
           </a:p>
@@ -6529,11 +6446,11 @@
             </a:pPr>
             <a:r>
               <a:rPr lang="en" dirty="0"/>
-              <a:t> (</a:t>
+              <a:t> (id, </a:t>
             </a:r>
             <a:r>
               <a:rPr lang="en" dirty="0" err="1"/>
-              <a:t>port,lmcp</a:t>
+              <a:t>bArr</a:t>
             </a:r>
             <a:r>
               <a:rPr lang="en" dirty="0"/>
@@ -6590,11 +6507,11 @@
             </a:pPr>
             <a:r>
               <a:rPr lang="en" dirty="0"/>
-              <a:t>(</a:t>
+              <a:t>(id, </a:t>
             </a:r>
             <a:r>
               <a:rPr lang="en" dirty="0" err="1"/>
-              <a:t>port,lmcp</a:t>
+              <a:t>bArr</a:t>
             </a:r>
             <a:r>
               <a:rPr lang="en" dirty="0"/>
@@ -6650,55 +6567,13 @@
       </p:sp>
       <p:sp>
         <p:nvSpPr>
-          <p:cNvPr id="73" name="Google Shape;73;p13"/>
-          <p:cNvSpPr txBox="1"/>
-          <p:nvPr/>
-        </p:nvSpPr>
-        <p:spPr>
-          <a:xfrm>
-            <a:off x="4970625" y="1839425"/>
-            <a:ext cx="864300" cy="374700"/>
-          </a:xfrm>
-          <a:prstGeom prst="rect">
-            <a:avLst/>
-          </a:prstGeom>
-          <a:noFill/>
-          <a:ln>
-            <a:noFill/>
-          </a:ln>
-        </p:spPr>
-        <p:txBody>
-          <a:bodyPr spcFirstLastPara="1" wrap="square" lIns="91425" tIns="91425" rIns="91425" bIns="91425" anchor="t" anchorCtr="0">
-            <a:noAutofit/>
-          </a:bodyPr>
-          <a:lstStyle/>
-          <a:p>
-            <a:pPr marL="0" lvl="0" indent="0" algn="l" rtl="0">
-              <a:spcBef>
-                <a:spcPts val="0"/>
-              </a:spcBef>
-              <a:spcAft>
-                <a:spcPts val="0"/>
-              </a:spcAft>
-              <a:buNone/>
-            </a:pPr>
-            <a:r>
-              <a:rPr lang="en" i="1"/>
-              <a:t>runDFA</a:t>
-            </a:r>
-            <a:endParaRPr i="1"/>
-          </a:p>
-        </p:txBody>
-      </p:sp>
-      <p:sp>
-        <p:nvSpPr>
           <p:cNvPr id="74" name="Google Shape;74;p13"/>
           <p:cNvSpPr/>
           <p:nvPr/>
         </p:nvSpPr>
         <p:spPr>
           <a:xfrm>
-            <a:off x="6272400" y="1710275"/>
+            <a:off x="6271949" y="1615959"/>
             <a:ext cx="980700" cy="748200"/>
           </a:xfrm>
           <a:prstGeom prst="roundRect">
@@ -6735,10 +6610,10 @@
               <a:buNone/>
             </a:pPr>
             <a:r>
-              <a:rPr lang="en"/>
+              <a:rPr lang="en" dirty="0"/>
               <a:t>Compute Letter</a:t>
             </a:r>
-            <a:endParaRPr/>
+            <a:endParaRPr dirty="0"/>
           </a:p>
         </p:txBody>
       </p:sp>
@@ -6750,7 +6625,7 @@
         </p:nvSpPr>
         <p:spPr>
           <a:xfrm>
-            <a:off x="7737050" y="1710275"/>
+            <a:off x="7736599" y="1615959"/>
             <a:ext cx="980700" cy="748200"/>
           </a:xfrm>
           <a:prstGeom prst="roundRect">
@@ -6802,7 +6677,7 @@
         </p:nvSpPr>
         <p:spPr>
           <a:xfrm>
-            <a:off x="7737050" y="2838975"/>
+            <a:off x="7736599" y="2744659"/>
             <a:ext cx="980700" cy="748200"/>
           </a:xfrm>
           <a:prstGeom prst="roundRect">
@@ -6854,7 +6729,7 @@
         </p:nvSpPr>
         <p:spPr>
           <a:xfrm>
-            <a:off x="7295450" y="1989675"/>
+            <a:off x="7294999" y="1895359"/>
             <a:ext cx="404100" cy="189900"/>
           </a:xfrm>
           <a:prstGeom prst="rightArrow">
@@ -6903,7 +6778,7 @@
         </p:nvSpPr>
         <p:spPr>
           <a:xfrm>
-            <a:off x="8163275" y="2483550"/>
+            <a:off x="8162824" y="2389234"/>
             <a:ext cx="197700" cy="313500"/>
           </a:xfrm>
           <a:prstGeom prst="downArrow">
@@ -6980,7 +6855,7 @@
             </a:pPr>
             <a:r>
               <a:rPr lang="en" dirty="0"/>
-              <a:t>This interface should be an array of ports and objects: one event and all the data ports since the data-ports may or may not be relevant to any event.</a:t>
+              <a:t>This interface should be an array of ports and byte arrays: one event and all the data ports since the data-ports may or may not be relevant to any event.</a:t>
             </a:r>
             <a:endParaRPr dirty="0"/>
           </a:p>
@@ -7051,10 +6926,10 @@
               <a:buNone/>
             </a:pPr>
             <a:r>
-              <a:rPr lang="en"/>
-              <a:t>Computes letter from LMCP byte-array and AGREE and output from the same</a:t>
+              <a:rPr lang="en" dirty="0"/>
+              <a:t>Computes letter from byte-array and AGREE and output from the same</a:t>
             </a:r>
-            <a:endParaRPr/>
+            <a:endParaRPr dirty="0"/>
           </a:p>
         </p:txBody>
       </p:sp>
@@ -7101,7 +6976,7 @@
         </p:nvSpPr>
         <p:spPr>
           <a:xfrm>
-            <a:off x="6314750" y="2833697"/>
+            <a:off x="6314299" y="2739381"/>
             <a:ext cx="980700" cy="748200"/>
           </a:xfrm>
           <a:prstGeom prst="roundRect">
@@ -7157,79 +7032,6 @@
               <a:t>Codec</a:t>
             </a:r>
             <a:endParaRPr dirty="0"/>
-          </a:p>
-        </p:txBody>
-      </p:sp>
-      <p:sp>
-        <p:nvSpPr>
-          <p:cNvPr id="32" name="Google Shape;74;p13">
-            <a:extLst>
-              <a:ext uri="{FF2B5EF4-FFF2-40B4-BE49-F238E27FC236}">
-                <a16:creationId xmlns:a16="http://schemas.microsoft.com/office/drawing/2014/main" id="{A54DC05D-8550-ED49-A455-3A61B8987FC9}"/>
-              </a:ext>
-            </a:extLst>
-          </p:cNvPr>
-          <p:cNvSpPr/>
-          <p:nvPr/>
-        </p:nvSpPr>
-        <p:spPr>
-          <a:xfrm>
-            <a:off x="1638624" y="3125871"/>
-            <a:ext cx="674351" cy="546771"/>
-          </a:xfrm>
-          <a:prstGeom prst="roundRect">
-            <a:avLst>
-              <a:gd name="adj" fmla="val 16667"/>
-            </a:avLst>
-          </a:prstGeom>
-          <a:solidFill>
-            <a:srgbClr val="FCE5CD"/>
-          </a:solidFill>
-          <a:ln w="9525" cap="flat" cmpd="sng">
-            <a:solidFill>
-              <a:schemeClr val="dk2"/>
-            </a:solidFill>
-            <a:prstDash val="solid"/>
-            <a:round/>
-            <a:headEnd type="none" w="sm" len="sm"/>
-            <a:tailEnd type="none" w="sm" len="sm"/>
-          </a:ln>
-        </p:spPr>
-        <p:txBody>
-          <a:bodyPr spcFirstLastPara="1" wrap="square" lIns="91425" tIns="91425" rIns="91425" bIns="91425" anchor="ctr" anchorCtr="0">
-            <a:noAutofit/>
-          </a:bodyPr>
-          <a:lstStyle/>
-          <a:p>
-            <a:pPr marL="0" lvl="0" indent="0" algn="ctr" rtl="0">
-              <a:spcBef>
-                <a:spcPts val="0"/>
-              </a:spcBef>
-              <a:spcAft>
-                <a:spcPts val="0"/>
-              </a:spcAft>
-              <a:buNone/>
-            </a:pPr>
-            <a:r>
-              <a:rPr lang="en" sz="1100" dirty="0"/>
-              <a:t>Bit</a:t>
-            </a:r>
-          </a:p>
-          <a:p>
-            <a:pPr marL="0" lvl="0" indent="0" algn="ctr" rtl="0">
-              <a:spcBef>
-                <a:spcPts val="0"/>
-              </a:spcBef>
-              <a:spcAft>
-                <a:spcPts val="0"/>
-              </a:spcAft>
-              <a:buNone/>
-            </a:pPr>
-            <a:r>
-              <a:rPr lang="en" sz="1100" dirty="0"/>
-              <a:t>Codec</a:t>
-            </a:r>
-            <a:endParaRPr sz="1100" dirty="0"/>
           </a:p>
         </p:txBody>
       </p:sp>
